--- a/TCC - Documento/TCC II.pptx
+++ b/TCC - Documento/TCC II.pptx
@@ -250,7 +250,7 @@
           <a:p>
             <a:fld id="{1B59BDBE-59CB-4EDC-B99C-C69B3C658301}" type="datetimeFigureOut">
               <a:rPr lang="pt-BR" smtClean="0"/>
-              <a:t>21/04/2016</a:t>
+              <a:t>22/04/2016</a:t>
             </a:fld>
             <a:endParaRPr lang="pt-BR"/>
           </a:p>
@@ -857,7 +857,7 @@
           <a:p>
             <a:fld id="{775D8B99-A17D-4E1D-BB0B-67D1381AC551}" type="datetime1">
               <a:rPr lang="pt-BR" smtClean="0"/>
-              <a:t>21/04/2016</a:t>
+              <a:t>22/04/2016</a:t>
             </a:fld>
             <a:endParaRPr lang="pt-BR"/>
           </a:p>
@@ -1026,7 +1026,7 @@
           <a:p>
             <a:fld id="{775D8B99-A17D-4E1D-BB0B-67D1381AC551}" type="datetime1">
               <a:rPr lang="pt-BR" smtClean="0"/>
-              <a:t>21/04/2016</a:t>
+              <a:t>22/04/2016</a:t>
             </a:fld>
             <a:endParaRPr lang="pt-BR"/>
           </a:p>
@@ -1205,7 +1205,7 @@
           <a:p>
             <a:fld id="{775D8B99-A17D-4E1D-BB0B-67D1381AC551}" type="datetime1">
               <a:rPr lang="pt-BR" smtClean="0"/>
-              <a:t>21/04/2016</a:t>
+              <a:t>22/04/2016</a:t>
             </a:fld>
             <a:endParaRPr lang="pt-BR"/>
           </a:p>
@@ -1374,7 +1374,7 @@
           <a:p>
             <a:fld id="{775D8B99-A17D-4E1D-BB0B-67D1381AC551}" type="datetime1">
               <a:rPr lang="pt-BR" smtClean="0"/>
-              <a:t>21/04/2016</a:t>
+              <a:t>22/04/2016</a:t>
             </a:fld>
             <a:endParaRPr lang="pt-BR"/>
           </a:p>
@@ -1620,7 +1620,7 @@
           <a:p>
             <a:fld id="{7A316752-3A49-4DED-A458-533FF250ADCD}" type="datetime1">
               <a:rPr lang="pt-BR" smtClean="0"/>
-              <a:t>21/04/2016</a:t>
+              <a:t>22/04/2016</a:t>
             </a:fld>
             <a:endParaRPr lang="pt-BR"/>
           </a:p>
@@ -1861,7 +1861,7 @@
           <a:p>
             <a:fld id="{3103DA00-4E86-479F-9465-756E750E2C7A}" type="datetime1">
               <a:rPr lang="pt-BR" smtClean="0"/>
-              <a:t>21/04/2016</a:t>
+              <a:t>22/04/2016</a:t>
             </a:fld>
             <a:endParaRPr lang="pt-BR"/>
           </a:p>
@@ -2237,7 +2237,7 @@
           <a:p>
             <a:fld id="{8A9CFFEF-7C51-4A89-B41D-DB87D80AB99C}" type="datetime1">
               <a:rPr lang="pt-BR" smtClean="0"/>
-              <a:t>21/04/2016</a:t>
+              <a:t>22/04/2016</a:t>
             </a:fld>
             <a:endParaRPr lang="pt-BR"/>
           </a:p>
@@ -2366,7 +2366,7 @@
           <a:p>
             <a:fld id="{775D8B99-A17D-4E1D-BB0B-67D1381AC551}" type="datetime1">
               <a:rPr lang="pt-BR" smtClean="0"/>
-              <a:t>21/04/2016</a:t>
+              <a:t>22/04/2016</a:t>
             </a:fld>
             <a:endParaRPr lang="pt-BR"/>
           </a:p>
@@ -2462,7 +2462,7 @@
           <a:p>
             <a:fld id="{82DBB31F-1CF9-4A63-87FE-A0BE9289F539}" type="datetime1">
               <a:rPr lang="pt-BR" smtClean="0"/>
-              <a:t>21/04/2016</a:t>
+              <a:t>22/04/2016</a:t>
             </a:fld>
             <a:endParaRPr lang="pt-BR"/>
           </a:p>
@@ -2749,7 +2749,7 @@
           <a:p>
             <a:fld id="{E3047AFD-A5E2-4174-BC85-B3C41449EF2B}" type="datetime1">
               <a:rPr lang="pt-BR" smtClean="0"/>
-              <a:t>21/04/2016</a:t>
+              <a:t>22/04/2016</a:t>
             </a:fld>
             <a:endParaRPr lang="pt-BR"/>
           </a:p>
@@ -3013,7 +3013,7 @@
           <a:p>
             <a:fld id="{3DCB0219-104B-453B-9627-7BD4B22A4025}" type="datetime1">
               <a:rPr lang="pt-BR" smtClean="0"/>
-              <a:t>21/04/2016</a:t>
+              <a:t>22/04/2016</a:t>
             </a:fld>
             <a:endParaRPr lang="pt-BR"/>
           </a:p>
@@ -3236,7 +3236,7 @@
           <a:p>
             <a:fld id="{775D8B99-A17D-4E1D-BB0B-67D1381AC551}" type="datetime1">
               <a:rPr lang="pt-BR" smtClean="0"/>
-              <a:t>21/04/2016</a:t>
+              <a:t>22/04/2016</a:t>
             </a:fld>
             <a:endParaRPr lang="pt-BR"/>
           </a:p>
@@ -10621,8 +10621,8 @@
         </p:blipFill>
         <p:spPr>
           <a:xfrm>
-            <a:off x="727927" y="1930400"/>
-            <a:ext cx="7787423" cy="3658943"/>
+            <a:off x="727927" y="1931396"/>
+            <a:ext cx="7787423" cy="3656951"/>
           </a:xfrm>
         </p:spPr>
       </p:pic>

--- a/TCC - Documento/TCC II.pptx
+++ b/TCC - Documento/TCC II.pptx
@@ -5,7 +5,7 @@
     <p:sldMasterId id="2147483933" r:id="rId1"/>
   </p:sldMasterIdLst>
   <p:notesMasterIdLst>
-    <p:notesMasterId r:id="rId44"/>
+    <p:notesMasterId r:id="rId41"/>
   </p:notesMasterIdLst>
   <p:sldIdLst>
     <p:sldId id="326" r:id="rId2"/>
@@ -33,23 +33,20 @@
     <p:sldId id="310" r:id="rId24"/>
     <p:sldId id="311" r:id="rId25"/>
     <p:sldId id="312" r:id="rId26"/>
-    <p:sldId id="293" r:id="rId27"/>
-    <p:sldId id="313" r:id="rId28"/>
-    <p:sldId id="314" r:id="rId29"/>
-    <p:sldId id="268" r:id="rId30"/>
-    <p:sldId id="269" r:id="rId31"/>
-    <p:sldId id="267" r:id="rId32"/>
-    <p:sldId id="298" r:id="rId33"/>
-    <p:sldId id="299" r:id="rId34"/>
-    <p:sldId id="315" r:id="rId35"/>
-    <p:sldId id="300" r:id="rId36"/>
-    <p:sldId id="318" r:id="rId37"/>
-    <p:sldId id="319" r:id="rId38"/>
-    <p:sldId id="320" r:id="rId39"/>
-    <p:sldId id="321" r:id="rId40"/>
-    <p:sldId id="294" r:id="rId41"/>
-    <p:sldId id="324" r:id="rId42"/>
-    <p:sldId id="325" r:id="rId43"/>
+    <p:sldId id="268" r:id="rId27"/>
+    <p:sldId id="269" r:id="rId28"/>
+    <p:sldId id="267" r:id="rId29"/>
+    <p:sldId id="298" r:id="rId30"/>
+    <p:sldId id="299" r:id="rId31"/>
+    <p:sldId id="315" r:id="rId32"/>
+    <p:sldId id="300" r:id="rId33"/>
+    <p:sldId id="318" r:id="rId34"/>
+    <p:sldId id="319" r:id="rId35"/>
+    <p:sldId id="320" r:id="rId36"/>
+    <p:sldId id="321" r:id="rId37"/>
+    <p:sldId id="294" r:id="rId38"/>
+    <p:sldId id="324" r:id="rId39"/>
+    <p:sldId id="325" r:id="rId40"/>
   </p:sldIdLst>
   <p:sldSz cx="9144000" cy="6858000" type="screen4x3"/>
   <p:notesSz cx="6858000" cy="9144000"/>
@@ -250,7 +247,7 @@
           <a:p>
             <a:fld id="{1B59BDBE-59CB-4EDC-B99C-C69B3C658301}" type="datetimeFigureOut">
               <a:rPr lang="pt-BR" smtClean="0"/>
-              <a:t>22/04/2016</a:t>
+              <a:t>10/05/2016</a:t>
             </a:fld>
             <a:endParaRPr lang="pt-BR"/>
           </a:p>
@@ -857,7 +854,7 @@
           <a:p>
             <a:fld id="{775D8B99-A17D-4E1D-BB0B-67D1381AC551}" type="datetime1">
               <a:rPr lang="pt-BR" smtClean="0"/>
-              <a:t>22/04/2016</a:t>
+              <a:t>10/05/2016</a:t>
             </a:fld>
             <a:endParaRPr lang="pt-BR"/>
           </a:p>
@@ -1026,7 +1023,7 @@
           <a:p>
             <a:fld id="{775D8B99-A17D-4E1D-BB0B-67D1381AC551}" type="datetime1">
               <a:rPr lang="pt-BR" smtClean="0"/>
-              <a:t>22/04/2016</a:t>
+              <a:t>10/05/2016</a:t>
             </a:fld>
             <a:endParaRPr lang="pt-BR"/>
           </a:p>
@@ -1205,7 +1202,7 @@
           <a:p>
             <a:fld id="{775D8B99-A17D-4E1D-BB0B-67D1381AC551}" type="datetime1">
               <a:rPr lang="pt-BR" smtClean="0"/>
-              <a:t>22/04/2016</a:t>
+              <a:t>10/05/2016</a:t>
             </a:fld>
             <a:endParaRPr lang="pt-BR"/>
           </a:p>
@@ -1374,7 +1371,7 @@
           <a:p>
             <a:fld id="{775D8B99-A17D-4E1D-BB0B-67D1381AC551}" type="datetime1">
               <a:rPr lang="pt-BR" smtClean="0"/>
-              <a:t>22/04/2016</a:t>
+              <a:t>10/05/2016</a:t>
             </a:fld>
             <a:endParaRPr lang="pt-BR"/>
           </a:p>
@@ -1620,7 +1617,7 @@
           <a:p>
             <a:fld id="{7A316752-3A49-4DED-A458-533FF250ADCD}" type="datetime1">
               <a:rPr lang="pt-BR" smtClean="0"/>
-              <a:t>22/04/2016</a:t>
+              <a:t>10/05/2016</a:t>
             </a:fld>
             <a:endParaRPr lang="pt-BR"/>
           </a:p>
@@ -1861,7 +1858,7 @@
           <a:p>
             <a:fld id="{3103DA00-4E86-479F-9465-756E750E2C7A}" type="datetime1">
               <a:rPr lang="pt-BR" smtClean="0"/>
-              <a:t>22/04/2016</a:t>
+              <a:t>10/05/2016</a:t>
             </a:fld>
             <a:endParaRPr lang="pt-BR"/>
           </a:p>
@@ -2237,7 +2234,7 @@
           <a:p>
             <a:fld id="{8A9CFFEF-7C51-4A89-B41D-DB87D80AB99C}" type="datetime1">
               <a:rPr lang="pt-BR" smtClean="0"/>
-              <a:t>22/04/2016</a:t>
+              <a:t>10/05/2016</a:t>
             </a:fld>
             <a:endParaRPr lang="pt-BR"/>
           </a:p>
@@ -2366,7 +2363,7 @@
           <a:p>
             <a:fld id="{775D8B99-A17D-4E1D-BB0B-67D1381AC551}" type="datetime1">
               <a:rPr lang="pt-BR" smtClean="0"/>
-              <a:t>22/04/2016</a:t>
+              <a:t>10/05/2016</a:t>
             </a:fld>
             <a:endParaRPr lang="pt-BR"/>
           </a:p>
@@ -2462,7 +2459,7 @@
           <a:p>
             <a:fld id="{82DBB31F-1CF9-4A63-87FE-A0BE9289F539}" type="datetime1">
               <a:rPr lang="pt-BR" smtClean="0"/>
-              <a:t>22/04/2016</a:t>
+              <a:t>10/05/2016</a:t>
             </a:fld>
             <a:endParaRPr lang="pt-BR"/>
           </a:p>
@@ -2749,7 +2746,7 @@
           <a:p>
             <a:fld id="{E3047AFD-A5E2-4174-BC85-B3C41449EF2B}" type="datetime1">
               <a:rPr lang="pt-BR" smtClean="0"/>
-              <a:t>22/04/2016</a:t>
+              <a:t>10/05/2016</a:t>
             </a:fld>
             <a:endParaRPr lang="pt-BR"/>
           </a:p>
@@ -3013,7 +3010,7 @@
           <a:p>
             <a:fld id="{3DCB0219-104B-453B-9627-7BD4B22A4025}" type="datetime1">
               <a:rPr lang="pt-BR" smtClean="0"/>
-              <a:t>22/04/2016</a:t>
+              <a:t>10/05/2016</a:t>
             </a:fld>
             <a:endParaRPr lang="pt-BR"/>
           </a:p>
@@ -3236,7 +3233,7 @@
           <a:p>
             <a:fld id="{775D8B99-A17D-4E1D-BB0B-67D1381AC551}" type="datetime1">
               <a:rPr lang="pt-BR" smtClean="0"/>
-              <a:t>22/04/2016</a:t>
+              <a:t>10/05/2016</a:t>
             </a:fld>
             <a:endParaRPr lang="pt-BR"/>
           </a:p>
@@ -8508,7 +8505,7 @@
       </p:grpSpPr>
       <p:sp>
         <p:nvSpPr>
-          <p:cNvPr id="2" name="Título 1"/>
+          <p:cNvPr id="6" name="Título 1"/>
           <p:cNvSpPr>
             <a:spLocks noGrp="1"/>
           </p:cNvSpPr>
@@ -8518,40 +8515,30 @@
         </p:nvSpPr>
         <p:spPr>
           <a:xfrm>
-            <a:off x="609599" y="609600"/>
-            <a:ext cx="7426818" cy="1320800"/>
+            <a:off x="521594" y="545171"/>
+            <a:ext cx="8100811" cy="1280454"/>
           </a:xfrm>
         </p:spPr>
         <p:txBody>
           <a:bodyPr>
-            <a:normAutofit/>
+            <a:noAutofit/>
           </a:bodyPr>
           <a:lstStyle/>
           <a:p>
             <a:pPr algn="ctr"/>
             <a:r>
-              <a:rPr lang="pt-BR" sz="4000" dirty="0">
+              <a:rPr lang="pt-BR" sz="3600" dirty="0">
                 <a:solidFill>
                   <a:schemeClr val="tx1"/>
                 </a:solidFill>
               </a:rPr>
-              <a:t>Desenvolvimento (3)</a:t>
-            </a:r>
-            <a:br>
-              <a:rPr lang="pt-BR" sz="4000" dirty="0">
-                <a:solidFill>
-                  <a:schemeClr val="tx1"/>
-                </a:solidFill>
-              </a:rPr>
-            </a:br>
-            <a:r>
-              <a:rPr lang="pt-BR" sz="4000" dirty="0">
-                <a:solidFill>
-                  <a:schemeClr val="tx1"/>
-                </a:solidFill>
-              </a:rPr>
-              <a:t>Projeto de Banco de Dados</a:t>
-            </a:r>
+              <a:t>Ferramentas, Tecnologias e Linguagens</a:t>
+            </a:r>
+            <a:endParaRPr lang="pt-BR" sz="4000" dirty="0">
+              <a:solidFill>
+                <a:schemeClr val="tx1"/>
+              </a:solidFill>
+            </a:endParaRPr>
           </a:p>
         </p:txBody>
       </p:sp>
@@ -8571,37 +8558,61 @@
           <a:lstStyle/>
           <a:p>
             <a:pPr algn="just"/>
+            <a:endParaRPr lang="pt-BR" b="1" dirty="0"/>
+          </a:p>
+          <a:p>
+            <a:pPr algn="just"/>
+            <a:r>
+              <a:rPr lang="pt-BR" sz="2800" b="1" i="1" dirty="0"/>
+              <a:t>Linguagens</a:t>
+            </a:r>
+            <a:endParaRPr lang="pt-BR" b="1" i="1" dirty="0"/>
+          </a:p>
+          <a:p>
+            <a:pPr algn="just"/>
+            <a:endParaRPr lang="pt-BR" b="1" dirty="0"/>
+          </a:p>
+          <a:p>
+            <a:pPr lvl="1"/>
+            <a:r>
+              <a:rPr lang="pt-BR" sz="2400" b="1" dirty="0"/>
+              <a:t>Java</a:t>
+            </a:r>
+          </a:p>
+          <a:p>
+            <a:pPr lvl="1"/>
+            <a:r>
+              <a:rPr lang="pt-BR" sz="2400" b="1" dirty="0"/>
+              <a:t>JavaScript</a:t>
+            </a:r>
+          </a:p>
+          <a:p>
+            <a:pPr lvl="1"/>
+            <a:r>
+              <a:rPr lang="pt-BR" sz="2400" b="1" dirty="0"/>
+              <a:t>AngularJS</a:t>
+            </a:r>
+          </a:p>
+          <a:p>
+            <a:pPr lvl="1"/>
+            <a:r>
+              <a:rPr lang="pt-BR" sz="2400" b="1" dirty="0"/>
+              <a:t>Ionic Framework</a:t>
+            </a:r>
+          </a:p>
+          <a:p>
+            <a:pPr lvl="1"/>
+            <a:endParaRPr lang="pt-BR" sz="2400" dirty="0"/>
+          </a:p>
+          <a:p>
+            <a:pPr lvl="1"/>
             <a:endParaRPr lang="pt-BR" dirty="0"/>
           </a:p>
-          <a:p>
-            <a:pPr marL="0" indent="0" algn="just">
-              <a:buNone/>
-            </a:pPr>
-            <a:endParaRPr lang="pt-BR" dirty="0"/>
-          </a:p>
-          <a:p>
-            <a:pPr lvl="1" algn="just"/>
-            <a:r>
-              <a:rPr lang="pt-BR" sz="3200" dirty="0"/>
-              <a:t> </a:t>
-            </a:r>
-            <a:r>
-              <a:rPr lang="pt-BR" sz="2800" dirty="0"/>
-              <a:t>Diagrama Entidade-Relacionamento;</a:t>
-            </a:r>
-          </a:p>
-          <a:p>
-            <a:pPr lvl="1" algn="just"/>
-            <a:r>
-              <a:rPr lang="pt-BR" sz="2800" dirty="0"/>
-              <a:t> Diagrama Lógico de Dados;</a:t>
-            </a:r>
-          </a:p>
-        </p:txBody>
-      </p:sp>
-      <p:sp>
-        <p:nvSpPr>
-          <p:cNvPr id="6" name="Espaço Reservado para Número de Slide 5"/>
+        </p:txBody>
+      </p:sp>
+      <p:sp>
+        <p:nvSpPr>
+          <p:cNvPr id="4" name="Espaço Reservado para Número de Slide 3"/>
           <p:cNvSpPr>
             <a:spLocks noGrp="1"/>
           </p:cNvSpPr>
@@ -8624,7 +8635,7 @@
       </p:sp>
       <p:pic>
         <p:nvPicPr>
-          <p:cNvPr id="5" name="Imagem 4"/>
+          <p:cNvPr id="7" name="Imagem 6"/>
           <p:cNvPicPr>
             <a:picLocks noChangeAspect="1"/>
           </p:cNvPicPr>
@@ -8644,8 +8655,8 @@
         </p:blipFill>
         <p:spPr>
           <a:xfrm>
-            <a:off x="6581104" y="4613302"/>
-            <a:ext cx="1563661" cy="1563661"/>
+            <a:off x="6142418" y="3938967"/>
+            <a:ext cx="2372932" cy="2372932"/>
           </a:xfrm>
           <a:prstGeom prst="rect">
             <a:avLst/>
@@ -8655,7 +8666,7 @@
     </p:spTree>
     <p:extLst>
       <p:ext uri="{BB962C8B-B14F-4D97-AF65-F5344CB8AC3E}">
-        <p14:creationId xmlns:p14="http://schemas.microsoft.com/office/powerpoint/2010/main" val="281197584"/>
+        <p14:creationId xmlns:p14="http://schemas.microsoft.com/office/powerpoint/2010/main" val="69136346"/>
       </p:ext>
     </p:extLst>
   </p:cSld>
@@ -8706,40 +8717,30 @@
         </p:nvSpPr>
         <p:spPr>
           <a:xfrm>
-            <a:off x="628650" y="504825"/>
-            <a:ext cx="7426818" cy="1320800"/>
+            <a:off x="412125" y="609600"/>
+            <a:ext cx="7972022" cy="1320800"/>
           </a:xfrm>
         </p:spPr>
         <p:txBody>
           <a:bodyPr>
-            <a:normAutofit/>
+            <a:noAutofit/>
           </a:bodyPr>
           <a:lstStyle/>
           <a:p>
             <a:pPr algn="ctr"/>
             <a:r>
-              <a:rPr lang="pt-BR" sz="4000" dirty="0">
+              <a:rPr lang="pt-BR" sz="3600" dirty="0">
                 <a:solidFill>
                   <a:schemeClr val="tx1"/>
                 </a:solidFill>
               </a:rPr>
-              <a:t>Desenvolvimento (3)</a:t>
-            </a:r>
-            <a:br>
-              <a:rPr lang="pt-BR" sz="4000" dirty="0">
-                <a:solidFill>
-                  <a:schemeClr val="tx1"/>
-                </a:solidFill>
-              </a:rPr>
-            </a:br>
-            <a:r>
-              <a:rPr lang="pt-BR" sz="4000" dirty="0">
-                <a:solidFill>
-                  <a:schemeClr val="tx1"/>
-                </a:solidFill>
-              </a:rPr>
-              <a:t>Projeto de Banco de Dados</a:t>
-            </a:r>
+              <a:t>Ferramentas, Tecnologias e Linguagens</a:t>
+            </a:r>
+            <a:endParaRPr lang="pt-BR" sz="4400" dirty="0">
+              <a:solidFill>
+                <a:schemeClr val="tx1"/>
+              </a:solidFill>
+            </a:endParaRPr>
           </a:p>
         </p:txBody>
       </p:sp>
@@ -8758,21 +8759,47 @@
           <a:bodyPr/>
           <a:lstStyle/>
           <a:p>
-            <a:pPr lvl="1" algn="just"/>
-            <a:r>
-              <a:rPr lang="pt-BR" dirty="0"/>
-              <a:t> </a:t>
-            </a:r>
-            <a:r>
-              <a:rPr lang="pt-BR" sz="2400" dirty="0"/>
-              <a:t>Diagrama Entidade-Relacionamento;</a:t>
-            </a:r>
-          </a:p>
-          <a:p>
-            <a:pPr marL="342900" lvl="1" indent="0" algn="just">
-              <a:buNone/>
-            </a:pPr>
+            <a:pPr algn="just"/>
+            <a:endParaRPr lang="pt-BR" b="1" dirty="0"/>
+          </a:p>
+          <a:p>
+            <a:pPr algn="just"/>
+            <a:r>
+              <a:rPr lang="pt-BR" sz="2800" b="1" i="1" dirty="0"/>
+              <a:t>Tecnologias</a:t>
+            </a:r>
+          </a:p>
+          <a:p>
+            <a:pPr algn="just"/>
+            <a:endParaRPr lang="pt-BR" b="1" dirty="0"/>
+          </a:p>
+          <a:p>
+            <a:pPr lvl="1"/>
+            <a:r>
+              <a:rPr lang="pt-BR" sz="2400" b="1" dirty="0"/>
+              <a:t>EJB</a:t>
+            </a:r>
             <a:endParaRPr lang="pt-BR" sz="2400" dirty="0"/>
+          </a:p>
+          <a:p>
+            <a:pPr lvl="1"/>
+            <a:r>
+              <a:rPr lang="pt-BR" sz="2400" b="1" dirty="0"/>
+              <a:t>JSF</a:t>
+            </a:r>
+            <a:endParaRPr lang="pt-BR" sz="2400" dirty="0"/>
+          </a:p>
+          <a:p>
+            <a:pPr lvl="1"/>
+            <a:r>
+              <a:rPr lang="pt-BR" sz="2400" b="1" dirty="0"/>
+              <a:t>JPA</a:t>
+            </a:r>
+            <a:endParaRPr lang="pt-BR" sz="2400" dirty="0"/>
+          </a:p>
+          <a:p>
+            <a:pPr lvl="1"/>
+            <a:endParaRPr lang="pt-BR" dirty="0"/>
           </a:p>
         </p:txBody>
       </p:sp>
@@ -8801,7 +8828,7 @@
       </p:sp>
       <p:pic>
         <p:nvPicPr>
-          <p:cNvPr id="7" name="Imagem 6"/>
+          <p:cNvPr id="5" name="Imagem 4"/>
           <p:cNvPicPr>
             <a:picLocks noChangeAspect="1"/>
           </p:cNvPicPr>
@@ -8821,28 +8848,18 @@
         </p:blipFill>
         <p:spPr>
           <a:xfrm>
-            <a:off x="628650" y="2319994"/>
-            <a:ext cx="8092269" cy="3927956"/>
+            <a:off x="6297768" y="4125225"/>
+            <a:ext cx="2217581" cy="2186674"/>
           </a:xfrm>
           <a:prstGeom prst="rect">
             <a:avLst/>
           </a:prstGeom>
-          <a:ln>
-            <a:noFill/>
-          </a:ln>
-          <a:effectLst>
-            <a:outerShdw blurRad="292100" dist="139700" dir="2700000" algn="tl" rotWithShape="0">
-              <a:srgbClr val="333333">
-                <a:alpha val="65000"/>
-              </a:srgbClr>
-            </a:outerShdw>
-          </a:effectLst>
         </p:spPr>
       </p:pic>
     </p:spTree>
     <p:extLst>
       <p:ext uri="{BB962C8B-B14F-4D97-AF65-F5344CB8AC3E}">
-        <p14:creationId xmlns:p14="http://schemas.microsoft.com/office/powerpoint/2010/main" val="1280775501"/>
+        <p14:creationId xmlns:p14="http://schemas.microsoft.com/office/powerpoint/2010/main" val="3098611608"/>
       </p:ext>
     </p:extLst>
   </p:cSld>
@@ -8883,89 +8900,101 @@
       </p:grpSpPr>
       <p:sp>
         <p:nvSpPr>
-          <p:cNvPr id="2" name="Título 1"/>
-          <p:cNvSpPr>
-            <a:spLocks noGrp="1"/>
-          </p:cNvSpPr>
-          <p:nvPr>
-            <p:ph type="title"/>
-          </p:nvPr>
-        </p:nvSpPr>
-        <p:spPr>
-          <a:xfrm>
-            <a:off x="628650" y="504825"/>
-            <a:ext cx="7426818" cy="1320800"/>
-          </a:xfrm>
-        </p:spPr>
+          <p:cNvPr id="3" name="Espaço Reservado para Conteúdo 2"/>
+          <p:cNvSpPr>
+            <a:spLocks noGrp="1"/>
+          </p:cNvSpPr>
+          <p:nvPr>
+            <p:ph idx="1"/>
+          </p:nvPr>
+        </p:nvSpPr>
+        <p:spPr/>
         <p:txBody>
           <a:bodyPr>
             <a:normAutofit/>
           </a:bodyPr>
           <a:lstStyle/>
           <a:p>
-            <a:pPr algn="ctr"/>
-            <a:r>
-              <a:rPr lang="pt-BR" sz="4000" dirty="0">
-                <a:solidFill>
-                  <a:schemeClr val="tx1"/>
-                </a:solidFill>
+            <a:pPr algn="just"/>
+            <a:endParaRPr lang="pt-BR" b="1" i="1" dirty="0"/>
+          </a:p>
+          <a:p>
+            <a:pPr algn="just"/>
+            <a:r>
+              <a:rPr lang="pt-BR" sz="2800" b="1" i="1" dirty="0"/>
+              <a:t>Ferramentas</a:t>
+            </a:r>
+            <a:endParaRPr lang="pt-BR" b="1" i="1" dirty="0"/>
+          </a:p>
+          <a:p>
+            <a:pPr algn="just"/>
+            <a:endParaRPr lang="pt-BR" b="1" dirty="0"/>
+          </a:p>
+          <a:p>
+            <a:pPr lvl="1"/>
+            <a:r>
+              <a:rPr lang="pt-BR" sz="2400" b="1" dirty="0" err="1"/>
+              <a:t>Netbeans</a:t>
+            </a:r>
+            <a:r>
+              <a:rPr lang="pt-BR" sz="2400" b="1" dirty="0"/>
+              <a:t> 8.2</a:t>
+            </a:r>
+          </a:p>
+          <a:p>
+            <a:pPr lvl="1"/>
+            <a:r>
+              <a:rPr lang="pt-BR" sz="2400" b="1" dirty="0"/>
+              <a:t>SGBD POSTEGRESQL</a:t>
+            </a:r>
+          </a:p>
+          <a:p>
+            <a:pPr lvl="1"/>
+            <a:r>
+              <a:rPr lang="pt-BR" sz="2400" b="1" dirty="0" err="1">
+                <a:latin typeface="Times New Roman" panose="02020603050405020304" pitchFamily="18" charset="0"/>
+                <a:ea typeface="Calibri" panose="020F0502020204030204" pitchFamily="34" charset="0"/>
               </a:rPr>
-              <a:t>Desenvolvimento (3)</a:t>
-            </a:r>
-            <a:br>
-              <a:rPr lang="pt-BR" sz="4000" dirty="0">
-                <a:solidFill>
-                  <a:schemeClr val="tx1"/>
-                </a:solidFill>
-              </a:rPr>
-            </a:br>
-            <a:r>
-              <a:rPr lang="pt-BR" sz="4000" dirty="0">
-                <a:solidFill>
-                  <a:schemeClr val="tx1"/>
-                </a:solidFill>
-              </a:rPr>
-              <a:t>Projeto de Banco de Dados</a:t>
-            </a:r>
-          </a:p>
-        </p:txBody>
-      </p:sp>
-      <p:sp>
-        <p:nvSpPr>
-          <p:cNvPr id="3" name="Espaço Reservado para Conteúdo 2"/>
-          <p:cNvSpPr>
-            <a:spLocks noGrp="1"/>
-          </p:cNvSpPr>
-          <p:nvPr>
-            <p:ph idx="1"/>
-          </p:nvPr>
-        </p:nvSpPr>
-        <p:spPr/>
-        <p:txBody>
-          <a:bodyPr/>
-          <a:lstStyle/>
-          <a:p>
-            <a:pPr lvl="1" algn="just"/>
-            <a:r>
-              <a:rPr lang="pt-BR" dirty="0"/>
+              <a:t>PGAdminIII</a:t>
+            </a:r>
+            <a:endParaRPr lang="pt-BR" sz="2400" b="1" dirty="0"/>
+          </a:p>
+          <a:p>
+            <a:pPr lvl="1"/>
+            <a:r>
+              <a:rPr lang="pt-BR" sz="2400" b="1" dirty="0" err="1"/>
+              <a:t>BrModelo</a:t>
+            </a:r>
+            <a:endParaRPr lang="pt-BR" sz="2400" b="1" dirty="0"/>
+          </a:p>
+          <a:p>
+            <a:pPr lvl="1"/>
+            <a:r>
+              <a:rPr lang="pt-BR" sz="2400" b="1" dirty="0" err="1"/>
+              <a:t>Astah</a:t>
+            </a:r>
+            <a:r>
+              <a:rPr lang="pt-BR" sz="2400" b="1" dirty="0"/>
               <a:t> </a:t>
             </a:r>
-            <a:r>
-              <a:rPr lang="pt-BR" sz="2400" dirty="0"/>
-              <a:t>Diagrama Lógico de Dados;</a:t>
-            </a:r>
-          </a:p>
-          <a:p>
-            <a:pPr marL="342900" lvl="1" indent="0" algn="just">
-              <a:buNone/>
-            </a:pPr>
-            <a:endParaRPr lang="pt-BR" sz="2400" dirty="0"/>
-          </a:p>
-        </p:txBody>
-      </p:sp>
-      <p:sp>
-        <p:nvSpPr>
-          <p:cNvPr id="6" name="Espaço Reservado para Número de Slide 5"/>
+          </a:p>
+          <a:p>
+            <a:pPr lvl="1"/>
+            <a:r>
+              <a:rPr lang="pt-BR" sz="2400" b="1" dirty="0" err="1"/>
+              <a:t>Git</a:t>
+            </a:r>
+            <a:endParaRPr lang="pt-BR" sz="2400" b="1" dirty="0"/>
+          </a:p>
+          <a:p>
+            <a:pPr lvl="1"/>
+            <a:endParaRPr lang="pt-BR" dirty="0"/>
+          </a:p>
+        </p:txBody>
+      </p:sp>
+      <p:sp>
+        <p:nvSpPr>
+          <p:cNvPr id="4" name="Espaço Reservado para Número de Slide 3"/>
           <p:cNvSpPr>
             <a:spLocks noGrp="1"/>
           </p:cNvSpPr>
@@ -8986,9 +9015,87 @@
           </a:p>
         </p:txBody>
       </p:sp>
+      <p:sp>
+        <p:nvSpPr>
+          <p:cNvPr id="5" name="Título 1"/>
+          <p:cNvSpPr txBox="1">
+            <a:spLocks/>
+          </p:cNvSpPr>
+          <p:nvPr/>
+        </p:nvSpPr>
+        <p:spPr>
+          <a:xfrm>
+            <a:off x="386366" y="517526"/>
+            <a:ext cx="8281384" cy="1325563"/>
+          </a:xfrm>
+          <a:prstGeom prst="rect">
+            <a:avLst/>
+          </a:prstGeom>
+        </p:spPr>
+        <p:txBody>
+          <a:bodyPr vert="horz" lIns="91440" tIns="45720" rIns="91440" bIns="45720" rtlCol="0" anchor="ctr">
+            <a:normAutofit/>
+          </a:bodyPr>
+          <a:lstStyle>
+            <a:lvl1pPr algn="l" defTabSz="685800" rtl="0" eaLnBrk="1" latinLnBrk="0" hangingPunct="1">
+              <a:lnSpc>
+                <a:spcPct val="90000"/>
+              </a:lnSpc>
+              <a:spcBef>
+                <a:spcPct val="0"/>
+              </a:spcBef>
+              <a:buNone/>
+              <a:defRPr sz="4400" b="0" kern="1200">
+                <a:gradFill flip="none" rotWithShape="1">
+                  <a:gsLst>
+                    <a:gs pos="28000">
+                      <a:schemeClr val="tx1">
+                        <a:lumMod val="93000"/>
+                      </a:schemeClr>
+                    </a:gs>
+                    <a:gs pos="0">
+                      <a:schemeClr val="bg1">
+                        <a:lumMod val="25000"/>
+                        <a:lumOff val="75000"/>
+                      </a:schemeClr>
+                    </a:gs>
+                    <a:gs pos="100000">
+                      <a:schemeClr val="tx2">
+                        <a:lumMod val="0"/>
+                        <a:lumOff val="100000"/>
+                      </a:schemeClr>
+                    </a:gs>
+                  </a:gsLst>
+                  <a:lin ang="4800000" scaled="0"/>
+                  <a:tileRect/>
+                </a:gradFill>
+                <a:latin typeface="+mj-lt"/>
+                <a:ea typeface="+mj-ea"/>
+                <a:cs typeface="+mj-cs"/>
+              </a:defRPr>
+            </a:lvl1pPr>
+          </a:lstStyle>
+          <a:p>
+            <a:pPr algn="ctr"/>
+            <a:r>
+              <a:rPr lang="pt-BR" sz="3600" dirty="0">
+                <a:solidFill>
+                  <a:schemeClr val="tx1"/>
+                </a:solidFill>
+              </a:rPr>
+              <a:t>Ferramentas, Tecnologias e Linguagens</a:t>
+            </a:r>
+            <a:endParaRPr lang="pt-BR" dirty="0">
+              <a:solidFill>
+                <a:schemeClr val="tx1"/>
+              </a:solidFill>
+            </a:endParaRPr>
+          </a:p>
+        </p:txBody>
+      </p:sp>
       <p:pic>
         <p:nvPicPr>
-          <p:cNvPr id="7" name="Imagem 6"/>
+          <p:cNvPr id="6" name="Imagem 5"/>
           <p:cNvPicPr>
             <a:picLocks noChangeAspect="1"/>
           </p:cNvPicPr>
@@ -9008,28 +9115,18 @@
         </p:blipFill>
         <p:spPr>
           <a:xfrm>
-            <a:off x="477671" y="2319994"/>
-            <a:ext cx="8243247" cy="3927956"/>
+            <a:off x="6427160" y="4237149"/>
+            <a:ext cx="1939814" cy="1939814"/>
           </a:xfrm>
           <a:prstGeom prst="rect">
             <a:avLst/>
           </a:prstGeom>
-          <a:ln>
-            <a:noFill/>
-          </a:ln>
-          <a:effectLst>
-            <a:outerShdw blurRad="292100" dist="139700" dir="2700000" algn="tl" rotWithShape="0">
-              <a:srgbClr val="333333">
-                <a:alpha val="65000"/>
-              </a:srgbClr>
-            </a:outerShdw>
-          </a:effectLst>
         </p:spPr>
       </p:pic>
     </p:spTree>
     <p:extLst>
       <p:ext uri="{BB962C8B-B14F-4D97-AF65-F5344CB8AC3E}">
-        <p14:creationId xmlns:p14="http://schemas.microsoft.com/office/powerpoint/2010/main" val="3415445020"/>
+        <p14:creationId xmlns:p14="http://schemas.microsoft.com/office/powerpoint/2010/main" val="2261213407"/>
       </p:ext>
     </p:extLst>
   </p:cSld>
@@ -9070,7 +9167,7 @@
       </p:grpSpPr>
       <p:sp>
         <p:nvSpPr>
-          <p:cNvPr id="6" name="Título 1"/>
+          <p:cNvPr id="2" name="Título 1"/>
           <p:cNvSpPr>
             <a:spLocks noGrp="1"/>
           </p:cNvSpPr>
@@ -9080,104 +9177,38 @@
         </p:nvSpPr>
         <p:spPr>
           <a:xfrm>
-            <a:off x="521594" y="545171"/>
-            <a:ext cx="8100811" cy="1280454"/>
+            <a:off x="1604733" y="2824766"/>
+            <a:ext cx="6347714" cy="601014"/>
           </a:xfrm>
         </p:spPr>
         <p:txBody>
           <a:bodyPr>
-            <a:noAutofit/>
+            <a:normAutofit/>
           </a:bodyPr>
           <a:lstStyle/>
           <a:p>
             <a:pPr algn="ctr"/>
             <a:r>
-              <a:rPr lang="pt-BR" sz="3600" dirty="0">
+              <a:rPr lang="pt-BR" b="1" dirty="0">
                 <a:solidFill>
                   <a:schemeClr val="tx1"/>
                 </a:solidFill>
+                <a:effectLst>
+                  <a:outerShdw blurRad="38100" dist="38100" dir="2700000" algn="tl">
+                    <a:srgbClr val="000000">
+                      <a:alpha val="43137"/>
+                    </a:srgbClr>
+                  </a:outerShdw>
+                </a:effectLst>
               </a:rPr>
-              <a:t>Ferramentas, Tecnologias e Linguagens</a:t>
-            </a:r>
-            <a:endParaRPr lang="pt-BR" sz="4000" dirty="0">
-              <a:solidFill>
-                <a:schemeClr val="tx1"/>
-              </a:solidFill>
-            </a:endParaRPr>
-          </a:p>
-        </p:txBody>
-      </p:sp>
-      <p:sp>
-        <p:nvSpPr>
-          <p:cNvPr id="3" name="Espaço Reservado para Conteúdo 2"/>
-          <p:cNvSpPr>
-            <a:spLocks noGrp="1"/>
-          </p:cNvSpPr>
-          <p:nvPr>
-            <p:ph idx="1"/>
-          </p:nvPr>
-        </p:nvSpPr>
-        <p:spPr/>
-        <p:txBody>
-          <a:bodyPr/>
-          <a:lstStyle/>
-          <a:p>
-            <a:pPr algn="just"/>
-            <a:endParaRPr lang="pt-BR" b="1" dirty="0"/>
-          </a:p>
-          <a:p>
-            <a:pPr algn="just"/>
-            <a:r>
-              <a:rPr lang="pt-BR" sz="2800" b="1" i="1" dirty="0"/>
-              <a:t>Linguagens</a:t>
-            </a:r>
-            <a:endParaRPr lang="pt-BR" b="1" i="1" dirty="0"/>
-          </a:p>
-          <a:p>
-            <a:pPr algn="just"/>
-            <a:endParaRPr lang="pt-BR" b="1" dirty="0"/>
-          </a:p>
-          <a:p>
-            <a:pPr lvl="1"/>
-            <a:r>
-              <a:rPr lang="pt-BR" sz="2400" b="1" dirty="0"/>
-              <a:t>Java</a:t>
-            </a:r>
-          </a:p>
-          <a:p>
-            <a:pPr lvl="1"/>
-            <a:r>
-              <a:rPr lang="pt-BR" sz="2400" b="1" dirty="0"/>
-              <a:t>JavaScript</a:t>
-            </a:r>
-          </a:p>
-          <a:p>
-            <a:pPr lvl="1"/>
-            <a:r>
-              <a:rPr lang="pt-BR" sz="2400" b="1" dirty="0"/>
-              <a:t>AngularJS</a:t>
-            </a:r>
-          </a:p>
-          <a:p>
-            <a:pPr lvl="1"/>
-            <a:r>
-              <a:rPr lang="pt-BR" sz="2400" b="1" dirty="0"/>
-              <a:t>Ionic Framework</a:t>
-            </a:r>
-          </a:p>
-          <a:p>
-            <a:pPr lvl="1"/>
-            <a:endParaRPr lang="pt-BR" sz="2400" dirty="0"/>
-          </a:p>
-          <a:p>
-            <a:pPr lvl="1"/>
-            <a:endParaRPr lang="pt-BR" dirty="0"/>
-          </a:p>
-        </p:txBody>
-      </p:sp>
-      <p:sp>
-        <p:nvSpPr>
-          <p:cNvPr id="4" name="Espaço Reservado para Número de Slide 3"/>
+              <a:t>Aspecto Visual </a:t>
+            </a:r>
+          </a:p>
+        </p:txBody>
+      </p:sp>
+      <p:sp>
+        <p:nvSpPr>
+          <p:cNvPr id="5" name="Espaço Reservado para Número de Slide 4"/>
           <p:cNvSpPr>
             <a:spLocks noGrp="1"/>
           </p:cNvSpPr>
@@ -9200,14 +9231,14 @@
       </p:sp>
       <p:pic>
         <p:nvPicPr>
-          <p:cNvPr id="7" name="Imagem 6"/>
+          <p:cNvPr id="3" name="Imagem 2"/>
           <p:cNvPicPr>
             <a:picLocks noChangeAspect="1"/>
           </p:cNvPicPr>
           <p:nvPr/>
         </p:nvPicPr>
         <p:blipFill>
-          <a:blip r:embed="rId2" cstate="print">
+          <a:blip r:embed="rId2">
             <a:extLst>
               <a:ext uri="{28A0092B-C50C-407E-A947-70E740481C1C}">
                 <a14:useLocalDpi xmlns:a14="http://schemas.microsoft.com/office/drawing/2010/main" val="0"/>
@@ -9220,8 +9251,8 @@
         </p:blipFill>
         <p:spPr>
           <a:xfrm>
-            <a:off x="6142418" y="3938967"/>
-            <a:ext cx="2372932" cy="2372932"/>
+            <a:off x="695459" y="4088584"/>
+            <a:ext cx="2795787" cy="2176719"/>
           </a:xfrm>
           <a:prstGeom prst="rect">
             <a:avLst/>
@@ -9231,7 +9262,7 @@
     </p:spTree>
     <p:extLst>
       <p:ext uri="{BB962C8B-B14F-4D97-AF65-F5344CB8AC3E}">
-        <p14:creationId xmlns:p14="http://schemas.microsoft.com/office/powerpoint/2010/main" val="69136346"/>
+        <p14:creationId xmlns:p14="http://schemas.microsoft.com/office/powerpoint/2010/main" val="4196873387"/>
       </p:ext>
     </p:extLst>
   </p:cSld>
@@ -9455,124 +9486,28 @@
             <p:ph type="title"/>
           </p:nvPr>
         </p:nvSpPr>
-        <p:spPr>
-          <a:xfrm>
-            <a:off x="412125" y="609600"/>
-            <a:ext cx="7972022" cy="1320800"/>
-          </a:xfrm>
-        </p:spPr>
-        <p:txBody>
-          <a:bodyPr>
-            <a:noAutofit/>
-          </a:bodyPr>
+        <p:spPr/>
+        <p:txBody>
+          <a:bodyPr/>
           <a:lstStyle/>
           <a:p>
             <a:pPr algn="ctr"/>
             <a:r>
-              <a:rPr lang="pt-BR" sz="3600" dirty="0">
-                <a:solidFill>
-                  <a:schemeClr val="tx1"/>
-                </a:solidFill>
-              </a:rPr>
-              <a:t>Ferramentas, Tecnologias e Linguagens</a:t>
-            </a:r>
-            <a:endParaRPr lang="pt-BR" sz="4400" dirty="0">
-              <a:solidFill>
-                <a:schemeClr val="tx1"/>
-              </a:solidFill>
-            </a:endParaRPr>
-          </a:p>
-        </p:txBody>
-      </p:sp>
-      <p:sp>
-        <p:nvSpPr>
-          <p:cNvPr id="3" name="Espaço Reservado para Conteúdo 2"/>
-          <p:cNvSpPr>
-            <a:spLocks noGrp="1"/>
-          </p:cNvSpPr>
-          <p:nvPr>
-            <p:ph idx="1"/>
-          </p:nvPr>
-        </p:nvSpPr>
-        <p:spPr/>
-        <p:txBody>
-          <a:bodyPr/>
-          <a:lstStyle/>
-          <a:p>
-            <a:pPr algn="just"/>
-            <a:endParaRPr lang="pt-BR" b="1" dirty="0"/>
-          </a:p>
-          <a:p>
-            <a:pPr algn="just"/>
-            <a:r>
-              <a:rPr lang="pt-BR" sz="2800" b="1" i="1" dirty="0"/>
-              <a:t>Tecnologias</a:t>
-            </a:r>
-          </a:p>
-          <a:p>
-            <a:pPr algn="just"/>
-            <a:endParaRPr lang="pt-BR" b="1" dirty="0"/>
-          </a:p>
-          <a:p>
-            <a:pPr lvl="1"/>
-            <a:r>
-              <a:rPr lang="pt-BR" sz="2400" b="1" dirty="0"/>
-              <a:t>EJB</a:t>
-            </a:r>
-            <a:endParaRPr lang="pt-BR" sz="2400" dirty="0"/>
-          </a:p>
-          <a:p>
-            <a:pPr lvl="1"/>
-            <a:r>
-              <a:rPr lang="pt-BR" sz="2400" b="1" dirty="0"/>
-              <a:t>JSF</a:t>
-            </a:r>
-            <a:endParaRPr lang="pt-BR" sz="2400" dirty="0"/>
-          </a:p>
-          <a:p>
-            <a:pPr lvl="1"/>
-            <a:r>
-              <a:rPr lang="pt-BR" sz="2400" b="1" dirty="0"/>
-              <a:t>JPA</a:t>
-            </a:r>
-            <a:endParaRPr lang="pt-BR" sz="2400" dirty="0"/>
-          </a:p>
-          <a:p>
-            <a:pPr lvl="1"/>
-            <a:endParaRPr lang="pt-BR" dirty="0"/>
-          </a:p>
-        </p:txBody>
-      </p:sp>
-      <p:sp>
-        <p:nvSpPr>
-          <p:cNvPr id="6" name="Espaço Reservado para Número de Slide 5"/>
-          <p:cNvSpPr>
-            <a:spLocks noGrp="1"/>
-          </p:cNvSpPr>
-          <p:nvPr>
-            <p:ph type="sldNum" sz="quarter" idx="12"/>
-          </p:nvPr>
-        </p:nvSpPr>
-        <p:spPr/>
-        <p:txBody>
-          <a:bodyPr/>
-          <a:lstStyle/>
-          <a:p>
-            <a:fld id="{D8C21D6C-D2EB-4035-A5FA-FB33EA0C0521}" type="slidenum">
-              <a:rPr lang="pt-BR" smtClean="0"/>
-              <a:t>30</a:t>
-            </a:fld>
-            <a:endParaRPr lang="pt-BR"/>
+              <a:rPr lang="pt-BR" dirty="0"/>
+              <a:t>Tela de Login (Professor)</a:t>
+            </a:r>
           </a:p>
         </p:txBody>
       </p:sp>
       <p:pic>
         <p:nvPicPr>
-          <p:cNvPr id="5" name="Imagem 4"/>
+          <p:cNvPr id="4" name="Espaço Reservado para Conteúdo 3"/>
           <p:cNvPicPr>
-            <a:picLocks noChangeAspect="1"/>
+            <a:picLocks noGrp="1" noChangeAspect="1"/>
           </p:cNvPicPr>
-          <p:nvPr/>
+          <p:nvPr>
+            <p:ph idx="1"/>
+          </p:nvPr>
         </p:nvPicPr>
         <p:blipFill>
           <a:blip r:embed="rId2">
@@ -9588,18 +9523,38 @@
         </p:blipFill>
         <p:spPr>
           <a:xfrm>
-            <a:off x="6297768" y="4125225"/>
-            <a:ext cx="2217581" cy="2186674"/>
+            <a:off x="609600" y="2114662"/>
+            <a:ext cx="7787425" cy="3691182"/>
           </a:xfrm>
-          <a:prstGeom prst="rect">
-            <a:avLst/>
-          </a:prstGeom>
         </p:spPr>
       </p:pic>
+      <p:sp>
+        <p:nvSpPr>
+          <p:cNvPr id="6" name="Espaço Reservado para Número de Slide 5"/>
+          <p:cNvSpPr>
+            <a:spLocks noGrp="1"/>
+          </p:cNvSpPr>
+          <p:nvPr>
+            <p:ph type="sldNum" sz="quarter" idx="12"/>
+          </p:nvPr>
+        </p:nvSpPr>
+        <p:spPr/>
+        <p:txBody>
+          <a:bodyPr/>
+          <a:lstStyle/>
+          <a:p>
+            <a:fld id="{D8C21D6C-D2EB-4035-A5FA-FB33EA0C0521}" type="slidenum">
+              <a:rPr lang="pt-BR" smtClean="0"/>
+              <a:t>30</a:t>
+            </a:fld>
+            <a:endParaRPr lang="pt-BR"/>
+          </a:p>
+        </p:txBody>
+      </p:sp>
     </p:spTree>
     <p:extLst>
       <p:ext uri="{BB962C8B-B14F-4D97-AF65-F5344CB8AC3E}">
-        <p14:creationId xmlns:p14="http://schemas.microsoft.com/office/powerpoint/2010/main" val="3098611608"/>
+        <p14:creationId xmlns:p14="http://schemas.microsoft.com/office/powerpoint/2010/main" val="341218052"/>
       </p:ext>
     </p:extLst>
   </p:cSld>
@@ -9640,526 +9595,6 @@
       </p:grpSpPr>
       <p:sp>
         <p:nvSpPr>
-          <p:cNvPr id="3" name="Espaço Reservado para Conteúdo 2"/>
-          <p:cNvSpPr>
-            <a:spLocks noGrp="1"/>
-          </p:cNvSpPr>
-          <p:nvPr>
-            <p:ph idx="1"/>
-          </p:nvPr>
-        </p:nvSpPr>
-        <p:spPr/>
-        <p:txBody>
-          <a:bodyPr>
-            <a:normAutofit/>
-          </a:bodyPr>
-          <a:lstStyle/>
-          <a:p>
-            <a:pPr algn="just"/>
-            <a:endParaRPr lang="pt-BR" b="1" i="1" dirty="0"/>
-          </a:p>
-          <a:p>
-            <a:pPr algn="just"/>
-            <a:r>
-              <a:rPr lang="pt-BR" sz="2800" b="1" i="1" dirty="0"/>
-              <a:t>Ferramentas</a:t>
-            </a:r>
-            <a:endParaRPr lang="pt-BR" b="1" i="1" dirty="0"/>
-          </a:p>
-          <a:p>
-            <a:pPr algn="just"/>
-            <a:endParaRPr lang="pt-BR" b="1" dirty="0"/>
-          </a:p>
-          <a:p>
-            <a:pPr lvl="1"/>
-            <a:r>
-              <a:rPr lang="pt-BR" sz="2400" b="1" dirty="0" err="1"/>
-              <a:t>Netbeans</a:t>
-            </a:r>
-            <a:r>
-              <a:rPr lang="pt-BR" sz="2400" b="1" dirty="0"/>
-              <a:t> 8.2</a:t>
-            </a:r>
-          </a:p>
-          <a:p>
-            <a:pPr lvl="1"/>
-            <a:r>
-              <a:rPr lang="pt-BR" sz="2400" b="1" dirty="0"/>
-              <a:t>SGBD POSTEGRESQL</a:t>
-            </a:r>
-          </a:p>
-          <a:p>
-            <a:pPr lvl="1"/>
-            <a:r>
-              <a:rPr lang="pt-BR" sz="2400" b="1" dirty="0" err="1">
-                <a:latin typeface="Times New Roman" panose="02020603050405020304" pitchFamily="18" charset="0"/>
-                <a:ea typeface="Calibri" panose="020F0502020204030204" pitchFamily="34" charset="0"/>
-              </a:rPr>
-              <a:t>PGAdminIII</a:t>
-            </a:r>
-            <a:endParaRPr lang="pt-BR" sz="2400" b="1" dirty="0"/>
-          </a:p>
-          <a:p>
-            <a:pPr lvl="1"/>
-            <a:r>
-              <a:rPr lang="pt-BR" sz="2400" b="1" dirty="0" err="1"/>
-              <a:t>BrModelo</a:t>
-            </a:r>
-            <a:endParaRPr lang="pt-BR" sz="2400" b="1" dirty="0"/>
-          </a:p>
-          <a:p>
-            <a:pPr lvl="1"/>
-            <a:r>
-              <a:rPr lang="pt-BR" sz="2400" b="1" dirty="0" err="1"/>
-              <a:t>Astah</a:t>
-            </a:r>
-            <a:r>
-              <a:rPr lang="pt-BR" sz="2400" b="1" dirty="0"/>
-              <a:t> </a:t>
-            </a:r>
-          </a:p>
-          <a:p>
-            <a:pPr lvl="1"/>
-            <a:r>
-              <a:rPr lang="pt-BR" sz="2400" b="1" dirty="0" err="1"/>
-              <a:t>Git</a:t>
-            </a:r>
-            <a:endParaRPr lang="pt-BR" sz="2400" b="1" dirty="0"/>
-          </a:p>
-          <a:p>
-            <a:pPr lvl="1"/>
-            <a:endParaRPr lang="pt-BR" dirty="0"/>
-          </a:p>
-        </p:txBody>
-      </p:sp>
-      <p:sp>
-        <p:nvSpPr>
-          <p:cNvPr id="4" name="Espaço Reservado para Número de Slide 3"/>
-          <p:cNvSpPr>
-            <a:spLocks noGrp="1"/>
-          </p:cNvSpPr>
-          <p:nvPr>
-            <p:ph type="sldNum" sz="quarter" idx="12"/>
-          </p:nvPr>
-        </p:nvSpPr>
-        <p:spPr/>
-        <p:txBody>
-          <a:bodyPr/>
-          <a:lstStyle/>
-          <a:p>
-            <a:fld id="{D8C21D6C-D2EB-4035-A5FA-FB33EA0C0521}" type="slidenum">
-              <a:rPr lang="pt-BR" smtClean="0"/>
-              <a:t>31</a:t>
-            </a:fld>
-            <a:endParaRPr lang="pt-BR"/>
-          </a:p>
-        </p:txBody>
-      </p:sp>
-      <p:sp>
-        <p:nvSpPr>
-          <p:cNvPr id="5" name="Título 1"/>
-          <p:cNvSpPr txBox="1">
-            <a:spLocks/>
-          </p:cNvSpPr>
-          <p:nvPr/>
-        </p:nvSpPr>
-        <p:spPr>
-          <a:xfrm>
-            <a:off x="386366" y="517526"/>
-            <a:ext cx="8281384" cy="1325563"/>
-          </a:xfrm>
-          <a:prstGeom prst="rect">
-            <a:avLst/>
-          </a:prstGeom>
-        </p:spPr>
-        <p:txBody>
-          <a:bodyPr vert="horz" lIns="91440" tIns="45720" rIns="91440" bIns="45720" rtlCol="0" anchor="ctr">
-            <a:normAutofit/>
-          </a:bodyPr>
-          <a:lstStyle>
-            <a:lvl1pPr algn="l" defTabSz="685800" rtl="0" eaLnBrk="1" latinLnBrk="0" hangingPunct="1">
-              <a:lnSpc>
-                <a:spcPct val="90000"/>
-              </a:lnSpc>
-              <a:spcBef>
-                <a:spcPct val="0"/>
-              </a:spcBef>
-              <a:buNone/>
-              <a:defRPr sz="4400" b="0" kern="1200">
-                <a:gradFill flip="none" rotWithShape="1">
-                  <a:gsLst>
-                    <a:gs pos="28000">
-                      <a:schemeClr val="tx1">
-                        <a:lumMod val="93000"/>
-                      </a:schemeClr>
-                    </a:gs>
-                    <a:gs pos="0">
-                      <a:schemeClr val="bg1">
-                        <a:lumMod val="25000"/>
-                        <a:lumOff val="75000"/>
-                      </a:schemeClr>
-                    </a:gs>
-                    <a:gs pos="100000">
-                      <a:schemeClr val="tx2">
-                        <a:lumMod val="0"/>
-                        <a:lumOff val="100000"/>
-                      </a:schemeClr>
-                    </a:gs>
-                  </a:gsLst>
-                  <a:lin ang="4800000" scaled="0"/>
-                  <a:tileRect/>
-                </a:gradFill>
-                <a:latin typeface="+mj-lt"/>
-                <a:ea typeface="+mj-ea"/>
-                <a:cs typeface="+mj-cs"/>
-              </a:defRPr>
-            </a:lvl1pPr>
-          </a:lstStyle>
-          <a:p>
-            <a:pPr algn="ctr"/>
-            <a:r>
-              <a:rPr lang="pt-BR" sz="3600" dirty="0">
-                <a:solidFill>
-                  <a:schemeClr val="tx1"/>
-                </a:solidFill>
-              </a:rPr>
-              <a:t>Ferramentas, Tecnologias e Linguagens</a:t>
-            </a:r>
-            <a:endParaRPr lang="pt-BR" dirty="0">
-              <a:solidFill>
-                <a:schemeClr val="tx1"/>
-              </a:solidFill>
-            </a:endParaRPr>
-          </a:p>
-        </p:txBody>
-      </p:sp>
-      <p:pic>
-        <p:nvPicPr>
-          <p:cNvPr id="6" name="Imagem 5"/>
-          <p:cNvPicPr>
-            <a:picLocks noChangeAspect="1"/>
-          </p:cNvPicPr>
-          <p:nvPr/>
-        </p:nvPicPr>
-        <p:blipFill>
-          <a:blip r:embed="rId2">
-            <a:extLst>
-              <a:ext uri="{28A0092B-C50C-407E-A947-70E740481C1C}">
-                <a14:useLocalDpi xmlns:a14="http://schemas.microsoft.com/office/drawing/2010/main" val="0"/>
-              </a:ext>
-            </a:extLst>
-          </a:blip>
-          <a:stretch>
-            <a:fillRect/>
-          </a:stretch>
-        </p:blipFill>
-        <p:spPr>
-          <a:xfrm>
-            <a:off x="6427160" y="4237149"/>
-            <a:ext cx="1939814" cy="1939814"/>
-          </a:xfrm>
-          <a:prstGeom prst="rect">
-            <a:avLst/>
-          </a:prstGeom>
-        </p:spPr>
-      </p:pic>
-    </p:spTree>
-    <p:extLst>
-      <p:ext uri="{BB962C8B-B14F-4D97-AF65-F5344CB8AC3E}">
-        <p14:creationId xmlns:p14="http://schemas.microsoft.com/office/powerpoint/2010/main" val="2261213407"/>
-      </p:ext>
-    </p:extLst>
-  </p:cSld>
-  <p:clrMapOvr>
-    <a:masterClrMapping/>
-  </p:clrMapOvr>
-  <mc:AlternateContent xmlns:mc="http://schemas.openxmlformats.org/markup-compatibility/2006" xmlns:p14="http://schemas.microsoft.com/office/powerpoint/2010/main">
-    <mc:Choice Requires="p14">
-      <p:transition spd="slow" p14:dur="1500">
-        <p:random/>
-      </p:transition>
-    </mc:Choice>
-    <mc:Fallback xmlns="">
-      <p:transition spd="slow">
-        <p:random/>
-      </p:transition>
-    </mc:Fallback>
-  </mc:AlternateContent>
-</p:sld>
-</file>
-
-<file path=ppt/slides/slide32.xml><?xml version="1.0" encoding="utf-8"?>
-<p:sld xmlns:a="http://schemas.openxmlformats.org/drawingml/2006/main" xmlns:r="http://schemas.openxmlformats.org/officeDocument/2006/relationships" xmlns:p="http://schemas.openxmlformats.org/presentationml/2006/main">
-  <p:cSld>
-    <p:spTree>
-      <p:nvGrpSpPr>
-        <p:cNvPr id="1" name=""/>
-        <p:cNvGrpSpPr/>
-        <p:nvPr/>
-      </p:nvGrpSpPr>
-      <p:grpSpPr>
-        <a:xfrm>
-          <a:off x="0" y="0"/>
-          <a:ext cx="0" cy="0"/>
-          <a:chOff x="0" y="0"/>
-          <a:chExt cx="0" cy="0"/>
-        </a:xfrm>
-      </p:grpSpPr>
-      <p:sp>
-        <p:nvSpPr>
-          <p:cNvPr id="2" name="Título 1"/>
-          <p:cNvSpPr>
-            <a:spLocks noGrp="1"/>
-          </p:cNvSpPr>
-          <p:nvPr>
-            <p:ph type="title"/>
-          </p:nvPr>
-        </p:nvSpPr>
-        <p:spPr>
-          <a:xfrm>
-            <a:off x="1604733" y="2824766"/>
-            <a:ext cx="6347714" cy="601014"/>
-          </a:xfrm>
-        </p:spPr>
-        <p:txBody>
-          <a:bodyPr>
-            <a:normAutofit/>
-          </a:bodyPr>
-          <a:lstStyle/>
-          <a:p>
-            <a:pPr algn="ctr"/>
-            <a:r>
-              <a:rPr lang="pt-BR" b="1" dirty="0">
-                <a:solidFill>
-                  <a:schemeClr val="tx1"/>
-                </a:solidFill>
-                <a:effectLst>
-                  <a:outerShdw blurRad="38100" dist="38100" dir="2700000" algn="tl">
-                    <a:srgbClr val="000000">
-                      <a:alpha val="43137"/>
-                    </a:srgbClr>
-                  </a:outerShdw>
-                </a:effectLst>
-              </a:rPr>
-              <a:t>Aspecto Visual </a:t>
-            </a:r>
-          </a:p>
-        </p:txBody>
-      </p:sp>
-      <p:sp>
-        <p:nvSpPr>
-          <p:cNvPr id="5" name="Espaço Reservado para Número de Slide 4"/>
-          <p:cNvSpPr>
-            <a:spLocks noGrp="1"/>
-          </p:cNvSpPr>
-          <p:nvPr>
-            <p:ph type="sldNum" sz="quarter" idx="12"/>
-          </p:nvPr>
-        </p:nvSpPr>
-        <p:spPr/>
-        <p:txBody>
-          <a:bodyPr/>
-          <a:lstStyle/>
-          <a:p>
-            <a:fld id="{D8C21D6C-D2EB-4035-A5FA-FB33EA0C0521}" type="slidenum">
-              <a:rPr lang="pt-BR" smtClean="0"/>
-              <a:t>32</a:t>
-            </a:fld>
-            <a:endParaRPr lang="pt-BR"/>
-          </a:p>
-        </p:txBody>
-      </p:sp>
-      <p:pic>
-        <p:nvPicPr>
-          <p:cNvPr id="3" name="Imagem 2"/>
-          <p:cNvPicPr>
-            <a:picLocks noChangeAspect="1"/>
-          </p:cNvPicPr>
-          <p:nvPr/>
-        </p:nvPicPr>
-        <p:blipFill>
-          <a:blip r:embed="rId2">
-            <a:extLst>
-              <a:ext uri="{28A0092B-C50C-407E-A947-70E740481C1C}">
-                <a14:useLocalDpi xmlns:a14="http://schemas.microsoft.com/office/drawing/2010/main" val="0"/>
-              </a:ext>
-            </a:extLst>
-          </a:blip>
-          <a:stretch>
-            <a:fillRect/>
-          </a:stretch>
-        </p:blipFill>
-        <p:spPr>
-          <a:xfrm>
-            <a:off x="695459" y="4088584"/>
-            <a:ext cx="2795787" cy="2176719"/>
-          </a:xfrm>
-          <a:prstGeom prst="rect">
-            <a:avLst/>
-          </a:prstGeom>
-        </p:spPr>
-      </p:pic>
-    </p:spTree>
-    <p:extLst>
-      <p:ext uri="{BB962C8B-B14F-4D97-AF65-F5344CB8AC3E}">
-        <p14:creationId xmlns:p14="http://schemas.microsoft.com/office/powerpoint/2010/main" val="4196873387"/>
-      </p:ext>
-    </p:extLst>
-  </p:cSld>
-  <p:clrMapOvr>
-    <a:masterClrMapping/>
-  </p:clrMapOvr>
-  <mc:AlternateContent xmlns:mc="http://schemas.openxmlformats.org/markup-compatibility/2006" xmlns:p14="http://schemas.microsoft.com/office/powerpoint/2010/main">
-    <mc:Choice Requires="p14">
-      <p:transition spd="slow" p14:dur="1500">
-        <p:random/>
-      </p:transition>
-    </mc:Choice>
-    <mc:Fallback xmlns="">
-      <p:transition spd="slow">
-        <p:random/>
-      </p:transition>
-    </mc:Fallback>
-  </mc:AlternateContent>
-</p:sld>
-</file>
-
-<file path=ppt/slides/slide33.xml><?xml version="1.0" encoding="utf-8"?>
-<p:sld xmlns:a="http://schemas.openxmlformats.org/drawingml/2006/main" xmlns:r="http://schemas.openxmlformats.org/officeDocument/2006/relationships" xmlns:p="http://schemas.openxmlformats.org/presentationml/2006/main">
-  <p:cSld>
-    <p:spTree>
-      <p:nvGrpSpPr>
-        <p:cNvPr id="1" name=""/>
-        <p:cNvGrpSpPr/>
-        <p:nvPr/>
-      </p:nvGrpSpPr>
-      <p:grpSpPr>
-        <a:xfrm>
-          <a:off x="0" y="0"/>
-          <a:ext cx="0" cy="0"/>
-          <a:chOff x="0" y="0"/>
-          <a:chExt cx="0" cy="0"/>
-        </a:xfrm>
-      </p:grpSpPr>
-      <p:sp>
-        <p:nvSpPr>
-          <p:cNvPr id="2" name="Título 1"/>
-          <p:cNvSpPr>
-            <a:spLocks noGrp="1"/>
-          </p:cNvSpPr>
-          <p:nvPr>
-            <p:ph type="title"/>
-          </p:nvPr>
-        </p:nvSpPr>
-        <p:spPr/>
-        <p:txBody>
-          <a:bodyPr/>
-          <a:lstStyle/>
-          <a:p>
-            <a:pPr algn="ctr"/>
-            <a:r>
-              <a:rPr lang="pt-BR" dirty="0"/>
-              <a:t>Tela de Login (Professor)</a:t>
-            </a:r>
-          </a:p>
-        </p:txBody>
-      </p:sp>
-      <p:pic>
-        <p:nvPicPr>
-          <p:cNvPr id="4" name="Espaço Reservado para Conteúdo 3"/>
-          <p:cNvPicPr>
-            <a:picLocks noGrp="1" noChangeAspect="1"/>
-          </p:cNvPicPr>
-          <p:nvPr>
-            <p:ph idx="1"/>
-          </p:nvPr>
-        </p:nvPicPr>
-        <p:blipFill>
-          <a:blip r:embed="rId2">
-            <a:extLst>
-              <a:ext uri="{28A0092B-C50C-407E-A947-70E740481C1C}">
-                <a14:useLocalDpi xmlns:a14="http://schemas.microsoft.com/office/drawing/2010/main" val="0"/>
-              </a:ext>
-            </a:extLst>
-          </a:blip>
-          <a:stretch>
-            <a:fillRect/>
-          </a:stretch>
-        </p:blipFill>
-        <p:spPr>
-          <a:xfrm>
-            <a:off x="609600" y="2114662"/>
-            <a:ext cx="7787425" cy="3691182"/>
-          </a:xfrm>
-        </p:spPr>
-      </p:pic>
-      <p:sp>
-        <p:nvSpPr>
-          <p:cNvPr id="6" name="Espaço Reservado para Número de Slide 5"/>
-          <p:cNvSpPr>
-            <a:spLocks noGrp="1"/>
-          </p:cNvSpPr>
-          <p:nvPr>
-            <p:ph type="sldNum" sz="quarter" idx="12"/>
-          </p:nvPr>
-        </p:nvSpPr>
-        <p:spPr/>
-        <p:txBody>
-          <a:bodyPr/>
-          <a:lstStyle/>
-          <a:p>
-            <a:fld id="{D8C21D6C-D2EB-4035-A5FA-FB33EA0C0521}" type="slidenum">
-              <a:rPr lang="pt-BR" smtClean="0"/>
-              <a:t>33</a:t>
-            </a:fld>
-            <a:endParaRPr lang="pt-BR"/>
-          </a:p>
-        </p:txBody>
-      </p:sp>
-    </p:spTree>
-    <p:extLst>
-      <p:ext uri="{BB962C8B-B14F-4D97-AF65-F5344CB8AC3E}">
-        <p14:creationId xmlns:p14="http://schemas.microsoft.com/office/powerpoint/2010/main" val="341218052"/>
-      </p:ext>
-    </p:extLst>
-  </p:cSld>
-  <p:clrMapOvr>
-    <a:masterClrMapping/>
-  </p:clrMapOvr>
-  <mc:AlternateContent xmlns:mc="http://schemas.openxmlformats.org/markup-compatibility/2006" xmlns:p14="http://schemas.microsoft.com/office/powerpoint/2010/main">
-    <mc:Choice Requires="p14">
-      <p:transition spd="slow" p14:dur="1500">
-        <p:random/>
-      </p:transition>
-    </mc:Choice>
-    <mc:Fallback xmlns="">
-      <p:transition spd="slow">
-        <p:random/>
-      </p:transition>
-    </mc:Fallback>
-  </mc:AlternateContent>
-</p:sld>
-</file>
-
-<file path=ppt/slides/slide34.xml><?xml version="1.0" encoding="utf-8"?>
-<p:sld xmlns:a="http://schemas.openxmlformats.org/drawingml/2006/main" xmlns:r="http://schemas.openxmlformats.org/officeDocument/2006/relationships" xmlns:p="http://schemas.openxmlformats.org/presentationml/2006/main">
-  <p:cSld>
-    <p:spTree>
-      <p:nvGrpSpPr>
-        <p:cNvPr id="1" name=""/>
-        <p:cNvGrpSpPr/>
-        <p:nvPr/>
-      </p:nvGrpSpPr>
-      <p:grpSpPr>
-        <a:xfrm>
-          <a:off x="0" y="0"/>
-          <a:ext cx="0" cy="0"/>
-          <a:chOff x="0" y="0"/>
-          <a:chExt cx="0" cy="0"/>
-        </a:xfrm>
-      </p:grpSpPr>
-      <p:sp>
-        <p:nvSpPr>
           <p:cNvPr id="2" name="Título 1"/>
           <p:cNvSpPr>
             <a:spLocks noGrp="1"/>
@@ -10227,7 +9662,7 @@
           <a:p>
             <a:fld id="{D8C21D6C-D2EB-4035-A5FA-FB33EA0C0521}" type="slidenum">
               <a:rPr lang="pt-BR" smtClean="0"/>
-              <a:t>34</a:t>
+              <a:t>31</a:t>
             </a:fld>
             <a:endParaRPr lang="pt-BR"/>
           </a:p>
@@ -10288,7 +9723,7 @@
 </p:sld>
 </file>
 
-<file path=ppt/slides/slide35.xml><?xml version="1.0" encoding="utf-8"?>
+<file path=ppt/slides/slide32.xml><?xml version="1.0" encoding="utf-8"?>
 <p:sld xmlns:a="http://schemas.openxmlformats.org/drawingml/2006/main" xmlns:r="http://schemas.openxmlformats.org/officeDocument/2006/relationships" xmlns:p="http://schemas.openxmlformats.org/presentationml/2006/main">
   <p:cSld>
     <p:spTree>
@@ -10374,7 +9809,7 @@
           <a:p>
             <a:fld id="{D8C21D6C-D2EB-4035-A5FA-FB33EA0C0521}" type="slidenum">
               <a:rPr lang="pt-BR" smtClean="0"/>
-              <a:t>35</a:t>
+              <a:t>32</a:t>
             </a:fld>
             <a:endParaRPr lang="pt-BR"/>
           </a:p>
@@ -10405,7 +9840,7 @@
 </p:sld>
 </file>
 
-<file path=ppt/slides/slide36.xml><?xml version="1.0" encoding="utf-8"?>
+<file path=ppt/slides/slide33.xml><?xml version="1.0" encoding="utf-8"?>
 <p:sld xmlns:a="http://schemas.openxmlformats.org/drawingml/2006/main" xmlns:r="http://schemas.openxmlformats.org/officeDocument/2006/relationships" xmlns:p="http://schemas.openxmlformats.org/presentationml/2006/main">
   <p:cSld>
     <p:spTree>
@@ -10491,7 +9926,7 @@
           <a:p>
             <a:fld id="{D8C21D6C-D2EB-4035-A5FA-FB33EA0C0521}" type="slidenum">
               <a:rPr lang="pt-BR" smtClean="0"/>
-              <a:t>36</a:t>
+              <a:t>33</a:t>
             </a:fld>
             <a:endParaRPr lang="pt-BR"/>
           </a:p>
@@ -10552,7 +9987,7 @@
 </p:sld>
 </file>
 
-<file path=ppt/slides/slide37.xml><?xml version="1.0" encoding="utf-8"?>
+<file path=ppt/slides/slide34.xml><?xml version="1.0" encoding="utf-8"?>
 <p:sld xmlns:a="http://schemas.openxmlformats.org/drawingml/2006/main" xmlns:r="http://schemas.openxmlformats.org/officeDocument/2006/relationships" xmlns:p="http://schemas.openxmlformats.org/presentationml/2006/main">
   <p:cSld>
     <p:spTree>
@@ -10643,7 +10078,7 @@
           <a:p>
             <a:fld id="{D8C21D6C-D2EB-4035-A5FA-FB33EA0C0521}" type="slidenum">
               <a:rPr lang="pt-BR" smtClean="0"/>
-              <a:t>37</a:t>
+              <a:t>34</a:t>
             </a:fld>
             <a:endParaRPr lang="pt-BR"/>
           </a:p>
@@ -10674,7 +10109,7 @@
 </p:sld>
 </file>
 
-<file path=ppt/slides/slide38.xml><?xml version="1.0" encoding="utf-8"?>
+<file path=ppt/slides/slide35.xml><?xml version="1.0" encoding="utf-8"?>
 <p:sld xmlns:a="http://schemas.openxmlformats.org/drawingml/2006/main" xmlns:r="http://schemas.openxmlformats.org/officeDocument/2006/relationships" xmlns:p="http://schemas.openxmlformats.org/presentationml/2006/main">
   <p:cSld>
     <p:spTree>
@@ -10765,7 +10200,7 @@
           <a:p>
             <a:fld id="{D8C21D6C-D2EB-4035-A5FA-FB33EA0C0521}" type="slidenum">
               <a:rPr lang="pt-BR" smtClean="0"/>
-              <a:t>38</a:t>
+              <a:t>35</a:t>
             </a:fld>
             <a:endParaRPr lang="pt-BR"/>
           </a:p>
@@ -10826,7 +10261,7 @@
 </p:sld>
 </file>
 
-<file path=ppt/slides/slide39.xml><?xml version="1.0" encoding="utf-8"?>
+<file path=ppt/slides/slide36.xml><?xml version="1.0" encoding="utf-8"?>
 <p:sld xmlns:a="http://schemas.openxmlformats.org/drawingml/2006/main" xmlns:r="http://schemas.openxmlformats.org/officeDocument/2006/relationships" xmlns:p="http://schemas.openxmlformats.org/presentationml/2006/main">
   <p:cSld>
     <p:spTree>
@@ -10917,7 +10352,7 @@
           <a:p>
             <a:fld id="{D8C21D6C-D2EB-4035-A5FA-FB33EA0C0521}" type="slidenum">
               <a:rPr lang="pt-BR" smtClean="0"/>
-              <a:t>39</a:t>
+              <a:t>36</a:t>
             </a:fld>
             <a:endParaRPr lang="pt-BR"/>
           </a:p>
@@ -10978,7 +10413,7 @@
 </p:sld>
 </file>
 
-<file path=ppt/slides/slide4.xml><?xml version="1.0" encoding="utf-8"?>
+<file path=ppt/slides/slide37.xml><?xml version="1.0" encoding="utf-8"?>
 <p:sld xmlns:a="http://schemas.openxmlformats.org/drawingml/2006/main" xmlns:r="http://schemas.openxmlformats.org/officeDocument/2006/relationships" xmlns:p="http://schemas.openxmlformats.org/presentationml/2006/main">
   <p:cSld>
     <p:spTree>
@@ -11012,139 +10447,6 @@
           <a:p>
             <a:pPr algn="ctr"/>
             <a:r>
-              <a:rPr lang="pt-BR" dirty="0"/>
-              <a:t>Justificativa</a:t>
-            </a:r>
-          </a:p>
-        </p:txBody>
-      </p:sp>
-      <p:sp>
-        <p:nvSpPr>
-          <p:cNvPr id="3" name="Espaço Reservado para Conteúdo 2"/>
-          <p:cNvSpPr>
-            <a:spLocks noGrp="1"/>
-          </p:cNvSpPr>
-          <p:nvPr>
-            <p:ph idx="1"/>
-          </p:nvPr>
-        </p:nvSpPr>
-        <p:spPr/>
-        <p:txBody>
-          <a:bodyPr/>
-          <a:lstStyle/>
-          <a:p>
-            <a:pPr algn="just"/>
-            <a:endParaRPr lang="pt-BR" dirty="0"/>
-          </a:p>
-          <a:p>
-            <a:pPr algn="just"/>
-            <a:r>
-              <a:rPr lang="pt-BR" sz="2800" dirty="0"/>
-              <a:t>Conectividade;</a:t>
-            </a:r>
-          </a:p>
-          <a:p>
-            <a:pPr algn="just"/>
-            <a:endParaRPr lang="pt-BR" sz="2800" dirty="0"/>
-          </a:p>
-          <a:p>
-            <a:pPr algn="just"/>
-            <a:r>
-              <a:rPr lang="pt-BR" sz="2800" dirty="0"/>
-              <a:t>Mobilidade;</a:t>
-            </a:r>
-          </a:p>
-          <a:p>
-            <a:pPr algn="just"/>
-            <a:endParaRPr lang="pt-BR" sz="2800" dirty="0"/>
-          </a:p>
-          <a:p>
-            <a:pPr algn="just"/>
-            <a:r>
-              <a:rPr lang="pt-BR" sz="2800" dirty="0"/>
-              <a:t>Computação ciente de contexto;</a:t>
-            </a:r>
-          </a:p>
-          <a:p>
-            <a:pPr algn="just"/>
-            <a:endParaRPr lang="pt-BR" dirty="0"/>
-          </a:p>
-          <a:p>
-            <a:pPr algn="just"/>
-            <a:endParaRPr lang="pt-BR" dirty="0"/>
-          </a:p>
-        </p:txBody>
-      </p:sp>
-      <p:sp>
-        <p:nvSpPr>
-          <p:cNvPr id="4" name="Espaço Reservado para Número de Slide 3"/>
-          <p:cNvSpPr>
-            <a:spLocks noGrp="1"/>
-          </p:cNvSpPr>
-          <p:nvPr>
-            <p:ph type="sldNum" sz="quarter" idx="12"/>
-          </p:nvPr>
-        </p:nvSpPr>
-        <p:spPr/>
-        <p:txBody>
-          <a:bodyPr/>
-          <a:lstStyle/>
-          <a:p>
-            <a:fld id="{D8C21D6C-D2EB-4035-A5FA-FB33EA0C0521}" type="slidenum">
-              <a:rPr lang="pt-BR" smtClean="0"/>
-              <a:t>4</a:t>
-            </a:fld>
-            <a:endParaRPr lang="pt-BR"/>
-          </a:p>
-        </p:txBody>
-      </p:sp>
-    </p:spTree>
-    <p:extLst>
-      <p:ext uri="{BB962C8B-B14F-4D97-AF65-F5344CB8AC3E}">
-        <p14:creationId xmlns:p14="http://schemas.microsoft.com/office/powerpoint/2010/main" val="2937972545"/>
-      </p:ext>
-    </p:extLst>
-  </p:cSld>
-  <p:clrMapOvr>
-    <a:masterClrMapping/>
-  </p:clrMapOvr>
-</p:sld>
-</file>
-
-<file path=ppt/slides/slide40.xml><?xml version="1.0" encoding="utf-8"?>
-<p:sld xmlns:a="http://schemas.openxmlformats.org/drawingml/2006/main" xmlns:r="http://schemas.openxmlformats.org/officeDocument/2006/relationships" xmlns:p="http://schemas.openxmlformats.org/presentationml/2006/main">
-  <p:cSld>
-    <p:spTree>
-      <p:nvGrpSpPr>
-        <p:cNvPr id="1" name=""/>
-        <p:cNvGrpSpPr/>
-        <p:nvPr/>
-      </p:nvGrpSpPr>
-      <p:grpSpPr>
-        <a:xfrm>
-          <a:off x="0" y="0"/>
-          <a:ext cx="0" cy="0"/>
-          <a:chOff x="0" y="0"/>
-          <a:chExt cx="0" cy="0"/>
-        </a:xfrm>
-      </p:grpSpPr>
-      <p:sp>
-        <p:nvSpPr>
-          <p:cNvPr id="2" name="Título 1"/>
-          <p:cNvSpPr>
-            <a:spLocks noGrp="1"/>
-          </p:cNvSpPr>
-          <p:nvPr>
-            <p:ph type="title"/>
-          </p:nvPr>
-        </p:nvSpPr>
-        <p:spPr/>
-        <p:txBody>
-          <a:bodyPr/>
-          <a:lstStyle/>
-          <a:p>
-            <a:pPr algn="ctr"/>
-            <a:r>
               <a:rPr lang="pt-BR" dirty="0">
                 <a:solidFill>
                   <a:schemeClr val="tx1"/>
@@ -11255,7 +10557,7 @@
           <a:p>
             <a:fld id="{D8C21D6C-D2EB-4035-A5FA-FB33EA0C0521}" type="slidenum">
               <a:rPr lang="pt-BR" smtClean="0"/>
-              <a:t>40</a:t>
+              <a:t>37</a:t>
             </a:fld>
             <a:endParaRPr lang="pt-BR"/>
           </a:p>
@@ -11286,7 +10588,7 @@
 </p:sld>
 </file>
 
-<file path=ppt/slides/slide41.xml><?xml version="1.0" encoding="utf-8"?>
+<file path=ppt/slides/slide38.xml><?xml version="1.0" encoding="utf-8"?>
 <p:sld xmlns:a="http://schemas.openxmlformats.org/drawingml/2006/main" xmlns:r="http://schemas.openxmlformats.org/officeDocument/2006/relationships" xmlns:p="http://schemas.openxmlformats.org/presentationml/2006/main">
   <p:cSld>
     <p:spTree>
@@ -11403,7 +10705,7 @@
           <a:p>
             <a:fld id="{D8C21D6C-D2EB-4035-A5FA-FB33EA0C0521}" type="slidenum">
               <a:rPr lang="pt-BR" smtClean="0"/>
-              <a:t>41</a:t>
+              <a:t>38</a:t>
             </a:fld>
             <a:endParaRPr lang="pt-BR"/>
           </a:p>
@@ -11434,7 +10736,7 @@
 </p:sld>
 </file>
 
-<file path=ppt/slides/slide42.xml><?xml version="1.0" encoding="utf-8"?>
+<file path=ppt/slides/slide39.xml><?xml version="1.0" encoding="utf-8"?>
 <p:sld xmlns:a="http://schemas.openxmlformats.org/drawingml/2006/main" xmlns:r="http://schemas.openxmlformats.org/officeDocument/2006/relationships" xmlns:p="http://schemas.openxmlformats.org/presentationml/2006/main">
   <p:cSld>
     <p:spTree>
@@ -11852,6 +11154,139 @@
       </p:transition>
     </mc:Fallback>
   </mc:AlternateContent>
+</p:sld>
+</file>
+
+<file path=ppt/slides/slide4.xml><?xml version="1.0" encoding="utf-8"?>
+<p:sld xmlns:a="http://schemas.openxmlformats.org/drawingml/2006/main" xmlns:r="http://schemas.openxmlformats.org/officeDocument/2006/relationships" xmlns:p="http://schemas.openxmlformats.org/presentationml/2006/main">
+  <p:cSld>
+    <p:spTree>
+      <p:nvGrpSpPr>
+        <p:cNvPr id="1" name=""/>
+        <p:cNvGrpSpPr/>
+        <p:nvPr/>
+      </p:nvGrpSpPr>
+      <p:grpSpPr>
+        <a:xfrm>
+          <a:off x="0" y="0"/>
+          <a:ext cx="0" cy="0"/>
+          <a:chOff x="0" y="0"/>
+          <a:chExt cx="0" cy="0"/>
+        </a:xfrm>
+      </p:grpSpPr>
+      <p:sp>
+        <p:nvSpPr>
+          <p:cNvPr id="2" name="Título 1"/>
+          <p:cNvSpPr>
+            <a:spLocks noGrp="1"/>
+          </p:cNvSpPr>
+          <p:nvPr>
+            <p:ph type="title"/>
+          </p:nvPr>
+        </p:nvSpPr>
+        <p:spPr/>
+        <p:txBody>
+          <a:bodyPr/>
+          <a:lstStyle/>
+          <a:p>
+            <a:pPr algn="ctr"/>
+            <a:r>
+              <a:rPr lang="pt-BR" dirty="0"/>
+              <a:t>Justificativa</a:t>
+            </a:r>
+          </a:p>
+        </p:txBody>
+      </p:sp>
+      <p:sp>
+        <p:nvSpPr>
+          <p:cNvPr id="3" name="Espaço Reservado para Conteúdo 2"/>
+          <p:cNvSpPr>
+            <a:spLocks noGrp="1"/>
+          </p:cNvSpPr>
+          <p:nvPr>
+            <p:ph idx="1"/>
+          </p:nvPr>
+        </p:nvSpPr>
+        <p:spPr/>
+        <p:txBody>
+          <a:bodyPr/>
+          <a:lstStyle/>
+          <a:p>
+            <a:pPr algn="just"/>
+            <a:endParaRPr lang="pt-BR" dirty="0"/>
+          </a:p>
+          <a:p>
+            <a:pPr algn="just"/>
+            <a:r>
+              <a:rPr lang="pt-BR" sz="2800" dirty="0"/>
+              <a:t>Conectividade;</a:t>
+            </a:r>
+          </a:p>
+          <a:p>
+            <a:pPr algn="just"/>
+            <a:endParaRPr lang="pt-BR" sz="2800" dirty="0"/>
+          </a:p>
+          <a:p>
+            <a:pPr algn="just"/>
+            <a:r>
+              <a:rPr lang="pt-BR" sz="2800" dirty="0"/>
+              <a:t>Mobilidade;</a:t>
+            </a:r>
+          </a:p>
+          <a:p>
+            <a:pPr algn="just"/>
+            <a:endParaRPr lang="pt-BR" sz="2800" dirty="0"/>
+          </a:p>
+          <a:p>
+            <a:pPr algn="just"/>
+            <a:r>
+              <a:rPr lang="pt-BR" sz="2800" dirty="0"/>
+              <a:t>Computação ciente de contexto;</a:t>
+            </a:r>
+          </a:p>
+          <a:p>
+            <a:pPr algn="just"/>
+            <a:endParaRPr lang="pt-BR" dirty="0"/>
+          </a:p>
+          <a:p>
+            <a:pPr algn="just"/>
+            <a:endParaRPr lang="pt-BR" dirty="0"/>
+          </a:p>
+        </p:txBody>
+      </p:sp>
+      <p:sp>
+        <p:nvSpPr>
+          <p:cNvPr id="4" name="Espaço Reservado para Número de Slide 3"/>
+          <p:cNvSpPr>
+            <a:spLocks noGrp="1"/>
+          </p:cNvSpPr>
+          <p:nvPr>
+            <p:ph type="sldNum" sz="quarter" idx="12"/>
+          </p:nvPr>
+        </p:nvSpPr>
+        <p:spPr/>
+        <p:txBody>
+          <a:bodyPr/>
+          <a:lstStyle/>
+          <a:p>
+            <a:fld id="{D8C21D6C-D2EB-4035-A5FA-FB33EA0C0521}" type="slidenum">
+              <a:rPr lang="pt-BR" smtClean="0"/>
+              <a:t>4</a:t>
+            </a:fld>
+            <a:endParaRPr lang="pt-BR"/>
+          </a:p>
+        </p:txBody>
+      </p:sp>
+    </p:spTree>
+    <p:extLst>
+      <p:ext uri="{BB962C8B-B14F-4D97-AF65-F5344CB8AC3E}">
+        <p14:creationId xmlns:p14="http://schemas.microsoft.com/office/powerpoint/2010/main" val="2937972545"/>
+      </p:ext>
+    </p:extLst>
+  </p:cSld>
+  <p:clrMapOvr>
+    <a:masterClrMapping/>
+  </p:clrMapOvr>
 </p:sld>
 </file>
 

--- a/TCC - Documento/TCC II.pptx
+++ b/TCC - Documento/TCC II.pptx
@@ -5,7 +5,7 @@
     <p:sldMasterId id="2147483933" r:id="rId1"/>
   </p:sldMasterIdLst>
   <p:notesMasterIdLst>
-    <p:notesMasterId r:id="rId41"/>
+    <p:notesMasterId r:id="rId40"/>
   </p:notesMasterIdLst>
   <p:sldIdLst>
     <p:sldId id="326" r:id="rId2"/>
@@ -24,29 +24,28 @@
     <p:sldId id="305" r:id="rId15"/>
     <p:sldId id="304" r:id="rId16"/>
     <p:sldId id="306" r:id="rId17"/>
-    <p:sldId id="307" r:id="rId18"/>
-    <p:sldId id="281" r:id="rId19"/>
-    <p:sldId id="282" r:id="rId20"/>
-    <p:sldId id="308" r:id="rId21"/>
-    <p:sldId id="309" r:id="rId22"/>
-    <p:sldId id="292" r:id="rId23"/>
-    <p:sldId id="310" r:id="rId24"/>
-    <p:sldId id="311" r:id="rId25"/>
-    <p:sldId id="312" r:id="rId26"/>
-    <p:sldId id="268" r:id="rId27"/>
-    <p:sldId id="269" r:id="rId28"/>
-    <p:sldId id="267" r:id="rId29"/>
-    <p:sldId id="298" r:id="rId30"/>
-    <p:sldId id="299" r:id="rId31"/>
-    <p:sldId id="315" r:id="rId32"/>
-    <p:sldId id="300" r:id="rId33"/>
-    <p:sldId id="318" r:id="rId34"/>
-    <p:sldId id="319" r:id="rId35"/>
-    <p:sldId id="320" r:id="rId36"/>
-    <p:sldId id="321" r:id="rId37"/>
-    <p:sldId id="294" r:id="rId38"/>
-    <p:sldId id="324" r:id="rId39"/>
-    <p:sldId id="325" r:id="rId40"/>
+    <p:sldId id="281" r:id="rId18"/>
+    <p:sldId id="282" r:id="rId19"/>
+    <p:sldId id="308" r:id="rId20"/>
+    <p:sldId id="309" r:id="rId21"/>
+    <p:sldId id="292" r:id="rId22"/>
+    <p:sldId id="310" r:id="rId23"/>
+    <p:sldId id="311" r:id="rId24"/>
+    <p:sldId id="312" r:id="rId25"/>
+    <p:sldId id="268" r:id="rId26"/>
+    <p:sldId id="269" r:id="rId27"/>
+    <p:sldId id="267" r:id="rId28"/>
+    <p:sldId id="298" r:id="rId29"/>
+    <p:sldId id="299" r:id="rId30"/>
+    <p:sldId id="315" r:id="rId31"/>
+    <p:sldId id="300" r:id="rId32"/>
+    <p:sldId id="318" r:id="rId33"/>
+    <p:sldId id="319" r:id="rId34"/>
+    <p:sldId id="320" r:id="rId35"/>
+    <p:sldId id="321" r:id="rId36"/>
+    <p:sldId id="294" r:id="rId37"/>
+    <p:sldId id="324" r:id="rId38"/>
+    <p:sldId id="325" r:id="rId39"/>
   </p:sldIdLst>
   <p:sldSz cx="9144000" cy="6858000" type="screen4x3"/>
   <p:notesSz cx="6858000" cy="9144000"/>
@@ -247,7 +246,7 @@
           <a:p>
             <a:fld id="{1B59BDBE-59CB-4EDC-B99C-C69B3C658301}" type="datetimeFigureOut">
               <a:rPr lang="pt-BR" smtClean="0"/>
-              <a:t>10/05/2016</a:t>
+              <a:t>14/05/2016</a:t>
             </a:fld>
             <a:endParaRPr lang="pt-BR"/>
           </a:p>
@@ -854,7 +853,7 @@
           <a:p>
             <a:fld id="{775D8B99-A17D-4E1D-BB0B-67D1381AC551}" type="datetime1">
               <a:rPr lang="pt-BR" smtClean="0"/>
-              <a:t>10/05/2016</a:t>
+              <a:t>14/05/2016</a:t>
             </a:fld>
             <a:endParaRPr lang="pt-BR"/>
           </a:p>
@@ -1023,7 +1022,7 @@
           <a:p>
             <a:fld id="{775D8B99-A17D-4E1D-BB0B-67D1381AC551}" type="datetime1">
               <a:rPr lang="pt-BR" smtClean="0"/>
-              <a:t>10/05/2016</a:t>
+              <a:t>14/05/2016</a:t>
             </a:fld>
             <a:endParaRPr lang="pt-BR"/>
           </a:p>
@@ -1202,7 +1201,7 @@
           <a:p>
             <a:fld id="{775D8B99-A17D-4E1D-BB0B-67D1381AC551}" type="datetime1">
               <a:rPr lang="pt-BR" smtClean="0"/>
-              <a:t>10/05/2016</a:t>
+              <a:t>14/05/2016</a:t>
             </a:fld>
             <a:endParaRPr lang="pt-BR"/>
           </a:p>
@@ -1371,7 +1370,7 @@
           <a:p>
             <a:fld id="{775D8B99-A17D-4E1D-BB0B-67D1381AC551}" type="datetime1">
               <a:rPr lang="pt-BR" smtClean="0"/>
-              <a:t>10/05/2016</a:t>
+              <a:t>14/05/2016</a:t>
             </a:fld>
             <a:endParaRPr lang="pt-BR"/>
           </a:p>
@@ -1617,7 +1616,7 @@
           <a:p>
             <a:fld id="{7A316752-3A49-4DED-A458-533FF250ADCD}" type="datetime1">
               <a:rPr lang="pt-BR" smtClean="0"/>
-              <a:t>10/05/2016</a:t>
+              <a:t>14/05/2016</a:t>
             </a:fld>
             <a:endParaRPr lang="pt-BR"/>
           </a:p>
@@ -1858,7 +1857,7 @@
           <a:p>
             <a:fld id="{3103DA00-4E86-479F-9465-756E750E2C7A}" type="datetime1">
               <a:rPr lang="pt-BR" smtClean="0"/>
-              <a:t>10/05/2016</a:t>
+              <a:t>14/05/2016</a:t>
             </a:fld>
             <a:endParaRPr lang="pt-BR"/>
           </a:p>
@@ -2234,7 +2233,7 @@
           <a:p>
             <a:fld id="{8A9CFFEF-7C51-4A89-B41D-DB87D80AB99C}" type="datetime1">
               <a:rPr lang="pt-BR" smtClean="0"/>
-              <a:t>10/05/2016</a:t>
+              <a:t>14/05/2016</a:t>
             </a:fld>
             <a:endParaRPr lang="pt-BR"/>
           </a:p>
@@ -2363,7 +2362,7 @@
           <a:p>
             <a:fld id="{775D8B99-A17D-4E1D-BB0B-67D1381AC551}" type="datetime1">
               <a:rPr lang="pt-BR" smtClean="0"/>
-              <a:t>10/05/2016</a:t>
+              <a:t>14/05/2016</a:t>
             </a:fld>
             <a:endParaRPr lang="pt-BR"/>
           </a:p>
@@ -2459,7 +2458,7 @@
           <a:p>
             <a:fld id="{82DBB31F-1CF9-4A63-87FE-A0BE9289F539}" type="datetime1">
               <a:rPr lang="pt-BR" smtClean="0"/>
-              <a:t>10/05/2016</a:t>
+              <a:t>14/05/2016</a:t>
             </a:fld>
             <a:endParaRPr lang="pt-BR"/>
           </a:p>
@@ -2746,7 +2745,7 @@
           <a:p>
             <a:fld id="{E3047AFD-A5E2-4174-BC85-B3C41449EF2B}" type="datetime1">
               <a:rPr lang="pt-BR" smtClean="0"/>
-              <a:t>10/05/2016</a:t>
+              <a:t>14/05/2016</a:t>
             </a:fld>
             <a:endParaRPr lang="pt-BR"/>
           </a:p>
@@ -3010,7 +3009,7 @@
           <a:p>
             <a:fld id="{3DCB0219-104B-453B-9627-7BD4B22A4025}" type="datetime1">
               <a:rPr lang="pt-BR" smtClean="0"/>
-              <a:t>10/05/2016</a:t>
+              <a:t>14/05/2016</a:t>
             </a:fld>
             <a:endParaRPr lang="pt-BR"/>
           </a:p>
@@ -3233,7 +3232,7 @@
           <a:p>
             <a:fld id="{775D8B99-A17D-4E1D-BB0B-67D1381AC551}" type="datetime1">
               <a:rPr lang="pt-BR" smtClean="0"/>
-              <a:t>10/05/2016</a:t>
+              <a:t>14/05/2016</a:t>
             </a:fld>
             <a:endParaRPr lang="pt-BR"/>
           </a:p>
@@ -4235,7 +4234,7 @@
         </p:nvSpPr>
         <p:spPr>
           <a:xfrm>
-            <a:off x="386366" y="609600"/>
+            <a:off x="664662" y="490331"/>
             <a:ext cx="8242813" cy="891662"/>
           </a:xfrm>
         </p:spPr>
@@ -4252,7 +4251,23 @@
                   <a:schemeClr val="tx1"/>
                 </a:solidFill>
               </a:rPr>
-              <a:t>Metodologia de Desenvolvimento</a:t>
+              <a:t>Metodologia </a:t>
+            </a:r>
+            <a:r>
+              <a:rPr lang="pt-BR" sz="4400" dirty="0">
+                <a:solidFill>
+                  <a:schemeClr val="tx1"/>
+                </a:solidFill>
+              </a:rPr>
+              <a:t>de</a:t>
+            </a:r>
+            <a:r>
+              <a:rPr lang="pt-BR" sz="4000" dirty="0">
+                <a:solidFill>
+                  <a:schemeClr val="tx1"/>
+                </a:solidFill>
+              </a:rPr>
+              <a:t> Desenvolvimento</a:t>
             </a:r>
           </a:p>
         </p:txBody>
@@ -4402,7 +4417,7 @@
         </p:nvSpPr>
         <p:spPr>
           <a:xfrm>
-            <a:off x="193184" y="609600"/>
+            <a:off x="517570" y="524802"/>
             <a:ext cx="7997780" cy="1320800"/>
           </a:xfrm>
         </p:spPr>
@@ -4413,23 +4428,23 @@
           <a:lstStyle/>
           <a:p>
             <a:pPr algn="ctr"/>
+            <a:r>
+              <a:rPr lang="pt-BR" sz="4000" dirty="0">
+                <a:solidFill>
+                  <a:schemeClr val="tx1"/>
+                </a:solidFill>
+              </a:rPr>
+              <a:t>Metodologia de Desenvolvimento (1) – </a:t>
+            </a:r>
             <a:r>
               <a:rPr lang="pt-BR" sz="3600" dirty="0">
                 <a:solidFill>
                   <a:schemeClr val="tx1"/>
                 </a:solidFill>
               </a:rPr>
-              <a:t>Metodologia de Desenvolvimento (5) – </a:t>
-            </a:r>
-            <a:r>
-              <a:rPr lang="pt-BR" sz="3200" dirty="0">
-                <a:solidFill>
-                  <a:schemeClr val="tx1"/>
-                </a:solidFill>
-              </a:rPr>
               <a:t>Processo de Desenvolvimento</a:t>
             </a:r>
-            <a:endParaRPr lang="pt-BR" sz="3600" dirty="0">
+            <a:endParaRPr lang="pt-BR" sz="4000" dirty="0">
               <a:solidFill>
                 <a:schemeClr val="tx1"/>
               </a:solidFill>
@@ -4751,12 +4766,14 @@
         </p:nvSpPr>
         <p:spPr/>
         <p:txBody>
-          <a:bodyPr/>
+          <a:bodyPr>
+            <a:normAutofit/>
+          </a:bodyPr>
           <a:lstStyle/>
           <a:p>
             <a:pPr algn="ctr"/>
             <a:r>
-              <a:rPr lang="pt-BR" dirty="0"/>
+              <a:rPr lang="pt-BR" sz="4400" dirty="0"/>
               <a:t>Trabalhos Relacionados</a:t>
             </a:r>
           </a:p>
@@ -4883,8 +4900,12 @@
           <a:p>
             <a:pPr algn="ctr"/>
             <a:r>
+              <a:rPr lang="pt-BR" sz="4400" dirty="0"/>
+              <a:t>Trabalhos Relacionados </a:t>
+            </a:r>
+            <a:r>
               <a:rPr lang="pt-BR" dirty="0"/>
-              <a:t>Trabalhos Relacionados (1)</a:t>
+              <a:t>(1)</a:t>
             </a:r>
           </a:p>
         </p:txBody>
@@ -6392,9 +6413,10 @@
           <a:p>
             <a:pPr algn="ctr"/>
             <a:r>
-              <a:rPr lang="pt-BR" dirty="0"/>
+              <a:rPr lang="pt-BR" sz="4400" dirty="0"/>
               <a:t>Contextualização</a:t>
             </a:r>
+            <a:endParaRPr lang="pt-BR" dirty="0"/>
           </a:p>
         </p:txBody>
       </p:sp>
@@ -6490,203 +6512,10 @@
             <p:ph type="title"/>
           </p:nvPr>
         </p:nvSpPr>
-        <p:spPr/>
-        <p:txBody>
-          <a:bodyPr/>
-          <a:lstStyle/>
-          <a:p>
-            <a:pPr algn="ctr"/>
-            <a:r>
-              <a:rPr lang="pt-BR" dirty="0"/>
-              <a:t>Requisitos</a:t>
-            </a:r>
-          </a:p>
-        </p:txBody>
-      </p:sp>
-      <p:sp>
-        <p:nvSpPr>
-          <p:cNvPr id="3" name="Espaço Reservado para Conteúdo 2"/>
-          <p:cNvSpPr>
-            <a:spLocks noGrp="1"/>
-          </p:cNvSpPr>
-          <p:nvPr>
-            <p:ph idx="1"/>
-          </p:nvPr>
-        </p:nvSpPr>
-        <p:spPr/>
-        <p:txBody>
-          <a:bodyPr>
-            <a:normAutofit fontScale="92500" lnSpcReduction="20000"/>
-          </a:bodyPr>
-          <a:lstStyle/>
-          <a:p>
-            <a:pPr algn="just">
-              <a:buFont typeface="Wingdings" panose="05000000000000000000" pitchFamily="2" charset="2"/>
-              <a:buChar char="ü"/>
-            </a:pPr>
-            <a:r>
-              <a:rPr lang="pt-BR" dirty="0"/>
-              <a:t> </a:t>
-            </a:r>
-            <a:r>
-              <a:rPr lang="pt-BR" sz="2600" dirty="0"/>
-              <a:t>Permitir ao professor manter grupos de discussão;</a:t>
-            </a:r>
-          </a:p>
-          <a:p>
-            <a:pPr algn="just">
-              <a:buFont typeface="Wingdings" panose="05000000000000000000" pitchFamily="2" charset="2"/>
-              <a:buChar char="ü"/>
-            </a:pPr>
-            <a:endParaRPr lang="pt-BR" sz="2600" dirty="0"/>
-          </a:p>
-          <a:p>
-            <a:pPr algn="just">
-              <a:buFont typeface="Wingdings" panose="05000000000000000000" pitchFamily="2" charset="2"/>
-              <a:buChar char="ü"/>
-            </a:pPr>
-            <a:r>
-              <a:rPr lang="pt-BR" sz="2600" dirty="0"/>
-              <a:t> Criar e enviar Testes a um grupo de alunos;</a:t>
-            </a:r>
-          </a:p>
-          <a:p>
-            <a:pPr algn="just">
-              <a:buFont typeface="Wingdings" panose="05000000000000000000" pitchFamily="2" charset="2"/>
-              <a:buChar char="ü"/>
-            </a:pPr>
-            <a:endParaRPr lang="pt-BR" sz="2600" dirty="0"/>
-          </a:p>
-          <a:p>
-            <a:pPr algn="just">
-              <a:buFont typeface="Wingdings" panose="05000000000000000000" pitchFamily="2" charset="2"/>
-              <a:buChar char="ü"/>
-            </a:pPr>
-            <a:r>
-              <a:rPr lang="pt-BR" sz="2600" dirty="0"/>
-              <a:t> Criar e comentar tópicos;</a:t>
-            </a:r>
-          </a:p>
-          <a:p>
-            <a:pPr algn="just">
-              <a:buFont typeface="Wingdings" panose="05000000000000000000" pitchFamily="2" charset="2"/>
-              <a:buChar char="ü"/>
-            </a:pPr>
-            <a:endParaRPr lang="pt-BR" sz="2600" dirty="0"/>
-          </a:p>
-          <a:p>
-            <a:pPr algn="just">
-              <a:buFont typeface="Wingdings" panose="05000000000000000000" pitchFamily="2" charset="2"/>
-              <a:buChar char="ü"/>
-            </a:pPr>
-            <a:r>
-              <a:rPr lang="pt-BR" sz="2600" dirty="0"/>
-              <a:t> Disponibilizar arquivos para download;</a:t>
-            </a:r>
-          </a:p>
-          <a:p>
-            <a:pPr algn="just">
-              <a:buFont typeface="Wingdings" panose="05000000000000000000" pitchFamily="2" charset="2"/>
-              <a:buChar char="ü"/>
-            </a:pPr>
-            <a:endParaRPr lang="pt-BR" sz="2600" dirty="0"/>
-          </a:p>
-          <a:p>
-            <a:pPr algn="just">
-              <a:buFont typeface="Wingdings" panose="05000000000000000000" pitchFamily="2" charset="2"/>
-              <a:buChar char="ü"/>
-            </a:pPr>
-            <a:r>
-              <a:rPr lang="pt-BR" sz="2600" dirty="0"/>
-              <a:t> Permitir ao aluno responder um teste disponibilizado por um professor;</a:t>
-            </a:r>
-          </a:p>
-          <a:p>
-            <a:pPr algn="just">
-              <a:buFont typeface="Wingdings" panose="05000000000000000000" pitchFamily="2" charset="2"/>
-              <a:buChar char="ü"/>
-            </a:pPr>
-            <a:endParaRPr lang="pt-BR" sz="2600" dirty="0"/>
-          </a:p>
-          <a:p>
-            <a:pPr algn="just">
-              <a:buFont typeface="Wingdings" panose="05000000000000000000" pitchFamily="2" charset="2"/>
-              <a:buChar char="ü"/>
-            </a:pPr>
-            <a:r>
-              <a:rPr lang="pt-BR" sz="2600" dirty="0"/>
-              <a:t> Permitir ao aluno participar de um grupo;</a:t>
-            </a:r>
-          </a:p>
-        </p:txBody>
-      </p:sp>
-      <p:sp>
-        <p:nvSpPr>
-          <p:cNvPr id="4" name="Espaço Reservado para Número de Slide 3"/>
-          <p:cNvSpPr>
-            <a:spLocks noGrp="1"/>
-          </p:cNvSpPr>
-          <p:nvPr>
-            <p:ph type="sldNum" sz="quarter" idx="12"/>
-          </p:nvPr>
-        </p:nvSpPr>
-        <p:spPr/>
-        <p:txBody>
-          <a:bodyPr/>
-          <a:lstStyle/>
-          <a:p>
-            <a:fld id="{D8C21D6C-D2EB-4035-A5FA-FB33EA0C0521}" type="slidenum">
-              <a:rPr lang="pt-BR" smtClean="0"/>
-              <a:t>17</a:t>
-            </a:fld>
-            <a:endParaRPr lang="pt-BR"/>
-          </a:p>
-        </p:txBody>
-      </p:sp>
-    </p:spTree>
-    <p:extLst>
-      <p:ext uri="{BB962C8B-B14F-4D97-AF65-F5344CB8AC3E}">
-        <p14:creationId xmlns:p14="http://schemas.microsoft.com/office/powerpoint/2010/main" val="718346080"/>
-      </p:ext>
-    </p:extLst>
-  </p:cSld>
-  <p:clrMapOvr>
-    <a:masterClrMapping/>
-  </p:clrMapOvr>
-</p:sld>
-</file>
-
-<file path=ppt/slides/slide18.xml><?xml version="1.0" encoding="utf-8"?>
-<p:sld xmlns:a="http://schemas.openxmlformats.org/drawingml/2006/main" xmlns:r="http://schemas.openxmlformats.org/officeDocument/2006/relationships" xmlns:p="http://schemas.openxmlformats.org/presentationml/2006/main">
-  <p:cSld>
-    <p:spTree>
-      <p:nvGrpSpPr>
-        <p:cNvPr id="1" name=""/>
-        <p:cNvGrpSpPr/>
-        <p:nvPr/>
-      </p:nvGrpSpPr>
-      <p:grpSpPr>
-        <a:xfrm>
-          <a:off x="0" y="0"/>
-          <a:ext cx="0" cy="0"/>
-          <a:chOff x="0" y="0"/>
-          <a:chExt cx="0" cy="0"/>
-        </a:xfrm>
-      </p:grpSpPr>
-      <p:sp>
-        <p:nvSpPr>
-          <p:cNvPr id="2" name="Título 1"/>
-          <p:cNvSpPr>
-            <a:spLocks noGrp="1"/>
-          </p:cNvSpPr>
-          <p:nvPr>
-            <p:ph type="title"/>
-          </p:nvPr>
-        </p:nvSpPr>
         <p:spPr>
           <a:xfrm>
-            <a:off x="309093" y="609600"/>
-            <a:ext cx="7070501" cy="1320800"/>
+            <a:off x="446093" y="248033"/>
+            <a:ext cx="7346398" cy="1320800"/>
           </a:xfrm>
         </p:spPr>
         <p:txBody>
@@ -6695,13 +6524,18 @@
           <a:p>
             <a:pPr algn="ctr"/>
             <a:r>
-              <a:rPr lang="pt-BR" dirty="0">
+              <a:rPr lang="pt-BR" sz="4400" dirty="0">
                 <a:solidFill>
                   <a:schemeClr val="tx1"/>
                 </a:solidFill>
               </a:rPr>
-              <a:t>Apresentação do sistema - Especificação</a:t>
-            </a:r>
+              <a:t>Especificação</a:t>
+            </a:r>
+            <a:endParaRPr lang="pt-BR" dirty="0">
+              <a:solidFill>
+                <a:schemeClr val="tx1"/>
+              </a:solidFill>
+            </a:endParaRPr>
           </a:p>
         </p:txBody>
       </p:sp>
@@ -6717,27 +6551,27 @@
         </p:nvSpPr>
         <p:spPr>
           <a:xfrm>
-            <a:off x="609599" y="2160590"/>
-            <a:ext cx="7169240" cy="3880773"/>
+            <a:off x="609598" y="1736035"/>
+            <a:ext cx="7905751" cy="4784035"/>
           </a:xfrm>
         </p:spPr>
         <p:txBody>
           <a:bodyPr>
-            <a:normAutofit fontScale="92500" lnSpcReduction="20000"/>
+            <a:noAutofit/>
           </a:bodyPr>
           <a:lstStyle/>
           <a:p>
             <a:pPr algn="just"/>
             <a:r>
-              <a:rPr lang="pt-BR" dirty="0"/>
-              <a:t>A implementação do sistema será dividida 4 em releases. </a:t>
+              <a:rPr lang="pt-BR" sz="2000" dirty="0"/>
+              <a:t>A implementação do sistema foi dividida 4 em releases. </a:t>
             </a:r>
           </a:p>
           <a:p>
             <a:pPr marL="0" indent="0" algn="just">
               <a:buNone/>
             </a:pPr>
-            <a:endParaRPr lang="pt-BR" dirty="0"/>
+            <a:endParaRPr lang="pt-BR" sz="2000" dirty="0"/>
           </a:p>
           <a:p>
             <a:pPr lvl="1" algn="just">
@@ -6746,7 +6580,7 @@
             </a:pPr>
             <a:r>
               <a:rPr lang="pt-BR" dirty="0"/>
-              <a:t> O primeiro release contemplara o desenvolvimento do modulo de testes, e incluirá o desenvolvimento dos requisitos funcionais:  RF01, RF02, RF03, RF04, RF05, RF06, RF14, RF15, RF16, RF17.</a:t>
+              <a:t> O primeiro release contemplara o desenvolvimento do modulo de testes, e incluirá o desenvolvimento do módulo de testes.</a:t>
             </a:r>
           </a:p>
           <a:p>
@@ -6763,7 +6597,7 @@
             </a:pPr>
             <a:r>
               <a:rPr lang="pt-BR" dirty="0"/>
-              <a:t>O segundo release contemplara o desenvolvimento de módulo de transferência de arquivos, e incluirá o desenvolvimento dos requisitos funcionais: RF08, RF09, RF20. </a:t>
+              <a:t>O segundo release contemplara o desenvolvimento de módulo de transferência de arquivos, e incluirá o desenvolvimento do módulo de transferência de arquivos.</a:t>
             </a:r>
           </a:p>
           <a:p>
@@ -6780,7 +6614,7 @@
             </a:pPr>
             <a:r>
               <a:rPr lang="pt-BR" dirty="0"/>
-              <a:t>O terceiro release contemplara o desenvolvimento de módulo de criação de grupos de discussões e incluirá o desenvolvimento dos requisitos funcionais: RF07, RF10, RF11, RF12, RF13, RF18, RF19.</a:t>
+              <a:t>O terceiro release contemplara o desenvolvimento de módulo de criação de grupos de discussões e incluirá o desenvolvimento do módulo de criação de grupos.</a:t>
             </a:r>
           </a:p>
           <a:p>
@@ -6797,7 +6631,7 @@
             </a:pPr>
             <a:r>
               <a:rPr lang="pt-BR" dirty="0"/>
-              <a:t>O quarto release contemplara o desenvolvimento do módulo de criação de turmas e incluirá o desenvolvimento dos requisitos funcionais: RF21, RF22, RF23, RF24, RF25, RF26, RF27, RF28, RF29, RF30, RF31, RF32.</a:t>
+              <a:t>O quarto release contemplara o desenvolvimento do módulo de criação de turmas e incluirá o desenvolvimento do módulo de criação de turmas.</a:t>
             </a:r>
           </a:p>
         </p:txBody>
@@ -6819,7 +6653,7 @@
           <a:p>
             <a:fld id="{D8C21D6C-D2EB-4035-A5FA-FB33EA0C0521}" type="slidenum">
               <a:rPr lang="pt-BR" smtClean="0"/>
-              <a:t>18</a:t>
+              <a:t>17</a:t>
             </a:fld>
             <a:endParaRPr lang="pt-BR"/>
           </a:p>
@@ -6880,7 +6714,7 @@
 </p:sld>
 </file>
 
-<file path=ppt/slides/slide19.xml><?xml version="1.0" encoding="utf-8"?>
+<file path=ppt/slides/slide18.xml><?xml version="1.0" encoding="utf-8"?>
 <p:sld xmlns:a="http://schemas.openxmlformats.org/drawingml/2006/main" xmlns:r="http://schemas.openxmlformats.org/officeDocument/2006/relationships" xmlns:p="http://schemas.openxmlformats.org/presentationml/2006/main">
   <p:cSld>
     <p:spTree>
@@ -6914,13 +6748,18 @@
           <a:p>
             <a:pPr algn="ctr"/>
             <a:r>
-              <a:rPr lang="pt-BR" dirty="0">
+              <a:rPr lang="pt-BR" sz="4400" dirty="0">
                 <a:solidFill>
                   <a:schemeClr val="tx1"/>
                 </a:solidFill>
               </a:rPr>
               <a:t>Arquitetura</a:t>
             </a:r>
+            <a:endParaRPr lang="pt-BR" dirty="0">
+              <a:solidFill>
+                <a:schemeClr val="tx1"/>
+              </a:solidFill>
+            </a:endParaRPr>
           </a:p>
         </p:txBody>
       </p:sp>
@@ -7000,7 +6839,7 @@
           <a:p>
             <a:fld id="{D8C21D6C-D2EB-4035-A5FA-FB33EA0C0521}" type="slidenum">
               <a:rPr lang="pt-BR" smtClean="0"/>
-              <a:t>19</a:t>
+              <a:t>18</a:t>
             </a:fld>
             <a:endParaRPr lang="pt-BR"/>
           </a:p>
@@ -7040,6 +6879,142 @@
     <p:extLst>
       <p:ext uri="{BB962C8B-B14F-4D97-AF65-F5344CB8AC3E}">
         <p14:creationId xmlns:p14="http://schemas.microsoft.com/office/powerpoint/2010/main" val="268603499"/>
+      </p:ext>
+    </p:extLst>
+  </p:cSld>
+  <p:clrMapOvr>
+    <a:masterClrMapping/>
+  </p:clrMapOvr>
+  <mc:AlternateContent xmlns:mc="http://schemas.openxmlformats.org/markup-compatibility/2006" xmlns:p14="http://schemas.microsoft.com/office/powerpoint/2010/main">
+    <mc:Choice Requires="p14">
+      <p:transition spd="slow" p14:dur="1500">
+        <p:random/>
+      </p:transition>
+    </mc:Choice>
+    <mc:Fallback xmlns="">
+      <p:transition spd="slow">
+        <p:random/>
+      </p:transition>
+    </mc:Fallback>
+  </mc:AlternateContent>
+</p:sld>
+</file>
+
+<file path=ppt/slides/slide19.xml><?xml version="1.0" encoding="utf-8"?>
+<p:sld xmlns:a="http://schemas.openxmlformats.org/drawingml/2006/main" xmlns:r="http://schemas.openxmlformats.org/officeDocument/2006/relationships" xmlns:p="http://schemas.openxmlformats.org/presentationml/2006/main">
+  <p:cSld>
+    <p:spTree>
+      <p:nvGrpSpPr>
+        <p:cNvPr id="1" name=""/>
+        <p:cNvGrpSpPr/>
+        <p:nvPr/>
+      </p:nvGrpSpPr>
+      <p:grpSpPr>
+        <a:xfrm>
+          <a:off x="0" y="0"/>
+          <a:ext cx="0" cy="0"/>
+          <a:chOff x="0" y="0"/>
+          <a:chExt cx="0" cy="0"/>
+        </a:xfrm>
+      </p:grpSpPr>
+      <p:sp>
+        <p:nvSpPr>
+          <p:cNvPr id="2" name="Título 1"/>
+          <p:cNvSpPr>
+            <a:spLocks noGrp="1"/>
+          </p:cNvSpPr>
+          <p:nvPr>
+            <p:ph type="title"/>
+          </p:nvPr>
+        </p:nvSpPr>
+        <p:spPr/>
+        <p:txBody>
+          <a:bodyPr>
+            <a:normAutofit/>
+          </a:bodyPr>
+          <a:lstStyle/>
+          <a:p>
+            <a:pPr algn="ctr"/>
+            <a:r>
+              <a:rPr lang="pt-BR" sz="4000" dirty="0">
+                <a:solidFill>
+                  <a:schemeClr val="tx1"/>
+                </a:solidFill>
+              </a:rPr>
+              <a:t>Arquitetura – Visão de Tecnologias</a:t>
+            </a:r>
+          </a:p>
+        </p:txBody>
+      </p:sp>
+      <p:pic>
+        <p:nvPicPr>
+          <p:cNvPr id="5" name="Espaço Reservado para Conteúdo 4"/>
+          <p:cNvPicPr>
+            <a:picLocks noGrp="1" noChangeAspect="1"/>
+          </p:cNvPicPr>
+          <p:nvPr>
+            <p:ph idx="1"/>
+          </p:nvPr>
+        </p:nvPicPr>
+        <p:blipFill>
+          <a:blip r:embed="rId2">
+            <a:extLst>
+              <a:ext uri="{28A0092B-C50C-407E-A947-70E740481C1C}">
+                <a14:useLocalDpi xmlns:a14="http://schemas.microsoft.com/office/drawing/2010/main" val="0"/>
+              </a:ext>
+            </a:extLst>
+          </a:blip>
+          <a:stretch>
+            <a:fillRect/>
+          </a:stretch>
+        </p:blipFill>
+        <p:spPr>
+          <a:xfrm>
+            <a:off x="854440" y="1897039"/>
+            <a:ext cx="7375160" cy="4099027"/>
+          </a:xfrm>
+          <a:prstGeom prst="rect">
+            <a:avLst/>
+          </a:prstGeom>
+          <a:ln>
+            <a:noFill/>
+          </a:ln>
+          <a:effectLst>
+            <a:outerShdw blurRad="292100" dist="139700" dir="2700000" algn="tl" rotWithShape="0">
+              <a:srgbClr val="333333">
+                <a:alpha val="65000"/>
+              </a:srgbClr>
+            </a:outerShdw>
+          </a:effectLst>
+        </p:spPr>
+      </p:pic>
+      <p:sp>
+        <p:nvSpPr>
+          <p:cNvPr id="6" name="Espaço Reservado para Número de Slide 5"/>
+          <p:cNvSpPr>
+            <a:spLocks noGrp="1"/>
+          </p:cNvSpPr>
+          <p:nvPr>
+            <p:ph type="sldNum" sz="quarter" idx="12"/>
+          </p:nvPr>
+        </p:nvSpPr>
+        <p:spPr/>
+        <p:txBody>
+          <a:bodyPr/>
+          <a:lstStyle/>
+          <a:p>
+            <a:fld id="{D8C21D6C-D2EB-4035-A5FA-FB33EA0C0521}" type="slidenum">
+              <a:rPr lang="pt-BR" smtClean="0"/>
+              <a:t>19</a:t>
+            </a:fld>
+            <a:endParaRPr lang="pt-BR"/>
+          </a:p>
+        </p:txBody>
+      </p:sp>
+    </p:spTree>
+    <p:extLst>
+      <p:ext uri="{BB962C8B-B14F-4D97-AF65-F5344CB8AC3E}">
+        <p14:creationId xmlns:p14="http://schemas.microsoft.com/office/powerpoint/2010/main" val="1186249760"/>
       </p:ext>
     </p:extLst>
   </p:cSld>
@@ -7552,17 +7527,19 @@
         </p:nvSpPr>
         <p:spPr/>
         <p:txBody>
-          <a:bodyPr/>
+          <a:bodyPr>
+            <a:normAutofit/>
+          </a:bodyPr>
           <a:lstStyle/>
           <a:p>
             <a:pPr algn="ctr"/>
             <a:r>
-              <a:rPr lang="pt-BR" dirty="0">
+              <a:rPr lang="pt-BR" sz="4000" dirty="0">
                 <a:solidFill>
                   <a:schemeClr val="tx1"/>
                 </a:solidFill>
               </a:rPr>
-              <a:t>Arquitetura – Visão de Tecnologias</a:t>
+              <a:t>Arquitetura – Visão de Componentes</a:t>
             </a:r>
           </a:p>
         </p:txBody>
@@ -7591,8 +7568,8 @@
         </p:blipFill>
         <p:spPr>
           <a:xfrm>
-            <a:off x="854440" y="1897039"/>
-            <a:ext cx="7375160" cy="4099027"/>
+            <a:off x="1255798" y="1897039"/>
+            <a:ext cx="6572443" cy="4099027"/>
           </a:xfrm>
           <a:prstGeom prst="rect">
             <a:avLst/>
@@ -7635,7 +7612,7 @@
     </p:spTree>
     <p:extLst>
       <p:ext uri="{BB962C8B-B14F-4D97-AF65-F5344CB8AC3E}">
-        <p14:creationId xmlns:p14="http://schemas.microsoft.com/office/powerpoint/2010/main" val="1186249760"/>
+        <p14:creationId xmlns:p14="http://schemas.microsoft.com/office/powerpoint/2010/main" val="753050104"/>
       </p:ext>
     </p:extLst>
   </p:cSld>
@@ -7684,140 +7661,6 @@
             <p:ph type="title"/>
           </p:nvPr>
         </p:nvSpPr>
-        <p:spPr/>
-        <p:txBody>
-          <a:bodyPr/>
-          <a:lstStyle/>
-          <a:p>
-            <a:pPr algn="ctr"/>
-            <a:r>
-              <a:rPr lang="pt-BR" dirty="0">
-                <a:solidFill>
-                  <a:schemeClr val="tx1"/>
-                </a:solidFill>
-              </a:rPr>
-              <a:t>Arquitetura – Visão de Componentes</a:t>
-            </a:r>
-          </a:p>
-        </p:txBody>
-      </p:sp>
-      <p:pic>
-        <p:nvPicPr>
-          <p:cNvPr id="5" name="Espaço Reservado para Conteúdo 4"/>
-          <p:cNvPicPr>
-            <a:picLocks noGrp="1" noChangeAspect="1"/>
-          </p:cNvPicPr>
-          <p:nvPr>
-            <p:ph idx="1"/>
-          </p:nvPr>
-        </p:nvPicPr>
-        <p:blipFill>
-          <a:blip r:embed="rId2">
-            <a:extLst>
-              <a:ext uri="{28A0092B-C50C-407E-A947-70E740481C1C}">
-                <a14:useLocalDpi xmlns:a14="http://schemas.microsoft.com/office/drawing/2010/main" val="0"/>
-              </a:ext>
-            </a:extLst>
-          </a:blip>
-          <a:stretch>
-            <a:fillRect/>
-          </a:stretch>
-        </p:blipFill>
-        <p:spPr>
-          <a:xfrm>
-            <a:off x="1255798" y="1897039"/>
-            <a:ext cx="6572443" cy="4099027"/>
-          </a:xfrm>
-          <a:prstGeom prst="rect">
-            <a:avLst/>
-          </a:prstGeom>
-          <a:ln>
-            <a:noFill/>
-          </a:ln>
-          <a:effectLst>
-            <a:outerShdw blurRad="292100" dist="139700" dir="2700000" algn="tl" rotWithShape="0">
-              <a:srgbClr val="333333">
-                <a:alpha val="65000"/>
-              </a:srgbClr>
-            </a:outerShdw>
-          </a:effectLst>
-        </p:spPr>
-      </p:pic>
-      <p:sp>
-        <p:nvSpPr>
-          <p:cNvPr id="6" name="Espaço Reservado para Número de Slide 5"/>
-          <p:cNvSpPr>
-            <a:spLocks noGrp="1"/>
-          </p:cNvSpPr>
-          <p:nvPr>
-            <p:ph type="sldNum" sz="quarter" idx="12"/>
-          </p:nvPr>
-        </p:nvSpPr>
-        <p:spPr/>
-        <p:txBody>
-          <a:bodyPr/>
-          <a:lstStyle/>
-          <a:p>
-            <a:fld id="{D8C21D6C-D2EB-4035-A5FA-FB33EA0C0521}" type="slidenum">
-              <a:rPr lang="pt-BR" smtClean="0"/>
-              <a:t>21</a:t>
-            </a:fld>
-            <a:endParaRPr lang="pt-BR"/>
-          </a:p>
-        </p:txBody>
-      </p:sp>
-    </p:spTree>
-    <p:extLst>
-      <p:ext uri="{BB962C8B-B14F-4D97-AF65-F5344CB8AC3E}">
-        <p14:creationId xmlns:p14="http://schemas.microsoft.com/office/powerpoint/2010/main" val="753050104"/>
-      </p:ext>
-    </p:extLst>
-  </p:cSld>
-  <p:clrMapOvr>
-    <a:masterClrMapping/>
-  </p:clrMapOvr>
-  <mc:AlternateContent xmlns:mc="http://schemas.openxmlformats.org/markup-compatibility/2006" xmlns:p14="http://schemas.microsoft.com/office/powerpoint/2010/main">
-    <mc:Choice Requires="p14">
-      <p:transition spd="slow" p14:dur="1500">
-        <p:random/>
-      </p:transition>
-    </mc:Choice>
-    <mc:Fallback xmlns="">
-      <p:transition spd="slow">
-        <p:random/>
-      </p:transition>
-    </mc:Fallback>
-  </mc:AlternateContent>
-</p:sld>
-</file>
-
-<file path=ppt/slides/slide22.xml><?xml version="1.0" encoding="utf-8"?>
-<p:sld xmlns:a="http://schemas.openxmlformats.org/drawingml/2006/main" xmlns:r="http://schemas.openxmlformats.org/officeDocument/2006/relationships" xmlns:p="http://schemas.openxmlformats.org/presentationml/2006/main">
-  <p:cSld>
-    <p:spTree>
-      <p:nvGrpSpPr>
-        <p:cNvPr id="1" name=""/>
-        <p:cNvGrpSpPr/>
-        <p:nvPr/>
-      </p:nvGrpSpPr>
-      <p:grpSpPr>
-        <a:xfrm>
-          <a:off x="0" y="0"/>
-          <a:ext cx="0" cy="0"/>
-          <a:chOff x="0" y="0"/>
-          <a:chExt cx="0" cy="0"/>
-        </a:xfrm>
-      </p:grpSpPr>
-      <p:sp>
-        <p:nvSpPr>
-          <p:cNvPr id="2" name="Título 1"/>
-          <p:cNvSpPr>
-            <a:spLocks noGrp="1"/>
-          </p:cNvSpPr>
-          <p:nvPr>
-            <p:ph type="title"/>
-          </p:nvPr>
-        </p:nvSpPr>
         <p:spPr>
           <a:xfrm>
             <a:off x="609599" y="609600"/>
@@ -7826,13 +7669,13 @@
         </p:spPr>
         <p:txBody>
           <a:bodyPr>
-            <a:normAutofit/>
+            <a:noAutofit/>
           </a:bodyPr>
           <a:lstStyle/>
           <a:p>
             <a:pPr algn="ctr"/>
             <a:r>
-              <a:rPr lang="pt-BR" dirty="0">
+              <a:rPr lang="pt-BR" sz="3400" dirty="0">
                 <a:solidFill>
                   <a:schemeClr val="tx1"/>
                 </a:solidFill>
@@ -7888,7 +7731,7 @@
           <a:p>
             <a:fld id="{D8C21D6C-D2EB-4035-A5FA-FB33EA0C0521}" type="slidenum">
               <a:rPr lang="pt-BR" smtClean="0"/>
-              <a:t>22</a:t>
+              <a:t>21</a:t>
             </a:fld>
             <a:endParaRPr lang="pt-BR"/>
           </a:p>
@@ -7959,7 +7802,7 @@
 </p:sld>
 </file>
 
-<file path=ppt/slides/slide23.xml><?xml version="1.0" encoding="utf-8"?>
+<file path=ppt/slides/slide22.xml><?xml version="1.0" encoding="utf-8"?>
 <p:sld xmlns:a="http://schemas.openxmlformats.org/drawingml/2006/main" xmlns:r="http://schemas.openxmlformats.org/officeDocument/2006/relationships" xmlns:p="http://schemas.openxmlformats.org/presentationml/2006/main">
   <p:cSld>
     <p:spTree>
@@ -7989,18 +7832,18 @@
         <p:spPr>
           <a:xfrm>
             <a:off x="609599" y="609600"/>
-            <a:ext cx="8084025" cy="652530"/>
+            <a:ext cx="8084025" cy="887896"/>
           </a:xfrm>
         </p:spPr>
         <p:txBody>
           <a:bodyPr>
-            <a:normAutofit/>
+            <a:noAutofit/>
           </a:bodyPr>
           <a:lstStyle/>
           <a:p>
             <a:pPr algn="ctr"/>
             <a:r>
-              <a:rPr lang="pt-BR" dirty="0">
+              <a:rPr lang="pt-BR" sz="4400" dirty="0">
                 <a:solidFill>
                   <a:schemeClr val="tx1"/>
                 </a:solidFill>
@@ -8081,7 +7924,7 @@
           <a:p>
             <a:fld id="{D8C21D6C-D2EB-4035-A5FA-FB33EA0C0521}" type="slidenum">
               <a:rPr lang="pt-BR" smtClean="0"/>
-              <a:t>23</a:t>
+              <a:t>22</a:t>
             </a:fld>
             <a:endParaRPr lang="pt-BR"/>
           </a:p>
@@ -8142,7 +7985,7 @@
 </p:sld>
 </file>
 
-<file path=ppt/slides/slide24.xml><?xml version="1.0" encoding="utf-8"?>
+<file path=ppt/slides/slide23.xml><?xml version="1.0" encoding="utf-8"?>
 <p:sld xmlns:a="http://schemas.openxmlformats.org/drawingml/2006/main" xmlns:r="http://schemas.openxmlformats.org/officeDocument/2006/relationships" xmlns:p="http://schemas.openxmlformats.org/presentationml/2006/main">
   <p:cSld>
     <p:spTree>
@@ -8183,7 +8026,7 @@
           <a:p>
             <a:pPr algn="ctr"/>
             <a:r>
-              <a:rPr lang="pt-BR" dirty="0">
+              <a:rPr lang="pt-BR" sz="4000" dirty="0">
                 <a:solidFill>
                   <a:schemeClr val="tx1"/>
                 </a:solidFill>
@@ -8243,7 +8086,7 @@
           <a:p>
             <a:fld id="{D8C21D6C-D2EB-4035-A5FA-FB33EA0C0521}" type="slidenum">
               <a:rPr lang="pt-BR" smtClean="0"/>
-              <a:t>24</a:t>
+              <a:t>23</a:t>
             </a:fld>
             <a:endParaRPr lang="pt-BR"/>
           </a:p>
@@ -8271,7 +8114,7 @@
         </p:blipFill>
         <p:spPr>
           <a:xfrm>
-            <a:off x="3875206" y="1345440"/>
+            <a:off x="3861954" y="1428751"/>
             <a:ext cx="4927600" cy="4927600"/>
           </a:xfrm>
           <a:prstGeom prst="rect">
@@ -8314,7 +8157,7 @@
 </p:sld>
 </file>
 
-<file path=ppt/slides/slide25.xml><?xml version="1.0" encoding="utf-8"?>
+<file path=ppt/slides/slide24.xml><?xml version="1.0" encoding="utf-8"?>
 <p:sld xmlns:a="http://schemas.openxmlformats.org/drawingml/2006/main" xmlns:r="http://schemas.openxmlformats.org/officeDocument/2006/relationships" xmlns:p="http://schemas.openxmlformats.org/presentationml/2006/main">
   <p:cSld>
     <p:spTree>
@@ -8355,12 +8198,12 @@
           <a:p>
             <a:pPr algn="ctr"/>
             <a:r>
-              <a:rPr lang="pt-BR" dirty="0">
+              <a:rPr lang="pt-BR" sz="4000" dirty="0">
                 <a:solidFill>
                   <a:schemeClr val="tx1"/>
                 </a:solidFill>
               </a:rPr>
-              <a:t>Análise de Projeto (1)</a:t>
+              <a:t>Análise de Projeto (2)</a:t>
             </a:r>
           </a:p>
         </p:txBody>
@@ -8415,7 +8258,7 @@
           <a:p>
             <a:fld id="{D8C21D6C-D2EB-4035-A5FA-FB33EA0C0521}" type="slidenum">
               <a:rPr lang="pt-BR" smtClean="0"/>
-              <a:t>25</a:t>
+              <a:t>24</a:t>
             </a:fld>
             <a:endParaRPr lang="pt-BR"/>
           </a:p>
@@ -8486,7 +8329,7 @@
 </p:sld>
 </file>
 
-<file path=ppt/slides/slide26.xml><?xml version="1.0" encoding="utf-8"?>
+<file path=ppt/slides/slide25.xml><?xml version="1.0" encoding="utf-8"?>
 <p:sld xmlns:a="http://schemas.openxmlformats.org/drawingml/2006/main" xmlns:r="http://schemas.openxmlformats.org/officeDocument/2006/relationships" xmlns:p="http://schemas.openxmlformats.org/presentationml/2006/main">
   <p:cSld>
     <p:spTree>
@@ -8627,7 +8470,7 @@
           <a:p>
             <a:fld id="{D8C21D6C-D2EB-4035-A5FA-FB33EA0C0521}" type="slidenum">
               <a:rPr lang="pt-BR" smtClean="0"/>
-              <a:t>26</a:t>
+              <a:t>25</a:t>
             </a:fld>
             <a:endParaRPr lang="pt-BR"/>
           </a:p>
@@ -8688,7 +8531,7 @@
 </p:sld>
 </file>
 
-<file path=ppt/slides/slide27.xml><?xml version="1.0" encoding="utf-8"?>
+<file path=ppt/slides/slide26.xml><?xml version="1.0" encoding="utf-8"?>
 <p:sld xmlns:a="http://schemas.openxmlformats.org/drawingml/2006/main" xmlns:r="http://schemas.openxmlformats.org/officeDocument/2006/relationships" xmlns:p="http://schemas.openxmlformats.org/presentationml/2006/main">
   <p:cSld>
     <p:spTree>
@@ -8820,7 +8663,7 @@
           <a:p>
             <a:fld id="{D8C21D6C-D2EB-4035-A5FA-FB33EA0C0521}" type="slidenum">
               <a:rPr lang="pt-BR" smtClean="0"/>
-              <a:t>27</a:t>
+              <a:t>26</a:t>
             </a:fld>
             <a:endParaRPr lang="pt-BR"/>
           </a:p>
@@ -8881,7 +8724,7 @@
 </p:sld>
 </file>
 
-<file path=ppt/slides/slide28.xml><?xml version="1.0" encoding="utf-8"?>
+<file path=ppt/slides/slide27.xml><?xml version="1.0" encoding="utf-8"?>
 <p:sld xmlns:a="http://schemas.openxmlformats.org/drawingml/2006/main" xmlns:r="http://schemas.openxmlformats.org/officeDocument/2006/relationships" xmlns:p="http://schemas.openxmlformats.org/presentationml/2006/main">
   <p:cSld>
     <p:spTree>
@@ -9009,7 +8852,7 @@
           <a:p>
             <a:fld id="{D8C21D6C-D2EB-4035-A5FA-FB33EA0C0521}" type="slidenum">
               <a:rPr lang="pt-BR" smtClean="0"/>
-              <a:t>28</a:t>
+              <a:t>27</a:t>
             </a:fld>
             <a:endParaRPr lang="pt-BR"/>
           </a:p>
@@ -9148,7 +8991,7 @@
 </p:sld>
 </file>
 
-<file path=ppt/slides/slide29.xml><?xml version="1.0" encoding="utf-8"?>
+<file path=ppt/slides/slide28.xml><?xml version="1.0" encoding="utf-8"?>
 <p:sld xmlns:a="http://schemas.openxmlformats.org/drawingml/2006/main" xmlns:r="http://schemas.openxmlformats.org/officeDocument/2006/relationships" xmlns:p="http://schemas.openxmlformats.org/presentationml/2006/main">
   <p:cSld>
     <p:spTree>
@@ -9223,7 +9066,7 @@
           <a:p>
             <a:fld id="{D8C21D6C-D2EB-4035-A5FA-FB33EA0C0521}" type="slidenum">
               <a:rPr lang="pt-BR" smtClean="0"/>
-              <a:t>29</a:t>
+              <a:t>28</a:t>
             </a:fld>
             <a:endParaRPr lang="pt-BR"/>
           </a:p>
@@ -9284,6 +9127,123 @@
 </p:sld>
 </file>
 
+<file path=ppt/slides/slide29.xml><?xml version="1.0" encoding="utf-8"?>
+<p:sld xmlns:a="http://schemas.openxmlformats.org/drawingml/2006/main" xmlns:r="http://schemas.openxmlformats.org/officeDocument/2006/relationships" xmlns:p="http://schemas.openxmlformats.org/presentationml/2006/main">
+  <p:cSld>
+    <p:spTree>
+      <p:nvGrpSpPr>
+        <p:cNvPr id="1" name=""/>
+        <p:cNvGrpSpPr/>
+        <p:nvPr/>
+      </p:nvGrpSpPr>
+      <p:grpSpPr>
+        <a:xfrm>
+          <a:off x="0" y="0"/>
+          <a:ext cx="0" cy="0"/>
+          <a:chOff x="0" y="0"/>
+          <a:chExt cx="0" cy="0"/>
+        </a:xfrm>
+      </p:grpSpPr>
+      <p:sp>
+        <p:nvSpPr>
+          <p:cNvPr id="2" name="Título 1"/>
+          <p:cNvSpPr>
+            <a:spLocks noGrp="1"/>
+          </p:cNvSpPr>
+          <p:nvPr>
+            <p:ph type="title"/>
+          </p:nvPr>
+        </p:nvSpPr>
+        <p:spPr/>
+        <p:txBody>
+          <a:bodyPr/>
+          <a:lstStyle/>
+          <a:p>
+            <a:pPr algn="ctr"/>
+            <a:r>
+              <a:rPr lang="pt-BR" dirty="0"/>
+              <a:t>Tela de Login (Professor)</a:t>
+            </a:r>
+          </a:p>
+        </p:txBody>
+      </p:sp>
+      <p:pic>
+        <p:nvPicPr>
+          <p:cNvPr id="4" name="Espaço Reservado para Conteúdo 3"/>
+          <p:cNvPicPr>
+            <a:picLocks noGrp="1" noChangeAspect="1"/>
+          </p:cNvPicPr>
+          <p:nvPr>
+            <p:ph idx="1"/>
+          </p:nvPr>
+        </p:nvPicPr>
+        <p:blipFill>
+          <a:blip r:embed="rId2">
+            <a:extLst>
+              <a:ext uri="{28A0092B-C50C-407E-A947-70E740481C1C}">
+                <a14:useLocalDpi xmlns:a14="http://schemas.microsoft.com/office/drawing/2010/main" val="0"/>
+              </a:ext>
+            </a:extLst>
+          </a:blip>
+          <a:stretch>
+            <a:fillRect/>
+          </a:stretch>
+        </p:blipFill>
+        <p:spPr>
+          <a:xfrm>
+            <a:off x="609600" y="2114662"/>
+            <a:ext cx="7787425" cy="3691182"/>
+          </a:xfrm>
+        </p:spPr>
+      </p:pic>
+      <p:sp>
+        <p:nvSpPr>
+          <p:cNvPr id="6" name="Espaço Reservado para Número de Slide 5"/>
+          <p:cNvSpPr>
+            <a:spLocks noGrp="1"/>
+          </p:cNvSpPr>
+          <p:nvPr>
+            <p:ph type="sldNum" sz="quarter" idx="12"/>
+          </p:nvPr>
+        </p:nvSpPr>
+        <p:spPr/>
+        <p:txBody>
+          <a:bodyPr/>
+          <a:lstStyle/>
+          <a:p>
+            <a:fld id="{D8C21D6C-D2EB-4035-A5FA-FB33EA0C0521}" type="slidenum">
+              <a:rPr lang="pt-BR" smtClean="0"/>
+              <a:t>29</a:t>
+            </a:fld>
+            <a:endParaRPr lang="pt-BR"/>
+          </a:p>
+        </p:txBody>
+      </p:sp>
+    </p:spTree>
+    <p:extLst>
+      <p:ext uri="{BB962C8B-B14F-4D97-AF65-F5344CB8AC3E}">
+        <p14:creationId xmlns:p14="http://schemas.microsoft.com/office/powerpoint/2010/main" val="341218052"/>
+      </p:ext>
+    </p:extLst>
+  </p:cSld>
+  <p:clrMapOvr>
+    <a:masterClrMapping/>
+  </p:clrMapOvr>
+  <mc:AlternateContent xmlns:mc="http://schemas.openxmlformats.org/markup-compatibility/2006" xmlns:p14="http://schemas.microsoft.com/office/powerpoint/2010/main">
+    <mc:Choice Requires="p14">
+      <p:transition spd="slow" p14:dur="1500">
+        <p:random/>
+      </p:transition>
+    </mc:Choice>
+    <mc:Fallback xmlns="">
+      <p:transition spd="slow">
+        <p:random/>
+      </p:transition>
+    </mc:Fallback>
+  </mc:AlternateContent>
+</p:sld>
+</file>
+
 <file path=ppt/slides/slide3.xml><?xml version="1.0" encoding="utf-8"?>
 <p:sld xmlns:a="http://schemas.openxmlformats.org/drawingml/2006/main" xmlns:r="http://schemas.openxmlformats.org/officeDocument/2006/relationships" xmlns:p="http://schemas.openxmlformats.org/presentationml/2006/main">
   <p:cSld>
@@ -9351,15 +9311,7 @@
           <a:lstStyle/>
           <a:p>
             <a:pPr algn="just"/>
-            <a:r>
-              <a:rPr lang="pt-BR" sz="2800" dirty="0"/>
-              <a:t>Computação móvel;</a:t>
-            </a:r>
-            <a:endParaRPr lang="pt-BR" sz="2800" i="1" dirty="0"/>
-          </a:p>
-          <a:p>
-            <a:pPr algn="just"/>
-            <a:endParaRPr lang="pt-BR" sz="2800" i="1" dirty="0"/>
+            <a:endParaRPr lang="pt-BR" sz="2800" dirty="0"/>
           </a:p>
           <a:p>
             <a:pPr algn="just"/>
@@ -9376,7 +9328,37 @@
             </a:r>
           </a:p>
           <a:p>
+            <a:pPr lvl="1" algn="just"/>
+            <a:endParaRPr lang="pt-BR" sz="2400" i="1" dirty="0"/>
+          </a:p>
+          <a:p>
             <a:pPr algn="just"/>
+            <a:r>
+              <a:rPr lang="pt-BR" sz="2800" dirty="0"/>
+              <a:t>Aprendizagem sem hora e local pré-estabelecido</a:t>
+            </a:r>
+            <a:r>
+              <a:rPr lang="pt-BR" sz="2400" dirty="0"/>
+              <a:t>;</a:t>
+            </a:r>
+          </a:p>
+          <a:p>
+            <a:pPr lvl="1" algn="just"/>
+            <a:r>
+              <a:rPr lang="pt-BR" sz="2400" i="1" dirty="0"/>
+              <a:t>Flexibilidade;</a:t>
+            </a:r>
+          </a:p>
+          <a:p>
+            <a:pPr lvl="1" algn="just"/>
+            <a:r>
+              <a:rPr lang="pt-BR" sz="2400" i="1" dirty="0"/>
+              <a:t>Liberdade;</a:t>
+            </a:r>
+            <a:endParaRPr lang="pt-BR" i="1" dirty="0"/>
+          </a:p>
+          <a:p>
+            <a:pPr lvl="1" algn="just"/>
             <a:endParaRPr lang="pt-BR" i="1" dirty="0"/>
           </a:p>
         </p:txBody>
@@ -9494,123 +9476,6 @@
             <a:pPr algn="ctr"/>
             <a:r>
               <a:rPr lang="pt-BR" dirty="0"/>
-              <a:t>Tela de Login (Professor)</a:t>
-            </a:r>
-          </a:p>
-        </p:txBody>
-      </p:sp>
-      <p:pic>
-        <p:nvPicPr>
-          <p:cNvPr id="4" name="Espaço Reservado para Conteúdo 3"/>
-          <p:cNvPicPr>
-            <a:picLocks noGrp="1" noChangeAspect="1"/>
-          </p:cNvPicPr>
-          <p:nvPr>
-            <p:ph idx="1"/>
-          </p:nvPr>
-        </p:nvPicPr>
-        <p:blipFill>
-          <a:blip r:embed="rId2">
-            <a:extLst>
-              <a:ext uri="{28A0092B-C50C-407E-A947-70E740481C1C}">
-                <a14:useLocalDpi xmlns:a14="http://schemas.microsoft.com/office/drawing/2010/main" val="0"/>
-              </a:ext>
-            </a:extLst>
-          </a:blip>
-          <a:stretch>
-            <a:fillRect/>
-          </a:stretch>
-        </p:blipFill>
-        <p:spPr>
-          <a:xfrm>
-            <a:off x="609600" y="2114662"/>
-            <a:ext cx="7787425" cy="3691182"/>
-          </a:xfrm>
-        </p:spPr>
-      </p:pic>
-      <p:sp>
-        <p:nvSpPr>
-          <p:cNvPr id="6" name="Espaço Reservado para Número de Slide 5"/>
-          <p:cNvSpPr>
-            <a:spLocks noGrp="1"/>
-          </p:cNvSpPr>
-          <p:nvPr>
-            <p:ph type="sldNum" sz="quarter" idx="12"/>
-          </p:nvPr>
-        </p:nvSpPr>
-        <p:spPr/>
-        <p:txBody>
-          <a:bodyPr/>
-          <a:lstStyle/>
-          <a:p>
-            <a:fld id="{D8C21D6C-D2EB-4035-A5FA-FB33EA0C0521}" type="slidenum">
-              <a:rPr lang="pt-BR" smtClean="0"/>
-              <a:t>30</a:t>
-            </a:fld>
-            <a:endParaRPr lang="pt-BR"/>
-          </a:p>
-        </p:txBody>
-      </p:sp>
-    </p:spTree>
-    <p:extLst>
-      <p:ext uri="{BB962C8B-B14F-4D97-AF65-F5344CB8AC3E}">
-        <p14:creationId xmlns:p14="http://schemas.microsoft.com/office/powerpoint/2010/main" val="341218052"/>
-      </p:ext>
-    </p:extLst>
-  </p:cSld>
-  <p:clrMapOvr>
-    <a:masterClrMapping/>
-  </p:clrMapOvr>
-  <mc:AlternateContent xmlns:mc="http://schemas.openxmlformats.org/markup-compatibility/2006" xmlns:p14="http://schemas.microsoft.com/office/powerpoint/2010/main">
-    <mc:Choice Requires="p14">
-      <p:transition spd="slow" p14:dur="1500">
-        <p:random/>
-      </p:transition>
-    </mc:Choice>
-    <mc:Fallback xmlns="">
-      <p:transition spd="slow">
-        <p:random/>
-      </p:transition>
-    </mc:Fallback>
-  </mc:AlternateContent>
-</p:sld>
-</file>
-
-<file path=ppt/slides/slide31.xml><?xml version="1.0" encoding="utf-8"?>
-<p:sld xmlns:a="http://schemas.openxmlformats.org/drawingml/2006/main" xmlns:r="http://schemas.openxmlformats.org/officeDocument/2006/relationships" xmlns:p="http://schemas.openxmlformats.org/presentationml/2006/main">
-  <p:cSld>
-    <p:spTree>
-      <p:nvGrpSpPr>
-        <p:cNvPr id="1" name=""/>
-        <p:cNvGrpSpPr/>
-        <p:nvPr/>
-      </p:nvGrpSpPr>
-      <p:grpSpPr>
-        <a:xfrm>
-          <a:off x="0" y="0"/>
-          <a:ext cx="0" cy="0"/>
-          <a:chOff x="0" y="0"/>
-          <a:chExt cx="0" cy="0"/>
-        </a:xfrm>
-      </p:grpSpPr>
-      <p:sp>
-        <p:nvSpPr>
-          <p:cNvPr id="2" name="Título 1"/>
-          <p:cNvSpPr>
-            <a:spLocks noGrp="1"/>
-          </p:cNvSpPr>
-          <p:nvPr>
-            <p:ph type="title"/>
-          </p:nvPr>
-        </p:nvSpPr>
-        <p:spPr/>
-        <p:txBody>
-          <a:bodyPr/>
-          <a:lstStyle/>
-          <a:p>
-            <a:pPr algn="ctr"/>
-            <a:r>
-              <a:rPr lang="pt-BR" dirty="0"/>
               <a:t>Tela de Login (Aluno)</a:t>
             </a:r>
           </a:p>
@@ -9662,7 +9527,7 @@
           <a:p>
             <a:fld id="{D8C21D6C-D2EB-4035-A5FA-FB33EA0C0521}" type="slidenum">
               <a:rPr lang="pt-BR" smtClean="0"/>
-              <a:t>31</a:t>
+              <a:t>30</a:t>
             </a:fld>
             <a:endParaRPr lang="pt-BR"/>
           </a:p>
@@ -9723,7 +9588,7 @@
 </p:sld>
 </file>
 
-<file path=ppt/slides/slide32.xml><?xml version="1.0" encoding="utf-8"?>
+<file path=ppt/slides/slide31.xml><?xml version="1.0" encoding="utf-8"?>
 <p:sld xmlns:a="http://schemas.openxmlformats.org/drawingml/2006/main" xmlns:r="http://schemas.openxmlformats.org/officeDocument/2006/relationships" xmlns:p="http://schemas.openxmlformats.org/presentationml/2006/main">
   <p:cSld>
     <p:spTree>
@@ -9809,7 +9674,7 @@
           <a:p>
             <a:fld id="{D8C21D6C-D2EB-4035-A5FA-FB33EA0C0521}" type="slidenum">
               <a:rPr lang="pt-BR" smtClean="0"/>
-              <a:t>32</a:t>
+              <a:t>31</a:t>
             </a:fld>
             <a:endParaRPr lang="pt-BR"/>
           </a:p>
@@ -9840,7 +9705,7 @@
 </p:sld>
 </file>
 
-<file path=ppt/slides/slide33.xml><?xml version="1.0" encoding="utf-8"?>
+<file path=ppt/slides/slide32.xml><?xml version="1.0" encoding="utf-8"?>
 <p:sld xmlns:a="http://schemas.openxmlformats.org/drawingml/2006/main" xmlns:r="http://schemas.openxmlformats.org/officeDocument/2006/relationships" xmlns:p="http://schemas.openxmlformats.org/presentationml/2006/main">
   <p:cSld>
     <p:spTree>
@@ -9926,7 +9791,7 @@
           <a:p>
             <a:fld id="{D8C21D6C-D2EB-4035-A5FA-FB33EA0C0521}" type="slidenum">
               <a:rPr lang="pt-BR" smtClean="0"/>
-              <a:t>33</a:t>
+              <a:t>32</a:t>
             </a:fld>
             <a:endParaRPr lang="pt-BR"/>
           </a:p>
@@ -9987,7 +9852,7 @@
 </p:sld>
 </file>
 
-<file path=ppt/slides/slide34.xml><?xml version="1.0" encoding="utf-8"?>
+<file path=ppt/slides/slide33.xml><?xml version="1.0" encoding="utf-8"?>
 <p:sld xmlns:a="http://schemas.openxmlformats.org/drawingml/2006/main" xmlns:r="http://schemas.openxmlformats.org/officeDocument/2006/relationships" xmlns:p="http://schemas.openxmlformats.org/presentationml/2006/main">
   <p:cSld>
     <p:spTree>
@@ -10078,7 +9943,7 @@
           <a:p>
             <a:fld id="{D8C21D6C-D2EB-4035-A5FA-FB33EA0C0521}" type="slidenum">
               <a:rPr lang="pt-BR" smtClean="0"/>
-              <a:t>34</a:t>
+              <a:t>33</a:t>
             </a:fld>
             <a:endParaRPr lang="pt-BR"/>
           </a:p>
@@ -10109,7 +9974,7 @@
 </p:sld>
 </file>
 
-<file path=ppt/slides/slide35.xml><?xml version="1.0" encoding="utf-8"?>
+<file path=ppt/slides/slide34.xml><?xml version="1.0" encoding="utf-8"?>
 <p:sld xmlns:a="http://schemas.openxmlformats.org/drawingml/2006/main" xmlns:r="http://schemas.openxmlformats.org/officeDocument/2006/relationships" xmlns:p="http://schemas.openxmlformats.org/presentationml/2006/main">
   <p:cSld>
     <p:spTree>
@@ -10200,7 +10065,7 @@
           <a:p>
             <a:fld id="{D8C21D6C-D2EB-4035-A5FA-FB33EA0C0521}" type="slidenum">
               <a:rPr lang="pt-BR" smtClean="0"/>
-              <a:t>35</a:t>
+              <a:t>34</a:t>
             </a:fld>
             <a:endParaRPr lang="pt-BR"/>
           </a:p>
@@ -10261,7 +10126,7 @@
 </p:sld>
 </file>
 
-<file path=ppt/slides/slide36.xml><?xml version="1.0" encoding="utf-8"?>
+<file path=ppt/slides/slide35.xml><?xml version="1.0" encoding="utf-8"?>
 <p:sld xmlns:a="http://schemas.openxmlformats.org/drawingml/2006/main" xmlns:r="http://schemas.openxmlformats.org/officeDocument/2006/relationships" xmlns:p="http://schemas.openxmlformats.org/presentationml/2006/main">
   <p:cSld>
     <p:spTree>
@@ -10352,7 +10217,7 @@
           <a:p>
             <a:fld id="{D8C21D6C-D2EB-4035-A5FA-FB33EA0C0521}" type="slidenum">
               <a:rPr lang="pt-BR" smtClean="0"/>
-              <a:t>36</a:t>
+              <a:t>35</a:t>
             </a:fld>
             <a:endParaRPr lang="pt-BR"/>
           </a:p>
@@ -10413,7 +10278,7 @@
 </p:sld>
 </file>
 
-<file path=ppt/slides/slide37.xml><?xml version="1.0" encoding="utf-8"?>
+<file path=ppt/slides/slide36.xml><?xml version="1.0" encoding="utf-8"?>
 <p:sld xmlns:a="http://schemas.openxmlformats.org/drawingml/2006/main" xmlns:r="http://schemas.openxmlformats.org/officeDocument/2006/relationships" xmlns:p="http://schemas.openxmlformats.org/presentationml/2006/main">
   <p:cSld>
     <p:spTree>
@@ -10557,7 +10422,7 @@
           <a:p>
             <a:fld id="{D8C21D6C-D2EB-4035-A5FA-FB33EA0C0521}" type="slidenum">
               <a:rPr lang="pt-BR" smtClean="0"/>
-              <a:t>37</a:t>
+              <a:t>36</a:t>
             </a:fld>
             <a:endParaRPr lang="pt-BR"/>
           </a:p>
@@ -10588,7 +10453,7 @@
 </p:sld>
 </file>
 
-<file path=ppt/slides/slide38.xml><?xml version="1.0" encoding="utf-8"?>
+<file path=ppt/slides/slide37.xml><?xml version="1.0" encoding="utf-8"?>
 <p:sld xmlns:a="http://schemas.openxmlformats.org/drawingml/2006/main" xmlns:r="http://schemas.openxmlformats.org/officeDocument/2006/relationships" xmlns:p="http://schemas.openxmlformats.org/presentationml/2006/main">
   <p:cSld>
     <p:spTree>
@@ -10705,7 +10570,7 @@
           <a:p>
             <a:fld id="{D8C21D6C-D2EB-4035-A5FA-FB33EA0C0521}" type="slidenum">
               <a:rPr lang="pt-BR" smtClean="0"/>
-              <a:t>38</a:t>
+              <a:t>37</a:t>
             </a:fld>
             <a:endParaRPr lang="pt-BR"/>
           </a:p>
@@ -10736,7 +10601,7 @@
 </p:sld>
 </file>
 
-<file path=ppt/slides/slide39.xml><?xml version="1.0" encoding="utf-8"?>
+<file path=ppt/slides/slide38.xml><?xml version="1.0" encoding="utf-8"?>
 <p:sld xmlns:a="http://schemas.openxmlformats.org/drawingml/2006/main" xmlns:r="http://schemas.openxmlformats.org/officeDocument/2006/relationships" xmlns:p="http://schemas.openxmlformats.org/presentationml/2006/main">
   <p:cSld>
     <p:spTree>
@@ -11191,9 +11056,10 @@
           <a:p>
             <a:pPr algn="ctr"/>
             <a:r>
-              <a:rPr lang="pt-BR" dirty="0"/>
+              <a:rPr lang="pt-BR" sz="4400" dirty="0"/>
               <a:t>Justificativa</a:t>
             </a:r>
+            <a:endParaRPr lang="pt-BR" dirty="0"/>
           </a:p>
         </p:txBody>
       </p:sp>
@@ -11213,13 +11079,22 @@
           <a:lstStyle/>
           <a:p>
             <a:pPr algn="just"/>
-            <a:endParaRPr lang="pt-BR" dirty="0"/>
+            <a:r>
+              <a:rPr lang="pt-BR" sz="2800" dirty="0"/>
+              <a:t>Revolução nos métodos de ensino-aprendizagem;</a:t>
+            </a:r>
+          </a:p>
+          <a:p>
+            <a:pPr marL="0" indent="0" algn="just">
+              <a:buNone/>
+            </a:pPr>
+            <a:endParaRPr lang="pt-BR" sz="2800" dirty="0"/>
           </a:p>
           <a:p>
             <a:pPr algn="just"/>
             <a:r>
               <a:rPr lang="pt-BR" sz="2800" dirty="0"/>
-              <a:t>Conectividade;</a:t>
+              <a:t>Ausência de estudos voltados para o uso da tecnologias móveis na educação;</a:t>
             </a:r>
           </a:p>
           <a:p>
@@ -11230,23 +11105,19 @@
             <a:pPr algn="just"/>
             <a:r>
               <a:rPr lang="pt-BR" sz="2800" dirty="0"/>
-              <a:t>Mobilidade;</a:t>
-            </a:r>
-          </a:p>
-          <a:p>
-            <a:pPr algn="just"/>
-            <a:endParaRPr lang="pt-BR" sz="2800" dirty="0"/>
-          </a:p>
-          <a:p>
-            <a:pPr algn="just"/>
-            <a:r>
-              <a:rPr lang="pt-BR" sz="2800" dirty="0"/>
-              <a:t>Computação ciente de contexto;</a:t>
-            </a:r>
-          </a:p>
-          <a:p>
-            <a:pPr algn="just"/>
-            <a:endParaRPr lang="pt-BR" dirty="0"/>
+              <a:t>Criação de ambientes de aprendizagem coerente com o perfil dos estudantes;</a:t>
+            </a:r>
+          </a:p>
+          <a:p>
+            <a:pPr lvl="1" algn="just"/>
+            <a:r>
+              <a:rPr lang="pt-BR" sz="2400" dirty="0"/>
+              <a:t>Necessidade de locomoção;</a:t>
+            </a:r>
+          </a:p>
+          <a:p>
+            <a:pPr lvl="1" algn="just"/>
+            <a:endParaRPr lang="pt-BR" sz="2200" dirty="0"/>
           </a:p>
           <a:p>
             <a:pPr algn="just"/>
@@ -11324,13 +11195,18 @@
           <a:p>
             <a:pPr algn="ctr"/>
             <a:r>
-              <a:rPr lang="pt-BR" dirty="0">
+              <a:rPr lang="pt-BR" sz="4400" dirty="0">
                 <a:solidFill>
                   <a:schemeClr val="tx1"/>
                 </a:solidFill>
               </a:rPr>
               <a:t>Motivação</a:t>
             </a:r>
+            <a:endParaRPr lang="pt-BR" dirty="0">
+              <a:solidFill>
+                <a:schemeClr val="tx1"/>
+              </a:solidFill>
+            </a:endParaRPr>
           </a:p>
         </p:txBody>
       </p:sp>
@@ -11355,30 +11231,6 @@
             <a:normAutofit/>
           </a:bodyPr>
           <a:lstStyle/>
-          <a:p>
-            <a:pPr marL="0" indent="0" algn="just">
-              <a:buNone/>
-            </a:pPr>
-            <a:endParaRPr lang="pt-BR" dirty="0"/>
-          </a:p>
-          <a:p>
-            <a:pPr algn="just"/>
-            <a:r>
-              <a:rPr lang="pt-BR" sz="3000" dirty="0"/>
-              <a:t>Ambientes virtuais de aprendizagem</a:t>
-            </a:r>
-          </a:p>
-          <a:p>
-            <a:pPr lvl="1" algn="just"/>
-            <a:r>
-              <a:rPr lang="pt-BR" sz="2600" dirty="0"/>
-              <a:t>Sem mobilidade e contexto</a:t>
-            </a:r>
-          </a:p>
-          <a:p>
-            <a:pPr algn="just"/>
-            <a:endParaRPr lang="pt-BR" sz="3500" dirty="0"/>
-          </a:p>
           <a:p>
             <a:pPr algn="just"/>
             <a:r>
@@ -11650,13 +11502,22 @@
           <a:bodyPr/>
           <a:lstStyle/>
           <a:p>
+            <a:pPr algn="ctr"/>
+            <a:r>
+              <a:rPr lang="pt-BR" sz="4400" dirty="0">
+                <a:solidFill>
+                  <a:schemeClr val="tx1"/>
+                </a:solidFill>
+              </a:rPr>
+              <a:t>Objetivos</a:t>
+            </a:r>
             <a:r>
               <a:rPr lang="pt-BR" dirty="0">
                 <a:solidFill>
                   <a:schemeClr val="tx1"/>
                 </a:solidFill>
               </a:rPr>
-              <a:t>Objetivos (2)</a:t>
+              <a:t> (2)</a:t>
             </a:r>
           </a:p>
         </p:txBody>
@@ -11825,12 +11686,20 @@
           <a:p>
             <a:pPr algn="ctr"/>
             <a:r>
+              <a:rPr lang="pt-BR" sz="4400" dirty="0">
+                <a:solidFill>
+                  <a:schemeClr val="tx1"/>
+                </a:solidFill>
+              </a:rPr>
+              <a:t>Objetivos</a:t>
+            </a:r>
+            <a:r>
               <a:rPr lang="pt-BR" dirty="0">
                 <a:solidFill>
                   <a:schemeClr val="tx1"/>
                 </a:solidFill>
               </a:rPr>
-              <a:t>Objetivos (3)</a:t>
+              <a:t> (3)</a:t>
             </a:r>
           </a:p>
         </p:txBody>
@@ -12022,12 +11891,14 @@
         </p:nvSpPr>
         <p:spPr/>
         <p:txBody>
-          <a:bodyPr/>
+          <a:bodyPr>
+            <a:normAutofit/>
+          </a:bodyPr>
           <a:lstStyle/>
           <a:p>
             <a:pPr algn="ctr"/>
             <a:r>
-              <a:rPr lang="pt-BR" dirty="0">
+              <a:rPr lang="pt-BR" sz="4400" dirty="0">
                 <a:solidFill>
                   <a:schemeClr val="tx1"/>
                 </a:solidFill>

--- a/TCC - Documento/TCC II.pptx
+++ b/TCC - Documento/TCC II.pptx
@@ -246,7 +246,7 @@
           <a:p>
             <a:fld id="{1B59BDBE-59CB-4EDC-B99C-C69B3C658301}" type="datetimeFigureOut">
               <a:rPr lang="pt-BR" smtClean="0"/>
-              <a:t>14/05/2016</a:t>
+              <a:t>15/05/2016</a:t>
             </a:fld>
             <a:endParaRPr lang="pt-BR"/>
           </a:p>
@@ -853,7 +853,7 @@
           <a:p>
             <a:fld id="{775D8B99-A17D-4E1D-BB0B-67D1381AC551}" type="datetime1">
               <a:rPr lang="pt-BR" smtClean="0"/>
-              <a:t>14/05/2016</a:t>
+              <a:t>15/05/2016</a:t>
             </a:fld>
             <a:endParaRPr lang="pt-BR"/>
           </a:p>
@@ -1022,7 +1022,7 @@
           <a:p>
             <a:fld id="{775D8B99-A17D-4E1D-BB0B-67D1381AC551}" type="datetime1">
               <a:rPr lang="pt-BR" smtClean="0"/>
-              <a:t>14/05/2016</a:t>
+              <a:t>15/05/2016</a:t>
             </a:fld>
             <a:endParaRPr lang="pt-BR"/>
           </a:p>
@@ -1201,7 +1201,7 @@
           <a:p>
             <a:fld id="{775D8B99-A17D-4E1D-BB0B-67D1381AC551}" type="datetime1">
               <a:rPr lang="pt-BR" smtClean="0"/>
-              <a:t>14/05/2016</a:t>
+              <a:t>15/05/2016</a:t>
             </a:fld>
             <a:endParaRPr lang="pt-BR"/>
           </a:p>
@@ -1370,7 +1370,7 @@
           <a:p>
             <a:fld id="{775D8B99-A17D-4E1D-BB0B-67D1381AC551}" type="datetime1">
               <a:rPr lang="pt-BR" smtClean="0"/>
-              <a:t>14/05/2016</a:t>
+              <a:t>15/05/2016</a:t>
             </a:fld>
             <a:endParaRPr lang="pt-BR"/>
           </a:p>
@@ -1616,7 +1616,7 @@
           <a:p>
             <a:fld id="{7A316752-3A49-4DED-A458-533FF250ADCD}" type="datetime1">
               <a:rPr lang="pt-BR" smtClean="0"/>
-              <a:t>14/05/2016</a:t>
+              <a:t>15/05/2016</a:t>
             </a:fld>
             <a:endParaRPr lang="pt-BR"/>
           </a:p>
@@ -1857,7 +1857,7 @@
           <a:p>
             <a:fld id="{3103DA00-4E86-479F-9465-756E750E2C7A}" type="datetime1">
               <a:rPr lang="pt-BR" smtClean="0"/>
-              <a:t>14/05/2016</a:t>
+              <a:t>15/05/2016</a:t>
             </a:fld>
             <a:endParaRPr lang="pt-BR"/>
           </a:p>
@@ -2233,7 +2233,7 @@
           <a:p>
             <a:fld id="{8A9CFFEF-7C51-4A89-B41D-DB87D80AB99C}" type="datetime1">
               <a:rPr lang="pt-BR" smtClean="0"/>
-              <a:t>14/05/2016</a:t>
+              <a:t>15/05/2016</a:t>
             </a:fld>
             <a:endParaRPr lang="pt-BR"/>
           </a:p>
@@ -2362,7 +2362,7 @@
           <a:p>
             <a:fld id="{775D8B99-A17D-4E1D-BB0B-67D1381AC551}" type="datetime1">
               <a:rPr lang="pt-BR" smtClean="0"/>
-              <a:t>14/05/2016</a:t>
+              <a:t>15/05/2016</a:t>
             </a:fld>
             <a:endParaRPr lang="pt-BR"/>
           </a:p>
@@ -2458,7 +2458,7 @@
           <a:p>
             <a:fld id="{82DBB31F-1CF9-4A63-87FE-A0BE9289F539}" type="datetime1">
               <a:rPr lang="pt-BR" smtClean="0"/>
-              <a:t>14/05/2016</a:t>
+              <a:t>15/05/2016</a:t>
             </a:fld>
             <a:endParaRPr lang="pt-BR"/>
           </a:p>
@@ -2745,7 +2745,7 @@
           <a:p>
             <a:fld id="{E3047AFD-A5E2-4174-BC85-B3C41449EF2B}" type="datetime1">
               <a:rPr lang="pt-BR" smtClean="0"/>
-              <a:t>14/05/2016</a:t>
+              <a:t>15/05/2016</a:t>
             </a:fld>
             <a:endParaRPr lang="pt-BR"/>
           </a:p>
@@ -3009,7 +3009,7 @@
           <a:p>
             <a:fld id="{3DCB0219-104B-453B-9627-7BD4B22A4025}" type="datetime1">
               <a:rPr lang="pt-BR" smtClean="0"/>
-              <a:t>14/05/2016</a:t>
+              <a:t>15/05/2016</a:t>
             </a:fld>
             <a:endParaRPr lang="pt-BR"/>
           </a:p>
@@ -3232,7 +3232,7 @@
           <a:p>
             <a:fld id="{775D8B99-A17D-4E1D-BB0B-67D1381AC551}" type="datetime1">
               <a:rPr lang="pt-BR" smtClean="0"/>
-              <a:t>14/05/2016</a:t>
+              <a:t>15/05/2016</a:t>
             </a:fld>
             <a:endParaRPr lang="pt-BR"/>
           </a:p>
@@ -4234,7 +4234,7 @@
         </p:nvSpPr>
         <p:spPr>
           <a:xfrm>
-            <a:off x="664662" y="490331"/>
+            <a:off x="386366" y="609600"/>
             <a:ext cx="8242813" cy="891662"/>
           </a:xfrm>
         </p:spPr>
@@ -4251,23 +4251,7 @@
                   <a:schemeClr val="tx1"/>
                 </a:solidFill>
               </a:rPr>
-              <a:t>Metodologia </a:t>
-            </a:r>
-            <a:r>
-              <a:rPr lang="pt-BR" sz="4400" dirty="0">
-                <a:solidFill>
-                  <a:schemeClr val="tx1"/>
-                </a:solidFill>
-              </a:rPr>
-              <a:t>de</a:t>
-            </a:r>
-            <a:r>
-              <a:rPr lang="pt-BR" sz="4000" dirty="0">
-                <a:solidFill>
-                  <a:schemeClr val="tx1"/>
-                </a:solidFill>
-              </a:rPr>
-              <a:t> Desenvolvimento</a:t>
+              <a:t>Metodologia de Desenvolvimento</a:t>
             </a:r>
           </a:p>
         </p:txBody>
@@ -4417,7 +4401,7 @@
         </p:nvSpPr>
         <p:spPr>
           <a:xfrm>
-            <a:off x="517570" y="524802"/>
+            <a:off x="193184" y="609600"/>
             <a:ext cx="7997780" cy="1320800"/>
           </a:xfrm>
         </p:spPr>
@@ -4428,23 +4412,23 @@
           <a:lstStyle/>
           <a:p>
             <a:pPr algn="ctr"/>
-            <a:r>
-              <a:rPr lang="pt-BR" sz="4000" dirty="0">
-                <a:solidFill>
-                  <a:schemeClr val="tx1"/>
-                </a:solidFill>
-              </a:rPr>
-              <a:t>Metodologia de Desenvolvimento (1) – </a:t>
-            </a:r>
             <a:r>
               <a:rPr lang="pt-BR" sz="3600" dirty="0">
                 <a:solidFill>
                   <a:schemeClr val="tx1"/>
                 </a:solidFill>
               </a:rPr>
+              <a:t>Metodologia de Desenvolvimento (5) – </a:t>
+            </a:r>
+            <a:r>
+              <a:rPr lang="pt-BR" sz="3200" dirty="0">
+                <a:solidFill>
+                  <a:schemeClr val="tx1"/>
+                </a:solidFill>
+              </a:rPr>
               <a:t>Processo de Desenvolvimento</a:t>
             </a:r>
-            <a:endParaRPr lang="pt-BR" sz="4000" dirty="0">
+            <a:endParaRPr lang="pt-BR" sz="3600" dirty="0">
               <a:solidFill>
                 <a:schemeClr val="tx1"/>
               </a:solidFill>
@@ -4766,14 +4750,12 @@
         </p:nvSpPr>
         <p:spPr/>
         <p:txBody>
-          <a:bodyPr>
-            <a:normAutofit/>
-          </a:bodyPr>
+          <a:bodyPr/>
           <a:lstStyle/>
           <a:p>
             <a:pPr algn="ctr"/>
             <a:r>
-              <a:rPr lang="pt-BR" sz="4400" dirty="0"/>
+              <a:rPr lang="pt-BR" dirty="0"/>
               <a:t>Trabalhos Relacionados</a:t>
             </a:r>
           </a:p>
@@ -4900,12 +4882,8 @@
           <a:p>
             <a:pPr algn="ctr"/>
             <a:r>
-              <a:rPr lang="pt-BR" sz="4400" dirty="0"/>
-              <a:t>Trabalhos Relacionados </a:t>
-            </a:r>
-            <a:r>
               <a:rPr lang="pt-BR" dirty="0"/>
-              <a:t>(1)</a:t>
+              <a:t>Trabalhos Relacionados (1)</a:t>
             </a:r>
           </a:p>
         </p:txBody>
@@ -6413,10 +6391,9 @@
           <a:p>
             <a:pPr algn="ctr"/>
             <a:r>
-              <a:rPr lang="pt-BR" sz="4400" dirty="0"/>
+              <a:rPr lang="pt-BR" dirty="0"/>
               <a:t>Contextualização</a:t>
             </a:r>
-            <a:endParaRPr lang="pt-BR" dirty="0"/>
           </a:p>
         </p:txBody>
       </p:sp>
@@ -6514,8 +6491,8 @@
         </p:nvSpPr>
         <p:spPr>
           <a:xfrm>
-            <a:off x="446093" y="248033"/>
-            <a:ext cx="7346398" cy="1320800"/>
+            <a:off x="309093" y="609600"/>
+            <a:ext cx="7070501" cy="1320800"/>
           </a:xfrm>
         </p:spPr>
         <p:txBody>
@@ -6524,18 +6501,13 @@
           <a:p>
             <a:pPr algn="ctr"/>
             <a:r>
-              <a:rPr lang="pt-BR" sz="4400" dirty="0">
+              <a:rPr lang="pt-BR" dirty="0">
                 <a:solidFill>
                   <a:schemeClr val="tx1"/>
                 </a:solidFill>
               </a:rPr>
-              <a:t>Especificação</a:t>
-            </a:r>
-            <a:endParaRPr lang="pt-BR" dirty="0">
-              <a:solidFill>
-                <a:schemeClr val="tx1"/>
-              </a:solidFill>
-            </a:endParaRPr>
+              <a:t>Apresentação do sistema - Especificação</a:t>
+            </a:r>
           </a:p>
         </p:txBody>
       </p:sp>
@@ -6748,18 +6720,13 @@
           <a:p>
             <a:pPr algn="ctr"/>
             <a:r>
-              <a:rPr lang="pt-BR" sz="4400" dirty="0">
+              <a:rPr lang="pt-BR" dirty="0">
                 <a:solidFill>
                   <a:schemeClr val="tx1"/>
                 </a:solidFill>
               </a:rPr>
               <a:t>Arquitetura</a:t>
             </a:r>
-            <a:endParaRPr lang="pt-BR" dirty="0">
-              <a:solidFill>
-                <a:schemeClr val="tx1"/>
-              </a:solidFill>
-            </a:endParaRPr>
           </a:p>
         </p:txBody>
       </p:sp>
@@ -6775,7 +6742,7 @@
         </p:nvSpPr>
         <p:spPr>
           <a:xfrm>
-            <a:off x="609598" y="2160590"/>
+            <a:off x="628650" y="1789529"/>
             <a:ext cx="4916559" cy="3880773"/>
           </a:xfrm>
         </p:spPr>
@@ -6929,14 +6896,12 @@
         </p:nvSpPr>
         <p:spPr/>
         <p:txBody>
-          <a:bodyPr>
-            <a:normAutofit/>
-          </a:bodyPr>
+          <a:bodyPr/>
           <a:lstStyle/>
           <a:p>
             <a:pPr algn="ctr"/>
             <a:r>
-              <a:rPr lang="pt-BR" sz="4000" dirty="0">
+              <a:rPr lang="pt-BR" dirty="0">
                 <a:solidFill>
                   <a:schemeClr val="tx1"/>
                 </a:solidFill>
@@ -7527,14 +7492,12 @@
         </p:nvSpPr>
         <p:spPr/>
         <p:txBody>
-          <a:bodyPr>
-            <a:normAutofit/>
-          </a:bodyPr>
+          <a:bodyPr/>
           <a:lstStyle/>
           <a:p>
             <a:pPr algn="ctr"/>
             <a:r>
-              <a:rPr lang="pt-BR" sz="4000" dirty="0">
+              <a:rPr lang="pt-BR" dirty="0">
                 <a:solidFill>
                   <a:schemeClr val="tx1"/>
                 </a:solidFill>
@@ -7669,13 +7632,13 @@
         </p:spPr>
         <p:txBody>
           <a:bodyPr>
-            <a:noAutofit/>
+            <a:normAutofit/>
           </a:bodyPr>
           <a:lstStyle/>
           <a:p>
             <a:pPr algn="ctr"/>
             <a:r>
-              <a:rPr lang="pt-BR" sz="3400" dirty="0">
+              <a:rPr lang="pt-BR" dirty="0">
                 <a:solidFill>
                   <a:schemeClr val="tx1"/>
                 </a:solidFill>
@@ -7832,18 +7795,18 @@
         <p:spPr>
           <a:xfrm>
             <a:off x="609599" y="609600"/>
-            <a:ext cx="8084025" cy="887896"/>
+            <a:ext cx="8084025" cy="652530"/>
           </a:xfrm>
         </p:spPr>
         <p:txBody>
           <a:bodyPr>
-            <a:noAutofit/>
+            <a:normAutofit/>
           </a:bodyPr>
           <a:lstStyle/>
           <a:p>
             <a:pPr algn="ctr"/>
             <a:r>
-              <a:rPr lang="pt-BR" sz="4400" dirty="0">
+              <a:rPr lang="pt-BR" dirty="0">
                 <a:solidFill>
                   <a:schemeClr val="tx1"/>
                 </a:solidFill>
@@ -8026,7 +7989,7 @@
           <a:p>
             <a:pPr algn="ctr"/>
             <a:r>
-              <a:rPr lang="pt-BR" sz="4000" dirty="0">
+              <a:rPr lang="pt-BR" dirty="0">
                 <a:solidFill>
                   <a:schemeClr val="tx1"/>
                 </a:solidFill>
@@ -8114,7 +8077,7 @@
         </p:blipFill>
         <p:spPr>
           <a:xfrm>
-            <a:off x="3861954" y="1428751"/>
+            <a:off x="3875206" y="1345440"/>
             <a:ext cx="4927600" cy="4927600"/>
           </a:xfrm>
           <a:prstGeom prst="rect">
@@ -8198,12 +8161,12 @@
           <a:p>
             <a:pPr algn="ctr"/>
             <a:r>
-              <a:rPr lang="pt-BR" sz="4000" dirty="0">
+              <a:rPr lang="pt-BR" dirty="0">
                 <a:solidFill>
                   <a:schemeClr val="tx1"/>
                 </a:solidFill>
               </a:rPr>
-              <a:t>Análise de Projeto (2)</a:t>
+              <a:t>Análise de Projeto (1)</a:t>
             </a:r>
           </a:p>
         </p:txBody>
@@ -8795,7 +8758,6 @@
             <a:pPr lvl="1"/>
             <a:r>
               <a:rPr lang="pt-BR" sz="2400" b="1" dirty="0" err="1">
-                <a:latin typeface="Times New Roman" panose="02020603050405020304" pitchFamily="18" charset="0"/>
                 <a:ea typeface="Calibri" panose="020F0502020204030204" pitchFamily="34" charset="0"/>
               </a:rPr>
               <a:t>PGAdminIII</a:t>
@@ -11056,10 +11018,9 @@
           <a:p>
             <a:pPr algn="ctr"/>
             <a:r>
-              <a:rPr lang="pt-BR" sz="4400" dirty="0"/>
+              <a:rPr lang="pt-BR" dirty="0"/>
               <a:t>Justificativa</a:t>
             </a:r>
-            <a:endParaRPr lang="pt-BR" dirty="0"/>
           </a:p>
         </p:txBody>
       </p:sp>
@@ -11094,7 +11055,7 @@
             <a:pPr algn="just"/>
             <a:r>
               <a:rPr lang="pt-BR" sz="2800" dirty="0"/>
-              <a:t>Ausência de estudos voltados para o uso da tecnologias móveis na educação;</a:t>
+              <a:t>Ausência de estudos voltados para o uso das tecnologias móveis na educação;</a:t>
             </a:r>
           </a:p>
           <a:p>
@@ -11195,18 +11156,13 @@
           <a:p>
             <a:pPr algn="ctr"/>
             <a:r>
-              <a:rPr lang="pt-BR" sz="4400" dirty="0">
+              <a:rPr lang="pt-BR" dirty="0">
                 <a:solidFill>
                   <a:schemeClr val="tx1"/>
                 </a:solidFill>
               </a:rPr>
               <a:t>Motivação</a:t>
             </a:r>
-            <a:endParaRPr lang="pt-BR" dirty="0">
-              <a:solidFill>
-                <a:schemeClr val="tx1"/>
-              </a:solidFill>
-            </a:endParaRPr>
           </a:p>
         </p:txBody>
       </p:sp>
@@ -11253,15 +11209,9 @@
             <a:pPr algn="just"/>
             <a:r>
               <a:rPr lang="pt-BR" sz="3000" dirty="0"/>
-              <a:t>Uso das tecnologias na aprendizagem</a:t>
-            </a:r>
-          </a:p>
-          <a:p>
-            <a:pPr lvl="1" algn="just"/>
-            <a:r>
-              <a:rPr lang="pt-BR" sz="2600" dirty="0"/>
-              <a:t>Educação mediada pelo uso do celular</a:t>
-            </a:r>
+              <a:t>Grande aceitação desses dispositivos por parte dos alunos.</a:t>
+            </a:r>
+            <a:endParaRPr lang="pt-BR" sz="2600" dirty="0"/>
           </a:p>
         </p:txBody>
       </p:sp>
@@ -11502,22 +11452,13 @@
           <a:bodyPr/>
           <a:lstStyle/>
           <a:p>
-            <a:pPr algn="ctr"/>
-            <a:r>
-              <a:rPr lang="pt-BR" sz="4400" dirty="0">
-                <a:solidFill>
-                  <a:schemeClr val="tx1"/>
-                </a:solidFill>
-              </a:rPr>
-              <a:t>Objetivos</a:t>
-            </a:r>
             <a:r>
               <a:rPr lang="pt-BR" dirty="0">
                 <a:solidFill>
                   <a:schemeClr val="tx1"/>
                 </a:solidFill>
               </a:rPr>
-              <a:t> (2)</a:t>
+              <a:t>Objetivos (2)</a:t>
             </a:r>
           </a:p>
         </p:txBody>
@@ -11686,20 +11627,12 @@
           <a:p>
             <a:pPr algn="ctr"/>
             <a:r>
-              <a:rPr lang="pt-BR" sz="4400" dirty="0">
-                <a:solidFill>
-                  <a:schemeClr val="tx1"/>
-                </a:solidFill>
-              </a:rPr>
-              <a:t>Objetivos</a:t>
-            </a:r>
-            <a:r>
               <a:rPr lang="pt-BR" dirty="0">
                 <a:solidFill>
                   <a:schemeClr val="tx1"/>
                 </a:solidFill>
               </a:rPr>
-              <a:t> (3)</a:t>
+              <a:t>Objetivos (3)</a:t>
             </a:r>
           </a:p>
         </p:txBody>
@@ -11891,14 +11824,12 @@
         </p:nvSpPr>
         <p:spPr/>
         <p:txBody>
-          <a:bodyPr>
-            <a:normAutofit/>
-          </a:bodyPr>
+          <a:bodyPr/>
           <a:lstStyle/>
           <a:p>
             <a:pPr algn="ctr"/>
             <a:r>
-              <a:rPr lang="pt-BR" sz="4400" dirty="0">
+              <a:rPr lang="pt-BR" dirty="0">
                 <a:solidFill>
                   <a:schemeClr val="tx1"/>
                 </a:solidFill>

--- a/TCC - Documento/TCC II.pptx
+++ b/TCC - Documento/TCC II.pptx
@@ -5,7 +5,7 @@
     <p:sldMasterId id="2147483933" r:id="rId1"/>
   </p:sldMasterIdLst>
   <p:notesMasterIdLst>
-    <p:notesMasterId r:id="rId40"/>
+    <p:notesMasterId r:id="rId39"/>
   </p:notesMasterIdLst>
   <p:sldIdLst>
     <p:sldId id="326" r:id="rId2"/>
@@ -41,11 +41,10 @@
     <p:sldId id="300" r:id="rId32"/>
     <p:sldId id="318" r:id="rId33"/>
     <p:sldId id="319" r:id="rId34"/>
-    <p:sldId id="320" r:id="rId35"/>
-    <p:sldId id="321" r:id="rId36"/>
-    <p:sldId id="294" r:id="rId37"/>
-    <p:sldId id="324" r:id="rId38"/>
-    <p:sldId id="325" r:id="rId39"/>
+    <p:sldId id="321" r:id="rId35"/>
+    <p:sldId id="294" r:id="rId36"/>
+    <p:sldId id="324" r:id="rId37"/>
+    <p:sldId id="325" r:id="rId38"/>
   </p:sldIdLst>
   <p:sldSz cx="9144000" cy="6858000" type="screen4x3"/>
   <p:notesSz cx="6858000" cy="9144000"/>
@@ -246,7 +245,7 @@
           <a:p>
             <a:fld id="{1B59BDBE-59CB-4EDC-B99C-C69B3C658301}" type="datetimeFigureOut">
               <a:rPr lang="pt-BR" smtClean="0"/>
-              <a:t>15/05/2016</a:t>
+              <a:t>16/05/2016</a:t>
             </a:fld>
             <a:endParaRPr lang="pt-BR"/>
           </a:p>
@@ -853,7 +852,7 @@
           <a:p>
             <a:fld id="{775D8B99-A17D-4E1D-BB0B-67D1381AC551}" type="datetime1">
               <a:rPr lang="pt-BR" smtClean="0"/>
-              <a:t>15/05/2016</a:t>
+              <a:t>16/05/2016</a:t>
             </a:fld>
             <a:endParaRPr lang="pt-BR"/>
           </a:p>
@@ -1022,7 +1021,7 @@
           <a:p>
             <a:fld id="{775D8B99-A17D-4E1D-BB0B-67D1381AC551}" type="datetime1">
               <a:rPr lang="pt-BR" smtClean="0"/>
-              <a:t>15/05/2016</a:t>
+              <a:t>16/05/2016</a:t>
             </a:fld>
             <a:endParaRPr lang="pt-BR"/>
           </a:p>
@@ -1201,7 +1200,7 @@
           <a:p>
             <a:fld id="{775D8B99-A17D-4E1D-BB0B-67D1381AC551}" type="datetime1">
               <a:rPr lang="pt-BR" smtClean="0"/>
-              <a:t>15/05/2016</a:t>
+              <a:t>16/05/2016</a:t>
             </a:fld>
             <a:endParaRPr lang="pt-BR"/>
           </a:p>
@@ -1370,7 +1369,7 @@
           <a:p>
             <a:fld id="{775D8B99-A17D-4E1D-BB0B-67D1381AC551}" type="datetime1">
               <a:rPr lang="pt-BR" smtClean="0"/>
-              <a:t>15/05/2016</a:t>
+              <a:t>16/05/2016</a:t>
             </a:fld>
             <a:endParaRPr lang="pt-BR"/>
           </a:p>
@@ -1616,7 +1615,7 @@
           <a:p>
             <a:fld id="{7A316752-3A49-4DED-A458-533FF250ADCD}" type="datetime1">
               <a:rPr lang="pt-BR" smtClean="0"/>
-              <a:t>15/05/2016</a:t>
+              <a:t>16/05/2016</a:t>
             </a:fld>
             <a:endParaRPr lang="pt-BR"/>
           </a:p>
@@ -1857,7 +1856,7 @@
           <a:p>
             <a:fld id="{3103DA00-4E86-479F-9465-756E750E2C7A}" type="datetime1">
               <a:rPr lang="pt-BR" smtClean="0"/>
-              <a:t>15/05/2016</a:t>
+              <a:t>16/05/2016</a:t>
             </a:fld>
             <a:endParaRPr lang="pt-BR"/>
           </a:p>
@@ -2233,7 +2232,7 @@
           <a:p>
             <a:fld id="{8A9CFFEF-7C51-4A89-B41D-DB87D80AB99C}" type="datetime1">
               <a:rPr lang="pt-BR" smtClean="0"/>
-              <a:t>15/05/2016</a:t>
+              <a:t>16/05/2016</a:t>
             </a:fld>
             <a:endParaRPr lang="pt-BR"/>
           </a:p>
@@ -2362,7 +2361,7 @@
           <a:p>
             <a:fld id="{775D8B99-A17D-4E1D-BB0B-67D1381AC551}" type="datetime1">
               <a:rPr lang="pt-BR" smtClean="0"/>
-              <a:t>15/05/2016</a:t>
+              <a:t>16/05/2016</a:t>
             </a:fld>
             <a:endParaRPr lang="pt-BR"/>
           </a:p>
@@ -2458,7 +2457,7 @@
           <a:p>
             <a:fld id="{82DBB31F-1CF9-4A63-87FE-A0BE9289F539}" type="datetime1">
               <a:rPr lang="pt-BR" smtClean="0"/>
-              <a:t>15/05/2016</a:t>
+              <a:t>16/05/2016</a:t>
             </a:fld>
             <a:endParaRPr lang="pt-BR"/>
           </a:p>
@@ -2745,7 +2744,7 @@
           <a:p>
             <a:fld id="{E3047AFD-A5E2-4174-BC85-B3C41449EF2B}" type="datetime1">
               <a:rPr lang="pt-BR" smtClean="0"/>
-              <a:t>15/05/2016</a:t>
+              <a:t>16/05/2016</a:t>
             </a:fld>
             <a:endParaRPr lang="pt-BR"/>
           </a:p>
@@ -3009,7 +3008,7 @@
           <a:p>
             <a:fld id="{3DCB0219-104B-453B-9627-7BD4B22A4025}" type="datetime1">
               <a:rPr lang="pt-BR" smtClean="0"/>
-              <a:t>15/05/2016</a:t>
+              <a:t>16/05/2016</a:t>
             </a:fld>
             <a:endParaRPr lang="pt-BR"/>
           </a:p>
@@ -3232,7 +3231,7 @@
           <a:p>
             <a:fld id="{775D8B99-A17D-4E1D-BB0B-67D1381AC551}" type="datetime1">
               <a:rPr lang="pt-BR" smtClean="0"/>
-              <a:t>15/05/2016</a:t>
+              <a:t>16/05/2016</a:t>
             </a:fld>
             <a:endParaRPr lang="pt-BR"/>
           </a:p>
@@ -9976,158 +9975,6 @@
             <a:pPr algn="ctr"/>
             <a:r>
               <a:rPr lang="pt-BR" dirty="0"/>
-              <a:t>Tela Inicial do Grupo (Aluno)</a:t>
-            </a:r>
-          </a:p>
-        </p:txBody>
-      </p:sp>
-      <p:pic>
-        <p:nvPicPr>
-          <p:cNvPr id="4" name="Espaço Reservado para Conteúdo 3"/>
-          <p:cNvPicPr>
-            <a:picLocks noGrp="1" noChangeAspect="1"/>
-          </p:cNvPicPr>
-          <p:nvPr>
-            <p:ph idx="1"/>
-          </p:nvPr>
-        </p:nvPicPr>
-        <p:blipFill>
-          <a:blip r:embed="rId2">
-            <a:extLst>
-              <a:ext uri="{28A0092B-C50C-407E-A947-70E740481C1C}">
-                <a14:useLocalDpi xmlns:a14="http://schemas.microsoft.com/office/drawing/2010/main" val="0"/>
-              </a:ext>
-            </a:extLst>
-          </a:blip>
-          <a:stretch>
-            <a:fillRect/>
-          </a:stretch>
-        </p:blipFill>
-        <p:spPr>
-          <a:xfrm>
-            <a:off x="5609231" y="1930400"/>
-            <a:ext cx="2673732" cy="3883546"/>
-          </a:xfrm>
-        </p:spPr>
-      </p:pic>
-      <p:sp>
-        <p:nvSpPr>
-          <p:cNvPr id="5" name="Espaço Reservado para Número de Slide 4"/>
-          <p:cNvSpPr>
-            <a:spLocks noGrp="1"/>
-          </p:cNvSpPr>
-          <p:nvPr>
-            <p:ph type="sldNum" sz="quarter" idx="12"/>
-          </p:nvPr>
-        </p:nvSpPr>
-        <p:spPr/>
-        <p:txBody>
-          <a:bodyPr/>
-          <a:lstStyle/>
-          <a:p>
-            <a:fld id="{D8C21D6C-D2EB-4035-A5FA-FB33EA0C0521}" type="slidenum">
-              <a:rPr lang="pt-BR" smtClean="0"/>
-              <a:t>34</a:t>
-            </a:fld>
-            <a:endParaRPr lang="pt-BR"/>
-          </a:p>
-        </p:txBody>
-      </p:sp>
-      <p:pic>
-        <p:nvPicPr>
-          <p:cNvPr id="6" name="Espaço Reservado para Conteúdo 3"/>
-          <p:cNvPicPr>
-            <a:picLocks noChangeAspect="1"/>
-          </p:cNvPicPr>
-          <p:nvPr/>
-        </p:nvPicPr>
-        <p:blipFill>
-          <a:blip r:embed="rId3">
-            <a:extLst>
-              <a:ext uri="{28A0092B-C50C-407E-A947-70E740481C1C}">
-                <a14:useLocalDpi xmlns:a14="http://schemas.microsoft.com/office/drawing/2010/main" val="0"/>
-              </a:ext>
-            </a:extLst>
-          </a:blip>
-          <a:stretch>
-            <a:fillRect/>
-          </a:stretch>
-        </p:blipFill>
-        <p:spPr>
-          <a:xfrm>
-            <a:off x="1165094" y="1930400"/>
-            <a:ext cx="2586328" cy="3883546"/>
-          </a:xfrm>
-          <a:prstGeom prst="rect">
-            <a:avLst/>
-          </a:prstGeom>
-        </p:spPr>
-      </p:pic>
-    </p:spTree>
-    <p:extLst>
-      <p:ext uri="{BB962C8B-B14F-4D97-AF65-F5344CB8AC3E}">
-        <p14:creationId xmlns:p14="http://schemas.microsoft.com/office/powerpoint/2010/main" val="1228733054"/>
-      </p:ext>
-    </p:extLst>
-  </p:cSld>
-  <p:clrMapOvr>
-    <a:masterClrMapping/>
-  </p:clrMapOvr>
-  <mc:AlternateContent xmlns:mc="http://schemas.openxmlformats.org/markup-compatibility/2006" xmlns:p14="http://schemas.microsoft.com/office/powerpoint/2010/main">
-    <mc:Choice Requires="p14">
-      <p:transition spd="slow" p14:dur="1500">
-        <p:random/>
-      </p:transition>
-    </mc:Choice>
-    <mc:Fallback xmlns="">
-      <p:transition spd="slow">
-        <p:random/>
-      </p:transition>
-    </mc:Fallback>
-  </mc:AlternateContent>
-</p:sld>
-</file>
-
-<file path=ppt/slides/slide35.xml><?xml version="1.0" encoding="utf-8"?>
-<p:sld xmlns:a="http://schemas.openxmlformats.org/drawingml/2006/main" xmlns:r="http://schemas.openxmlformats.org/officeDocument/2006/relationships" xmlns:p="http://schemas.openxmlformats.org/presentationml/2006/main">
-  <p:cSld>
-    <p:spTree>
-      <p:nvGrpSpPr>
-        <p:cNvPr id="1" name=""/>
-        <p:cNvGrpSpPr/>
-        <p:nvPr/>
-      </p:nvGrpSpPr>
-      <p:grpSpPr>
-        <a:xfrm>
-          <a:off x="0" y="0"/>
-          <a:ext cx="0" cy="0"/>
-          <a:chOff x="0" y="0"/>
-          <a:chExt cx="0" cy="0"/>
-        </a:xfrm>
-      </p:grpSpPr>
-      <p:sp>
-        <p:nvSpPr>
-          <p:cNvPr id="2" name="Título 1"/>
-          <p:cNvSpPr>
-            <a:spLocks noGrp="1"/>
-          </p:cNvSpPr>
-          <p:nvPr>
-            <p:ph type="title"/>
-          </p:nvPr>
-        </p:nvSpPr>
-        <p:spPr>
-          <a:xfrm>
-            <a:off x="609599" y="609600"/>
-            <a:ext cx="7787426" cy="1320800"/>
-          </a:xfrm>
-        </p:spPr>
-        <p:txBody>
-          <a:bodyPr/>
-          <a:lstStyle/>
-          <a:p>
-            <a:pPr algn="ctr"/>
-            <a:r>
-              <a:rPr lang="pt-BR" dirty="0"/>
               <a:t>Tela de Resolução de Testes</a:t>
             </a:r>
           </a:p>
@@ -10179,7 +10026,7 @@
           <a:p>
             <a:fld id="{D8C21D6C-D2EB-4035-A5FA-FB33EA0C0521}" type="slidenum">
               <a:rPr lang="pt-BR" smtClean="0"/>
-              <a:t>35</a:t>
+              <a:t>34</a:t>
             </a:fld>
             <a:endParaRPr lang="pt-BR"/>
           </a:p>
@@ -10240,7 +10087,7 @@
 </p:sld>
 </file>
 
-<file path=ppt/slides/slide36.xml><?xml version="1.0" encoding="utf-8"?>
+<file path=ppt/slides/slide35.xml><?xml version="1.0" encoding="utf-8"?>
 <p:sld xmlns:a="http://schemas.openxmlformats.org/drawingml/2006/main" xmlns:r="http://schemas.openxmlformats.org/officeDocument/2006/relationships" xmlns:p="http://schemas.openxmlformats.org/presentationml/2006/main">
   <p:cSld>
     <p:spTree>
@@ -10384,7 +10231,7 @@
           <a:p>
             <a:fld id="{D8C21D6C-D2EB-4035-A5FA-FB33EA0C0521}" type="slidenum">
               <a:rPr lang="pt-BR" smtClean="0"/>
-              <a:t>36</a:t>
+              <a:t>35</a:t>
             </a:fld>
             <a:endParaRPr lang="pt-BR"/>
           </a:p>
@@ -10415,7 +10262,7 @@
 </p:sld>
 </file>
 
-<file path=ppt/slides/slide37.xml><?xml version="1.0" encoding="utf-8"?>
+<file path=ppt/slides/slide36.xml><?xml version="1.0" encoding="utf-8"?>
 <p:sld xmlns:a="http://schemas.openxmlformats.org/drawingml/2006/main" xmlns:r="http://schemas.openxmlformats.org/officeDocument/2006/relationships" xmlns:p="http://schemas.openxmlformats.org/presentationml/2006/main">
   <p:cSld>
     <p:spTree>
@@ -10532,7 +10379,7 @@
           <a:p>
             <a:fld id="{D8C21D6C-D2EB-4035-A5FA-FB33EA0C0521}" type="slidenum">
               <a:rPr lang="pt-BR" smtClean="0"/>
-              <a:t>37</a:t>
+              <a:t>36</a:t>
             </a:fld>
             <a:endParaRPr lang="pt-BR"/>
           </a:p>
@@ -10563,7 +10410,7 @@
 </p:sld>
 </file>
 
-<file path=ppt/slides/slide38.xml><?xml version="1.0" encoding="utf-8"?>
+<file path=ppt/slides/slide37.xml><?xml version="1.0" encoding="utf-8"?>
 <p:sld xmlns:a="http://schemas.openxmlformats.org/drawingml/2006/main" xmlns:r="http://schemas.openxmlformats.org/officeDocument/2006/relationships" xmlns:p="http://schemas.openxmlformats.org/presentationml/2006/main">
   <p:cSld>
     <p:spTree>
@@ -11452,6 +11299,7 @@
           <a:bodyPr/>
           <a:lstStyle/>
           <a:p>
+            <a:pPr algn="ctr"/>
             <a:r>
               <a:rPr lang="pt-BR" dirty="0">
                 <a:solidFill>

--- a/TCC - Documento/TCC II.pptx
+++ b/TCC - Documento/TCC II.pptx
@@ -5,7 +5,7 @@
     <p:sldMasterId id="2147483933" r:id="rId1"/>
   </p:sldMasterIdLst>
   <p:notesMasterIdLst>
-    <p:notesMasterId r:id="rId39"/>
+    <p:notesMasterId r:id="rId36"/>
   </p:notesMasterIdLst>
   <p:sldIdLst>
     <p:sldId id="326" r:id="rId2"/>
@@ -19,32 +19,29 @@
     <p:sldId id="262" r:id="rId10"/>
     <p:sldId id="273" r:id="rId11"/>
     <p:sldId id="266" r:id="rId12"/>
-    <p:sldId id="270" r:id="rId13"/>
-    <p:sldId id="271" r:id="rId14"/>
-    <p:sldId id="305" r:id="rId15"/>
-    <p:sldId id="304" r:id="rId16"/>
-    <p:sldId id="306" r:id="rId17"/>
-    <p:sldId id="281" r:id="rId18"/>
-    <p:sldId id="282" r:id="rId19"/>
-    <p:sldId id="308" r:id="rId20"/>
-    <p:sldId id="309" r:id="rId21"/>
-    <p:sldId id="292" r:id="rId22"/>
-    <p:sldId id="310" r:id="rId23"/>
-    <p:sldId id="311" r:id="rId24"/>
-    <p:sldId id="312" r:id="rId25"/>
-    <p:sldId id="268" r:id="rId26"/>
-    <p:sldId id="269" r:id="rId27"/>
-    <p:sldId id="267" r:id="rId28"/>
-    <p:sldId id="298" r:id="rId29"/>
-    <p:sldId id="299" r:id="rId30"/>
-    <p:sldId id="315" r:id="rId31"/>
-    <p:sldId id="300" r:id="rId32"/>
-    <p:sldId id="318" r:id="rId33"/>
-    <p:sldId id="319" r:id="rId34"/>
-    <p:sldId id="321" r:id="rId35"/>
-    <p:sldId id="294" r:id="rId36"/>
-    <p:sldId id="324" r:id="rId37"/>
-    <p:sldId id="325" r:id="rId38"/>
+    <p:sldId id="328" r:id="rId13"/>
+    <p:sldId id="327" r:id="rId14"/>
+    <p:sldId id="270" r:id="rId15"/>
+    <p:sldId id="271" r:id="rId16"/>
+    <p:sldId id="305" r:id="rId17"/>
+    <p:sldId id="304" r:id="rId18"/>
+    <p:sldId id="306" r:id="rId19"/>
+    <p:sldId id="282" r:id="rId20"/>
+    <p:sldId id="308" r:id="rId21"/>
+    <p:sldId id="309" r:id="rId22"/>
+    <p:sldId id="268" r:id="rId23"/>
+    <p:sldId id="269" r:id="rId24"/>
+    <p:sldId id="267" r:id="rId25"/>
+    <p:sldId id="298" r:id="rId26"/>
+    <p:sldId id="299" r:id="rId27"/>
+    <p:sldId id="315" r:id="rId28"/>
+    <p:sldId id="300" r:id="rId29"/>
+    <p:sldId id="318" r:id="rId30"/>
+    <p:sldId id="319" r:id="rId31"/>
+    <p:sldId id="321" r:id="rId32"/>
+    <p:sldId id="294" r:id="rId33"/>
+    <p:sldId id="324" r:id="rId34"/>
+    <p:sldId id="325" r:id="rId35"/>
   </p:sldIdLst>
   <p:sldSz cx="9144000" cy="6858000" type="screen4x3"/>
   <p:notesSz cx="6858000" cy="9144000"/>
@@ -245,7 +242,7 @@
           <a:p>
             <a:fld id="{1B59BDBE-59CB-4EDC-B99C-C69B3C658301}" type="datetimeFigureOut">
               <a:rPr lang="pt-BR" smtClean="0"/>
-              <a:t>16/05/2016</a:t>
+              <a:t>17/05/2016</a:t>
             </a:fld>
             <a:endParaRPr lang="pt-BR"/>
           </a:p>
@@ -852,7 +849,7 @@
           <a:p>
             <a:fld id="{775D8B99-A17D-4E1D-BB0B-67D1381AC551}" type="datetime1">
               <a:rPr lang="pt-BR" smtClean="0"/>
-              <a:t>16/05/2016</a:t>
+              <a:t>17/05/2016</a:t>
             </a:fld>
             <a:endParaRPr lang="pt-BR"/>
           </a:p>
@@ -1021,7 +1018,7 @@
           <a:p>
             <a:fld id="{775D8B99-A17D-4E1D-BB0B-67D1381AC551}" type="datetime1">
               <a:rPr lang="pt-BR" smtClean="0"/>
-              <a:t>16/05/2016</a:t>
+              <a:t>17/05/2016</a:t>
             </a:fld>
             <a:endParaRPr lang="pt-BR"/>
           </a:p>
@@ -1200,7 +1197,7 @@
           <a:p>
             <a:fld id="{775D8B99-A17D-4E1D-BB0B-67D1381AC551}" type="datetime1">
               <a:rPr lang="pt-BR" smtClean="0"/>
-              <a:t>16/05/2016</a:t>
+              <a:t>17/05/2016</a:t>
             </a:fld>
             <a:endParaRPr lang="pt-BR"/>
           </a:p>
@@ -1369,7 +1366,7 @@
           <a:p>
             <a:fld id="{775D8B99-A17D-4E1D-BB0B-67D1381AC551}" type="datetime1">
               <a:rPr lang="pt-BR" smtClean="0"/>
-              <a:t>16/05/2016</a:t>
+              <a:t>17/05/2016</a:t>
             </a:fld>
             <a:endParaRPr lang="pt-BR"/>
           </a:p>
@@ -1615,7 +1612,7 @@
           <a:p>
             <a:fld id="{7A316752-3A49-4DED-A458-533FF250ADCD}" type="datetime1">
               <a:rPr lang="pt-BR" smtClean="0"/>
-              <a:t>16/05/2016</a:t>
+              <a:t>17/05/2016</a:t>
             </a:fld>
             <a:endParaRPr lang="pt-BR"/>
           </a:p>
@@ -1856,7 +1853,7 @@
           <a:p>
             <a:fld id="{3103DA00-4E86-479F-9465-756E750E2C7A}" type="datetime1">
               <a:rPr lang="pt-BR" smtClean="0"/>
-              <a:t>16/05/2016</a:t>
+              <a:t>17/05/2016</a:t>
             </a:fld>
             <a:endParaRPr lang="pt-BR"/>
           </a:p>
@@ -2232,7 +2229,7 @@
           <a:p>
             <a:fld id="{8A9CFFEF-7C51-4A89-B41D-DB87D80AB99C}" type="datetime1">
               <a:rPr lang="pt-BR" smtClean="0"/>
-              <a:t>16/05/2016</a:t>
+              <a:t>17/05/2016</a:t>
             </a:fld>
             <a:endParaRPr lang="pt-BR"/>
           </a:p>
@@ -2361,7 +2358,7 @@
           <a:p>
             <a:fld id="{775D8B99-A17D-4E1D-BB0B-67D1381AC551}" type="datetime1">
               <a:rPr lang="pt-BR" smtClean="0"/>
-              <a:t>16/05/2016</a:t>
+              <a:t>17/05/2016</a:t>
             </a:fld>
             <a:endParaRPr lang="pt-BR"/>
           </a:p>
@@ -2457,7 +2454,7 @@
           <a:p>
             <a:fld id="{82DBB31F-1CF9-4A63-87FE-A0BE9289F539}" type="datetime1">
               <a:rPr lang="pt-BR" smtClean="0"/>
-              <a:t>16/05/2016</a:t>
+              <a:t>17/05/2016</a:t>
             </a:fld>
             <a:endParaRPr lang="pt-BR"/>
           </a:p>
@@ -2744,7 +2741,7 @@
           <a:p>
             <a:fld id="{E3047AFD-A5E2-4174-BC85-B3C41449EF2B}" type="datetime1">
               <a:rPr lang="pt-BR" smtClean="0"/>
-              <a:t>16/05/2016</a:t>
+              <a:t>17/05/2016</a:t>
             </a:fld>
             <a:endParaRPr lang="pt-BR"/>
           </a:p>
@@ -3008,7 +3005,7 @@
           <a:p>
             <a:fld id="{3DCB0219-104B-453B-9627-7BD4B22A4025}" type="datetime1">
               <a:rPr lang="pt-BR" smtClean="0"/>
-              <a:t>16/05/2016</a:t>
+              <a:t>17/05/2016</a:t>
             </a:fld>
             <a:endParaRPr lang="pt-BR"/>
           </a:p>
@@ -3231,7 +3228,7 @@
           <a:p>
             <a:fld id="{775D8B99-A17D-4E1D-BB0B-67D1381AC551}" type="datetime1">
               <a:rPr lang="pt-BR" smtClean="0"/>
-              <a:t>16/05/2016</a:t>
+              <a:t>17/05/2016</a:t>
             </a:fld>
             <a:endParaRPr lang="pt-BR"/>
           </a:p>
@@ -4400,8 +4397,225 @@
         </p:nvSpPr>
         <p:spPr>
           <a:xfrm>
-            <a:off x="193184" y="609600"/>
-            <a:ext cx="7997780" cy="1320800"/>
+            <a:off x="386366" y="609600"/>
+            <a:ext cx="8242813" cy="891662"/>
+          </a:xfrm>
+        </p:spPr>
+        <p:txBody>
+          <a:bodyPr>
+            <a:normAutofit fontScale="90000"/>
+          </a:bodyPr>
+          <a:lstStyle/>
+          <a:p>
+            <a:pPr algn="ctr"/>
+            <a:r>
+              <a:rPr lang="pt-BR" sz="4000" dirty="0">
+                <a:solidFill>
+                  <a:schemeClr val="tx1"/>
+                </a:solidFill>
+              </a:rPr>
+              <a:t>Metodologia de Desenvolvimento - </a:t>
+            </a:r>
+            <a:br>
+              <a:rPr lang="pt-BR" sz="4000" dirty="0">
+                <a:solidFill>
+                  <a:schemeClr val="tx1"/>
+                </a:solidFill>
+              </a:rPr>
+            </a:br>
+            <a:r>
+              <a:rPr lang="pt-BR" sz="4000" dirty="0"/>
+              <a:t>Atividades</a:t>
+            </a:r>
+            <a:endParaRPr lang="pt-BR" sz="4000" dirty="0">
+              <a:solidFill>
+                <a:schemeClr val="tx1"/>
+              </a:solidFill>
+            </a:endParaRPr>
+          </a:p>
+        </p:txBody>
+      </p:sp>
+      <p:sp>
+        <p:nvSpPr>
+          <p:cNvPr id="3" name="Espaço Reservado para Conteúdo 2"/>
+          <p:cNvSpPr>
+            <a:spLocks noGrp="1"/>
+          </p:cNvSpPr>
+          <p:nvPr>
+            <p:ph idx="1"/>
+          </p:nvPr>
+        </p:nvSpPr>
+        <p:spPr>
+          <a:xfrm>
+            <a:off x="840000" y="1815921"/>
+            <a:ext cx="7675350" cy="4361042"/>
+          </a:xfrm>
+        </p:spPr>
+        <p:txBody>
+          <a:bodyPr/>
+          <a:lstStyle/>
+          <a:p>
+            <a:pPr marL="0" indent="0" algn="just">
+              <a:buNone/>
+            </a:pPr>
+            <a:endParaRPr lang="pt-BR" i="1" dirty="0"/>
+          </a:p>
+          <a:p>
+            <a:pPr lvl="0" algn="just"/>
+            <a:r>
+              <a:rPr lang="pt-BR" sz="2400" b="1" dirty="0"/>
+              <a:t>Implementação (A3)</a:t>
+            </a:r>
+            <a:r>
+              <a:rPr lang="pt-BR" sz="2400" dirty="0"/>
+              <a:t> – Construí a aplicação com base nos requisitos funcionais;</a:t>
+            </a:r>
+          </a:p>
+          <a:p>
+            <a:pPr lvl="0" algn="just"/>
+            <a:endParaRPr lang="pt-BR" sz="2400" dirty="0"/>
+          </a:p>
+          <a:p>
+            <a:pPr lvl="0" algn="just"/>
+            <a:r>
+              <a:rPr lang="pt-BR" sz="2400" b="1" dirty="0"/>
+              <a:t>Validação (A4)</a:t>
+            </a:r>
+            <a:r>
+              <a:rPr lang="pt-BR" sz="2400" dirty="0"/>
+              <a:t> – Nesta etapa foram feitos testes para verificar se a ferramenta atende aos requisitos especificados;</a:t>
+            </a:r>
+          </a:p>
+          <a:p>
+            <a:pPr lvl="0" algn="just"/>
+            <a:endParaRPr lang="pt-BR" sz="2400" b="1" dirty="0"/>
+          </a:p>
+          <a:p>
+            <a:pPr lvl="0" algn="just"/>
+            <a:r>
+              <a:rPr lang="pt-BR" sz="2400" b="1" dirty="0"/>
+              <a:t>Elaboração da monografia (A5)</a:t>
+            </a:r>
+            <a:r>
+              <a:rPr lang="pt-BR" sz="2400" dirty="0"/>
+              <a:t> – Escrita da monografia de conclusão de curso;</a:t>
+            </a:r>
+          </a:p>
+          <a:p>
+            <a:pPr algn="just"/>
+            <a:endParaRPr lang="pt-BR" dirty="0"/>
+          </a:p>
+        </p:txBody>
+      </p:sp>
+      <p:sp>
+        <p:nvSpPr>
+          <p:cNvPr id="6" name="Espaço Reservado para Número de Slide 5"/>
+          <p:cNvSpPr>
+            <a:spLocks noGrp="1"/>
+          </p:cNvSpPr>
+          <p:nvPr>
+            <p:ph type="sldNum" sz="quarter" idx="12"/>
+          </p:nvPr>
+        </p:nvSpPr>
+        <p:spPr/>
+        <p:txBody>
+          <a:bodyPr/>
+          <a:lstStyle/>
+          <a:p>
+            <a:fld id="{D8C21D6C-D2EB-4035-A5FA-FB33EA0C0521}" type="slidenum">
+              <a:rPr lang="pt-BR" smtClean="0"/>
+              <a:t>12</a:t>
+            </a:fld>
+            <a:endParaRPr lang="pt-BR"/>
+          </a:p>
+        </p:txBody>
+      </p:sp>
+      <p:pic>
+        <p:nvPicPr>
+          <p:cNvPr id="4" name="Imagem 3"/>
+          <p:cNvPicPr>
+            <a:picLocks noChangeAspect="1"/>
+          </p:cNvPicPr>
+          <p:nvPr/>
+        </p:nvPicPr>
+        <p:blipFill>
+          <a:blip r:embed="rId2" cstate="print">
+            <a:extLst>
+              <a:ext uri="{28A0092B-C50C-407E-A947-70E740481C1C}">
+                <a14:useLocalDpi xmlns:a14="http://schemas.microsoft.com/office/drawing/2010/main" val="0"/>
+              </a:ext>
+            </a:extLst>
+          </a:blip>
+          <a:stretch>
+            <a:fillRect/>
+          </a:stretch>
+        </p:blipFill>
+        <p:spPr>
+          <a:xfrm>
+            <a:off x="7611414" y="5304649"/>
+            <a:ext cx="1017766" cy="1186973"/>
+          </a:xfrm>
+          <a:prstGeom prst="rect">
+            <a:avLst/>
+          </a:prstGeom>
+        </p:spPr>
+      </p:pic>
+    </p:spTree>
+    <p:extLst>
+      <p:ext uri="{BB962C8B-B14F-4D97-AF65-F5344CB8AC3E}">
+        <p14:creationId xmlns:p14="http://schemas.microsoft.com/office/powerpoint/2010/main" val="3942546689"/>
+      </p:ext>
+    </p:extLst>
+  </p:cSld>
+  <p:clrMapOvr>
+    <a:masterClrMapping/>
+  </p:clrMapOvr>
+  <mc:AlternateContent xmlns:mc="http://schemas.openxmlformats.org/markup-compatibility/2006" xmlns:p14="http://schemas.microsoft.com/office/powerpoint/2010/main">
+    <mc:Choice Requires="p14">
+      <p:transition spd="slow" p14:dur="1500">
+        <p:random/>
+      </p:transition>
+    </mc:Choice>
+    <mc:Fallback xmlns="">
+      <p:transition spd="slow">
+        <p:random/>
+      </p:transition>
+    </mc:Fallback>
+  </mc:AlternateContent>
+</p:sld>
+</file>
+
+<file path=ppt/slides/slide13.xml><?xml version="1.0" encoding="utf-8"?>
+<p:sld xmlns:a="http://schemas.openxmlformats.org/drawingml/2006/main" xmlns:r="http://schemas.openxmlformats.org/officeDocument/2006/relationships" xmlns:p="http://schemas.openxmlformats.org/presentationml/2006/main">
+  <p:cSld>
+    <p:spTree>
+      <p:nvGrpSpPr>
+        <p:cNvPr id="1" name=""/>
+        <p:cNvGrpSpPr/>
+        <p:nvPr/>
+      </p:nvGrpSpPr>
+      <p:grpSpPr>
+        <a:xfrm>
+          <a:off x="0" y="0"/>
+          <a:ext cx="0" cy="0"/>
+          <a:chOff x="0" y="0"/>
+          <a:chExt cx="0" cy="0"/>
+        </a:xfrm>
+      </p:grpSpPr>
+      <p:sp>
+        <p:nvSpPr>
+          <p:cNvPr id="2" name="Título 1"/>
+          <p:cNvSpPr>
+            <a:spLocks noGrp="1"/>
+          </p:cNvSpPr>
+          <p:nvPr>
+            <p:ph type="title"/>
+          </p:nvPr>
+        </p:nvSpPr>
+        <p:spPr>
+          <a:xfrm>
+            <a:off x="386366" y="609600"/>
+            <a:ext cx="8242813" cy="891662"/>
           </a:xfrm>
         </p:spPr>
         <p:txBody>
@@ -4412,13 +4626,1792 @@
           <a:p>
             <a:pPr algn="ctr"/>
             <a:r>
-              <a:rPr lang="pt-BR" sz="3600" dirty="0">
-                <a:solidFill>
-                  <a:schemeClr val="tx1"/>
-                </a:solidFill>
-              </a:rPr>
-              <a:t>Metodologia de Desenvolvimento (5) – </a:t>
-            </a:r>
+              <a:rPr lang="pt-BR" sz="4000" dirty="0"/>
+              <a:t>Cronograma de Atividades</a:t>
+            </a:r>
+            <a:endParaRPr lang="pt-BR" sz="4000" dirty="0">
+              <a:solidFill>
+                <a:schemeClr val="tx1"/>
+              </a:solidFill>
+            </a:endParaRPr>
+          </a:p>
+        </p:txBody>
+      </p:sp>
+      <p:sp>
+        <p:nvSpPr>
+          <p:cNvPr id="6" name="Espaço Reservado para Número de Slide 5"/>
+          <p:cNvSpPr>
+            <a:spLocks noGrp="1"/>
+          </p:cNvSpPr>
+          <p:nvPr>
+            <p:ph type="sldNum" sz="quarter" idx="12"/>
+          </p:nvPr>
+        </p:nvSpPr>
+        <p:spPr/>
+        <p:txBody>
+          <a:bodyPr/>
+          <a:lstStyle/>
+          <a:p>
+            <a:fld id="{D8C21D6C-D2EB-4035-A5FA-FB33EA0C0521}" type="slidenum">
+              <a:rPr lang="pt-BR" smtClean="0"/>
+              <a:t>13</a:t>
+            </a:fld>
+            <a:endParaRPr lang="pt-BR"/>
+          </a:p>
+        </p:txBody>
+      </p:sp>
+      <p:pic>
+        <p:nvPicPr>
+          <p:cNvPr id="4" name="Imagem 3"/>
+          <p:cNvPicPr>
+            <a:picLocks noChangeAspect="1"/>
+          </p:cNvPicPr>
+          <p:nvPr/>
+        </p:nvPicPr>
+        <p:blipFill>
+          <a:blip r:embed="rId2" cstate="print">
+            <a:extLst>
+              <a:ext uri="{28A0092B-C50C-407E-A947-70E740481C1C}">
+                <a14:useLocalDpi xmlns:a14="http://schemas.microsoft.com/office/drawing/2010/main" val="0"/>
+              </a:ext>
+            </a:extLst>
+          </a:blip>
+          <a:stretch>
+            <a:fillRect/>
+          </a:stretch>
+        </p:blipFill>
+        <p:spPr>
+          <a:xfrm>
+            <a:off x="7611414" y="5304649"/>
+            <a:ext cx="1017766" cy="1186973"/>
+          </a:xfrm>
+          <a:prstGeom prst="rect">
+            <a:avLst/>
+          </a:prstGeom>
+        </p:spPr>
+      </p:pic>
+      <p:graphicFrame>
+        <p:nvGraphicFramePr>
+          <p:cNvPr id="7" name="Tabela 6"/>
+          <p:cNvGraphicFramePr>
+            <a:graphicFrameLocks noGrp="1"/>
+          </p:cNvGraphicFramePr>
+          <p:nvPr>
+            <p:extLst>
+              <p:ext uri="{D42A27DB-BD31-4B8C-83A1-F6EECF244321}">
+                <p14:modId xmlns:p14="http://schemas.microsoft.com/office/powerpoint/2010/main" val="3863341252"/>
+              </p:ext>
+            </p:extLst>
+          </p:nvPr>
+        </p:nvGraphicFramePr>
+        <p:xfrm>
+          <a:off x="583096" y="1881809"/>
+          <a:ext cx="7606749" cy="3192986"/>
+        </p:xfrm>
+        <a:graphic>
+          <a:graphicData uri="http://schemas.openxmlformats.org/drawingml/2006/table">
+            <a:tbl>
+              <a:tblPr firstRow="1" firstCol="1" bandRow="1">
+                <a:tableStyleId>{5C22544A-7EE6-4342-B048-85BDC9FD1C3A}</a:tableStyleId>
+              </a:tblPr>
+              <a:tblGrid>
+                <a:gridCol w="1185827">
+                  <a:extLst>
+                    <a:ext uri="{9D8B030D-6E8A-4147-A177-3AD203B41FA5}">
+                      <a16:colId xmlns:a16="http://schemas.microsoft.com/office/drawing/2014/main" val="2180651656"/>
+                    </a:ext>
+                  </a:extLst>
+                </a:gridCol>
+                <a:gridCol w="478359">
+                  <a:extLst>
+                    <a:ext uri="{9D8B030D-6E8A-4147-A177-3AD203B41FA5}">
+                      <a16:colId xmlns:a16="http://schemas.microsoft.com/office/drawing/2014/main" val="3976672700"/>
+                    </a:ext>
+                  </a:extLst>
+                </a:gridCol>
+                <a:gridCol w="538783">
+                  <a:extLst>
+                    <a:ext uri="{9D8B030D-6E8A-4147-A177-3AD203B41FA5}">
+                      <a16:colId xmlns:a16="http://schemas.microsoft.com/office/drawing/2014/main" val="1836525271"/>
+                    </a:ext>
+                  </a:extLst>
+                </a:gridCol>
+                <a:gridCol w="533748">
+                  <a:extLst>
+                    <a:ext uri="{9D8B030D-6E8A-4147-A177-3AD203B41FA5}">
+                      <a16:colId xmlns:a16="http://schemas.microsoft.com/office/drawing/2014/main" val="221629925"/>
+                    </a:ext>
+                  </a:extLst>
+                </a:gridCol>
+                <a:gridCol w="537945">
+                  <a:extLst>
+                    <a:ext uri="{9D8B030D-6E8A-4147-A177-3AD203B41FA5}">
+                      <a16:colId xmlns:a16="http://schemas.microsoft.com/office/drawing/2014/main" val="2288224848"/>
+                    </a:ext>
+                  </a:extLst>
+                </a:gridCol>
+                <a:gridCol w="533748">
+                  <a:extLst>
+                    <a:ext uri="{9D8B030D-6E8A-4147-A177-3AD203B41FA5}">
+                      <a16:colId xmlns:a16="http://schemas.microsoft.com/office/drawing/2014/main" val="3449456225"/>
+                    </a:ext>
+                  </a:extLst>
+                </a:gridCol>
+                <a:gridCol w="537105">
+                  <a:extLst>
+                    <a:ext uri="{9D8B030D-6E8A-4147-A177-3AD203B41FA5}">
+                      <a16:colId xmlns:a16="http://schemas.microsoft.com/office/drawing/2014/main" val="1388223709"/>
+                    </a:ext>
+                  </a:extLst>
+                </a:gridCol>
+                <a:gridCol w="533748">
+                  <a:extLst>
+                    <a:ext uri="{9D8B030D-6E8A-4147-A177-3AD203B41FA5}">
+                      <a16:colId xmlns:a16="http://schemas.microsoft.com/office/drawing/2014/main" val="2630880668"/>
+                    </a:ext>
+                  </a:extLst>
+                </a:gridCol>
+                <a:gridCol w="537105">
+                  <a:extLst>
+                    <a:ext uri="{9D8B030D-6E8A-4147-A177-3AD203B41FA5}">
+                      <a16:colId xmlns:a16="http://schemas.microsoft.com/office/drawing/2014/main" val="95782028"/>
+                    </a:ext>
+                  </a:extLst>
+                </a:gridCol>
+                <a:gridCol w="533748">
+                  <a:extLst>
+                    <a:ext uri="{9D8B030D-6E8A-4147-A177-3AD203B41FA5}">
+                      <a16:colId xmlns:a16="http://schemas.microsoft.com/office/drawing/2014/main" val="1793701408"/>
+                    </a:ext>
+                  </a:extLst>
+                </a:gridCol>
+                <a:gridCol w="549693">
+                  <a:extLst>
+                    <a:ext uri="{9D8B030D-6E8A-4147-A177-3AD203B41FA5}">
+                      <a16:colId xmlns:a16="http://schemas.microsoft.com/office/drawing/2014/main" val="929679023"/>
+                    </a:ext>
+                  </a:extLst>
+                </a:gridCol>
+                <a:gridCol w="553890">
+                  <a:extLst>
+                    <a:ext uri="{9D8B030D-6E8A-4147-A177-3AD203B41FA5}">
+                      <a16:colId xmlns:a16="http://schemas.microsoft.com/office/drawing/2014/main" val="1013681281"/>
+                    </a:ext>
+                  </a:extLst>
+                </a:gridCol>
+                <a:gridCol w="553050">
+                  <a:extLst>
+                    <a:ext uri="{9D8B030D-6E8A-4147-A177-3AD203B41FA5}">
+                      <a16:colId xmlns:a16="http://schemas.microsoft.com/office/drawing/2014/main" val="1444156764"/>
+                    </a:ext>
+                  </a:extLst>
+                </a:gridCol>
+              </a:tblGrid>
+              <a:tr h="1869917">
+                <a:tc>
+                  <a:txBody>
+                    <a:bodyPr/>
+                    <a:lstStyle/>
+                    <a:p>
+                      <a:pPr marL="71755" marR="71755" algn="ctr">
+                        <a:lnSpc>
+                          <a:spcPct val="150000"/>
+                        </a:lnSpc>
+                        <a:spcAft>
+                          <a:spcPts val="0"/>
+                        </a:spcAft>
+                      </a:pPr>
+                      <a:r>
+                        <a:rPr lang="pt-BR" sz="1200">
+                          <a:effectLst/>
+                        </a:rPr>
+                        <a:t>ATIVIDADE</a:t>
+                      </a:r>
+                      <a:endParaRPr lang="pt-BR" sz="1100">
+                        <a:effectLst/>
+                        <a:latin typeface="Calibri" panose="020F0502020204030204" pitchFamily="34" charset="0"/>
+                        <a:ea typeface="Calibri" panose="020F0502020204030204" pitchFamily="34" charset="0"/>
+                        <a:cs typeface="Times New Roman" panose="02020603050405020304" pitchFamily="18" charset="0"/>
+                      </a:endParaRPr>
+                    </a:p>
+                  </a:txBody>
+                  <a:tcPr marL="68580" marR="68580" marT="0" marB="0" vert="vert270"/>
+                </a:tc>
+                <a:tc>
+                  <a:txBody>
+                    <a:bodyPr/>
+                    <a:lstStyle/>
+                    <a:p>
+                      <a:pPr marL="71755" marR="71755" algn="ctr">
+                        <a:lnSpc>
+                          <a:spcPct val="150000"/>
+                        </a:lnSpc>
+                        <a:spcAft>
+                          <a:spcPts val="0"/>
+                        </a:spcAft>
+                      </a:pPr>
+                      <a:r>
+                        <a:rPr lang="pt-BR" sz="1200">
+                          <a:effectLst/>
+                        </a:rPr>
+                        <a:t>MAIO</a:t>
+                      </a:r>
+                      <a:endParaRPr lang="pt-BR" sz="1100">
+                        <a:effectLst/>
+                        <a:latin typeface="Calibri" panose="020F0502020204030204" pitchFamily="34" charset="0"/>
+                        <a:ea typeface="Calibri" panose="020F0502020204030204" pitchFamily="34" charset="0"/>
+                        <a:cs typeface="Times New Roman" panose="02020603050405020304" pitchFamily="18" charset="0"/>
+                      </a:endParaRPr>
+                    </a:p>
+                  </a:txBody>
+                  <a:tcPr marL="68580" marR="68580" marT="0" marB="0" vert="vert270"/>
+                </a:tc>
+                <a:tc>
+                  <a:txBody>
+                    <a:bodyPr/>
+                    <a:lstStyle/>
+                    <a:p>
+                      <a:pPr marL="71755" marR="71755" algn="ctr">
+                        <a:lnSpc>
+                          <a:spcPct val="150000"/>
+                        </a:lnSpc>
+                        <a:spcAft>
+                          <a:spcPts val="0"/>
+                        </a:spcAft>
+                      </a:pPr>
+                      <a:r>
+                        <a:rPr lang="pt-BR" sz="1200">
+                          <a:effectLst/>
+                        </a:rPr>
+                        <a:t>JUNHO</a:t>
+                      </a:r>
+                      <a:endParaRPr lang="pt-BR" sz="1100">
+                        <a:effectLst/>
+                        <a:latin typeface="Calibri" panose="020F0502020204030204" pitchFamily="34" charset="0"/>
+                        <a:ea typeface="Calibri" panose="020F0502020204030204" pitchFamily="34" charset="0"/>
+                        <a:cs typeface="Times New Roman" panose="02020603050405020304" pitchFamily="18" charset="0"/>
+                      </a:endParaRPr>
+                    </a:p>
+                  </a:txBody>
+                  <a:tcPr marL="68580" marR="68580" marT="0" marB="0" vert="vert270"/>
+                </a:tc>
+                <a:tc>
+                  <a:txBody>
+                    <a:bodyPr/>
+                    <a:lstStyle/>
+                    <a:p>
+                      <a:pPr marL="71755" marR="71755" algn="ctr">
+                        <a:lnSpc>
+                          <a:spcPct val="150000"/>
+                        </a:lnSpc>
+                        <a:spcAft>
+                          <a:spcPts val="0"/>
+                        </a:spcAft>
+                      </a:pPr>
+                      <a:r>
+                        <a:rPr lang="pt-BR" sz="1200" dirty="0">
+                          <a:effectLst/>
+                        </a:rPr>
+                        <a:t>JULHO</a:t>
+                      </a:r>
+                      <a:endParaRPr lang="pt-BR" sz="1100" dirty="0">
+                        <a:effectLst/>
+                        <a:latin typeface="Calibri" panose="020F0502020204030204" pitchFamily="34" charset="0"/>
+                        <a:ea typeface="Calibri" panose="020F0502020204030204" pitchFamily="34" charset="0"/>
+                        <a:cs typeface="Times New Roman" panose="02020603050405020304" pitchFamily="18" charset="0"/>
+                      </a:endParaRPr>
+                    </a:p>
+                  </a:txBody>
+                  <a:tcPr marL="68580" marR="68580" marT="0" marB="0" vert="vert270"/>
+                </a:tc>
+                <a:tc>
+                  <a:txBody>
+                    <a:bodyPr/>
+                    <a:lstStyle/>
+                    <a:p>
+                      <a:pPr marL="71755" marR="71755" algn="ctr">
+                        <a:lnSpc>
+                          <a:spcPct val="150000"/>
+                        </a:lnSpc>
+                        <a:spcAft>
+                          <a:spcPts val="0"/>
+                        </a:spcAft>
+                      </a:pPr>
+                      <a:r>
+                        <a:rPr lang="pt-BR" sz="1200">
+                          <a:effectLst/>
+                        </a:rPr>
+                        <a:t>AGOSTO</a:t>
+                      </a:r>
+                      <a:endParaRPr lang="pt-BR" sz="1100">
+                        <a:effectLst/>
+                        <a:latin typeface="Calibri" panose="020F0502020204030204" pitchFamily="34" charset="0"/>
+                        <a:ea typeface="Calibri" panose="020F0502020204030204" pitchFamily="34" charset="0"/>
+                        <a:cs typeface="Times New Roman" panose="02020603050405020304" pitchFamily="18" charset="0"/>
+                      </a:endParaRPr>
+                    </a:p>
+                  </a:txBody>
+                  <a:tcPr marL="68580" marR="68580" marT="0" marB="0" vert="vert270"/>
+                </a:tc>
+                <a:tc>
+                  <a:txBody>
+                    <a:bodyPr/>
+                    <a:lstStyle/>
+                    <a:p>
+                      <a:pPr marL="71755" marR="71755" algn="ctr">
+                        <a:lnSpc>
+                          <a:spcPct val="150000"/>
+                        </a:lnSpc>
+                        <a:spcAft>
+                          <a:spcPts val="0"/>
+                        </a:spcAft>
+                      </a:pPr>
+                      <a:r>
+                        <a:rPr lang="pt-BR" sz="1200">
+                          <a:effectLst/>
+                        </a:rPr>
+                        <a:t>SETEMBRO</a:t>
+                      </a:r>
+                      <a:endParaRPr lang="pt-BR" sz="1100">
+                        <a:effectLst/>
+                        <a:latin typeface="Calibri" panose="020F0502020204030204" pitchFamily="34" charset="0"/>
+                        <a:ea typeface="Calibri" panose="020F0502020204030204" pitchFamily="34" charset="0"/>
+                        <a:cs typeface="Times New Roman" panose="02020603050405020304" pitchFamily="18" charset="0"/>
+                      </a:endParaRPr>
+                    </a:p>
+                  </a:txBody>
+                  <a:tcPr marL="68580" marR="68580" marT="0" marB="0" vert="vert270"/>
+                </a:tc>
+                <a:tc>
+                  <a:txBody>
+                    <a:bodyPr/>
+                    <a:lstStyle/>
+                    <a:p>
+                      <a:pPr marL="71755" marR="71755" algn="ctr">
+                        <a:lnSpc>
+                          <a:spcPct val="150000"/>
+                        </a:lnSpc>
+                        <a:spcAft>
+                          <a:spcPts val="0"/>
+                        </a:spcAft>
+                      </a:pPr>
+                      <a:r>
+                        <a:rPr lang="pt-BR" sz="1200">
+                          <a:effectLst/>
+                        </a:rPr>
+                        <a:t>OUTUBRO</a:t>
+                      </a:r>
+                      <a:endParaRPr lang="pt-BR" sz="1100">
+                        <a:effectLst/>
+                        <a:latin typeface="Calibri" panose="020F0502020204030204" pitchFamily="34" charset="0"/>
+                        <a:ea typeface="Calibri" panose="020F0502020204030204" pitchFamily="34" charset="0"/>
+                        <a:cs typeface="Times New Roman" panose="02020603050405020304" pitchFamily="18" charset="0"/>
+                      </a:endParaRPr>
+                    </a:p>
+                  </a:txBody>
+                  <a:tcPr marL="68580" marR="68580" marT="0" marB="0" vert="vert270"/>
+                </a:tc>
+                <a:tc>
+                  <a:txBody>
+                    <a:bodyPr/>
+                    <a:lstStyle/>
+                    <a:p>
+                      <a:pPr marL="71755" marR="71755" algn="ctr">
+                        <a:lnSpc>
+                          <a:spcPct val="150000"/>
+                        </a:lnSpc>
+                        <a:spcAft>
+                          <a:spcPts val="0"/>
+                        </a:spcAft>
+                      </a:pPr>
+                      <a:r>
+                        <a:rPr lang="pt-BR" sz="1200">
+                          <a:effectLst/>
+                        </a:rPr>
+                        <a:t>NOVEMBRO</a:t>
+                      </a:r>
+                      <a:endParaRPr lang="pt-BR" sz="1100">
+                        <a:effectLst/>
+                        <a:latin typeface="Calibri" panose="020F0502020204030204" pitchFamily="34" charset="0"/>
+                        <a:ea typeface="Calibri" panose="020F0502020204030204" pitchFamily="34" charset="0"/>
+                        <a:cs typeface="Times New Roman" panose="02020603050405020304" pitchFamily="18" charset="0"/>
+                      </a:endParaRPr>
+                    </a:p>
+                  </a:txBody>
+                  <a:tcPr marL="68580" marR="68580" marT="0" marB="0" vert="vert270"/>
+                </a:tc>
+                <a:tc>
+                  <a:txBody>
+                    <a:bodyPr/>
+                    <a:lstStyle/>
+                    <a:p>
+                      <a:pPr marL="71755" marR="71755" algn="ctr">
+                        <a:lnSpc>
+                          <a:spcPct val="150000"/>
+                        </a:lnSpc>
+                        <a:spcAft>
+                          <a:spcPts val="0"/>
+                        </a:spcAft>
+                      </a:pPr>
+                      <a:r>
+                        <a:rPr lang="pt-BR" sz="1200">
+                          <a:effectLst/>
+                        </a:rPr>
+                        <a:t>DEZEMBRO</a:t>
+                      </a:r>
+                      <a:endParaRPr lang="pt-BR" sz="1100">
+                        <a:effectLst/>
+                        <a:latin typeface="Calibri" panose="020F0502020204030204" pitchFamily="34" charset="0"/>
+                        <a:ea typeface="Calibri" panose="020F0502020204030204" pitchFamily="34" charset="0"/>
+                        <a:cs typeface="Times New Roman" panose="02020603050405020304" pitchFamily="18" charset="0"/>
+                      </a:endParaRPr>
+                    </a:p>
+                  </a:txBody>
+                  <a:tcPr marL="68580" marR="68580" marT="0" marB="0" vert="vert270"/>
+                </a:tc>
+                <a:tc>
+                  <a:txBody>
+                    <a:bodyPr/>
+                    <a:lstStyle/>
+                    <a:p>
+                      <a:pPr marL="71755" marR="71755" algn="ctr">
+                        <a:lnSpc>
+                          <a:spcPct val="150000"/>
+                        </a:lnSpc>
+                        <a:spcAft>
+                          <a:spcPts val="0"/>
+                        </a:spcAft>
+                      </a:pPr>
+                      <a:r>
+                        <a:rPr lang="pt-BR" sz="1200">
+                          <a:effectLst/>
+                        </a:rPr>
+                        <a:t>JANEIRO</a:t>
+                      </a:r>
+                      <a:endParaRPr lang="pt-BR" sz="1100">
+                        <a:effectLst/>
+                        <a:latin typeface="Calibri" panose="020F0502020204030204" pitchFamily="34" charset="0"/>
+                        <a:ea typeface="Calibri" panose="020F0502020204030204" pitchFamily="34" charset="0"/>
+                        <a:cs typeface="Times New Roman" panose="02020603050405020304" pitchFamily="18" charset="0"/>
+                      </a:endParaRPr>
+                    </a:p>
+                  </a:txBody>
+                  <a:tcPr marL="68580" marR="68580" marT="0" marB="0" vert="vert270"/>
+                </a:tc>
+                <a:tc>
+                  <a:txBody>
+                    <a:bodyPr/>
+                    <a:lstStyle/>
+                    <a:p>
+                      <a:pPr marL="71755" marR="71755" algn="ctr">
+                        <a:lnSpc>
+                          <a:spcPct val="150000"/>
+                        </a:lnSpc>
+                        <a:spcAft>
+                          <a:spcPts val="0"/>
+                        </a:spcAft>
+                      </a:pPr>
+                      <a:r>
+                        <a:rPr lang="pt-BR" sz="1200">
+                          <a:effectLst/>
+                        </a:rPr>
+                        <a:t>FEVEREIRO</a:t>
+                      </a:r>
+                      <a:endParaRPr lang="pt-BR" sz="1100">
+                        <a:effectLst/>
+                        <a:latin typeface="Calibri" panose="020F0502020204030204" pitchFamily="34" charset="0"/>
+                        <a:ea typeface="Calibri" panose="020F0502020204030204" pitchFamily="34" charset="0"/>
+                        <a:cs typeface="Times New Roman" panose="02020603050405020304" pitchFamily="18" charset="0"/>
+                      </a:endParaRPr>
+                    </a:p>
+                  </a:txBody>
+                  <a:tcPr marL="68580" marR="68580" marT="0" marB="0" vert="vert270"/>
+                </a:tc>
+                <a:tc>
+                  <a:txBody>
+                    <a:bodyPr/>
+                    <a:lstStyle/>
+                    <a:p>
+                      <a:pPr marL="71755" marR="71755" algn="ctr">
+                        <a:lnSpc>
+                          <a:spcPct val="150000"/>
+                        </a:lnSpc>
+                        <a:spcAft>
+                          <a:spcPts val="0"/>
+                        </a:spcAft>
+                      </a:pPr>
+                      <a:r>
+                        <a:rPr lang="pt-BR" sz="1200">
+                          <a:effectLst/>
+                        </a:rPr>
+                        <a:t>MARÇO</a:t>
+                      </a:r>
+                      <a:endParaRPr lang="pt-BR" sz="1100">
+                        <a:effectLst/>
+                        <a:latin typeface="Calibri" panose="020F0502020204030204" pitchFamily="34" charset="0"/>
+                        <a:ea typeface="Calibri" panose="020F0502020204030204" pitchFamily="34" charset="0"/>
+                        <a:cs typeface="Times New Roman" panose="02020603050405020304" pitchFamily="18" charset="0"/>
+                      </a:endParaRPr>
+                    </a:p>
+                  </a:txBody>
+                  <a:tcPr marL="68580" marR="68580" marT="0" marB="0" vert="vert270"/>
+                </a:tc>
+                <a:tc>
+                  <a:txBody>
+                    <a:bodyPr/>
+                    <a:lstStyle/>
+                    <a:p>
+                      <a:pPr marL="71755" marR="71755" algn="ctr">
+                        <a:lnSpc>
+                          <a:spcPct val="150000"/>
+                        </a:lnSpc>
+                        <a:spcAft>
+                          <a:spcPts val="0"/>
+                        </a:spcAft>
+                      </a:pPr>
+                      <a:r>
+                        <a:rPr lang="pt-BR" sz="1200">
+                          <a:effectLst/>
+                        </a:rPr>
+                        <a:t>ABRIL</a:t>
+                      </a:r>
+                      <a:endParaRPr lang="pt-BR" sz="1100">
+                        <a:effectLst/>
+                        <a:latin typeface="Calibri" panose="020F0502020204030204" pitchFamily="34" charset="0"/>
+                        <a:ea typeface="Calibri" panose="020F0502020204030204" pitchFamily="34" charset="0"/>
+                        <a:cs typeface="Times New Roman" panose="02020603050405020304" pitchFamily="18" charset="0"/>
+                      </a:endParaRPr>
+                    </a:p>
+                  </a:txBody>
+                  <a:tcPr marL="68580" marR="68580" marT="0" marB="0" vert="vert270"/>
+                </a:tc>
+                <a:extLst>
+                  <a:ext uri="{0D108BD9-81ED-4DB2-BD59-A6C34878D82A}">
+                    <a16:rowId xmlns:a16="http://schemas.microsoft.com/office/drawing/2014/main" val="3644894081"/>
+                  </a:ext>
+                </a:extLst>
+              </a:tr>
+              <a:tr h="437167">
+                <a:tc>
+                  <a:txBody>
+                    <a:bodyPr/>
+                    <a:lstStyle/>
+                    <a:p>
+                      <a:pPr algn="ctr">
+                        <a:lnSpc>
+                          <a:spcPct val="150000"/>
+                        </a:lnSpc>
+                        <a:spcAft>
+                          <a:spcPts val="0"/>
+                        </a:spcAft>
+                      </a:pPr>
+                      <a:r>
+                        <a:rPr lang="pt-BR" sz="1200">
+                          <a:effectLst/>
+                        </a:rPr>
+                        <a:t>A3</a:t>
+                      </a:r>
+                      <a:endParaRPr lang="pt-BR" sz="1100">
+                        <a:effectLst/>
+                        <a:latin typeface="Calibri" panose="020F0502020204030204" pitchFamily="34" charset="0"/>
+                        <a:ea typeface="Calibri" panose="020F0502020204030204" pitchFamily="34" charset="0"/>
+                        <a:cs typeface="Times New Roman" panose="02020603050405020304" pitchFamily="18" charset="0"/>
+                      </a:endParaRPr>
+                    </a:p>
+                  </a:txBody>
+                  <a:tcPr marL="68580" marR="68580" marT="0" marB="0"/>
+                </a:tc>
+                <a:tc>
+                  <a:txBody>
+                    <a:bodyPr/>
+                    <a:lstStyle/>
+                    <a:p>
+                      <a:pPr algn="ctr">
+                        <a:lnSpc>
+                          <a:spcPct val="150000"/>
+                        </a:lnSpc>
+                        <a:spcAft>
+                          <a:spcPts val="0"/>
+                        </a:spcAft>
+                      </a:pPr>
+                      <a:r>
+                        <a:rPr lang="pt-BR" sz="1200">
+                          <a:effectLst/>
+                        </a:rPr>
+                        <a:t>X</a:t>
+                      </a:r>
+                      <a:endParaRPr lang="pt-BR" sz="1100">
+                        <a:effectLst/>
+                        <a:latin typeface="Calibri" panose="020F0502020204030204" pitchFamily="34" charset="0"/>
+                        <a:ea typeface="Calibri" panose="020F0502020204030204" pitchFamily="34" charset="0"/>
+                        <a:cs typeface="Times New Roman" panose="02020603050405020304" pitchFamily="18" charset="0"/>
+                      </a:endParaRPr>
+                    </a:p>
+                  </a:txBody>
+                  <a:tcPr marL="68580" marR="68580" marT="0" marB="0"/>
+                </a:tc>
+                <a:tc>
+                  <a:txBody>
+                    <a:bodyPr/>
+                    <a:lstStyle/>
+                    <a:p>
+                      <a:pPr algn="ctr">
+                        <a:lnSpc>
+                          <a:spcPct val="150000"/>
+                        </a:lnSpc>
+                        <a:spcAft>
+                          <a:spcPts val="0"/>
+                        </a:spcAft>
+                      </a:pPr>
+                      <a:r>
+                        <a:rPr lang="pt-BR" sz="1200">
+                          <a:effectLst/>
+                        </a:rPr>
+                        <a:t>X</a:t>
+                      </a:r>
+                      <a:endParaRPr lang="pt-BR" sz="1100">
+                        <a:effectLst/>
+                        <a:latin typeface="Calibri" panose="020F0502020204030204" pitchFamily="34" charset="0"/>
+                        <a:ea typeface="Calibri" panose="020F0502020204030204" pitchFamily="34" charset="0"/>
+                        <a:cs typeface="Times New Roman" panose="02020603050405020304" pitchFamily="18" charset="0"/>
+                      </a:endParaRPr>
+                    </a:p>
+                  </a:txBody>
+                  <a:tcPr marL="68580" marR="68580" marT="0" marB="0"/>
+                </a:tc>
+                <a:tc>
+                  <a:txBody>
+                    <a:bodyPr/>
+                    <a:lstStyle/>
+                    <a:p>
+                      <a:pPr algn="ctr">
+                        <a:lnSpc>
+                          <a:spcPct val="150000"/>
+                        </a:lnSpc>
+                        <a:spcAft>
+                          <a:spcPts val="0"/>
+                        </a:spcAft>
+                      </a:pPr>
+                      <a:r>
+                        <a:rPr lang="pt-BR" sz="1200">
+                          <a:effectLst/>
+                        </a:rPr>
+                        <a:t>X</a:t>
+                      </a:r>
+                      <a:endParaRPr lang="pt-BR" sz="1100">
+                        <a:effectLst/>
+                        <a:latin typeface="Calibri" panose="020F0502020204030204" pitchFamily="34" charset="0"/>
+                        <a:ea typeface="Calibri" panose="020F0502020204030204" pitchFamily="34" charset="0"/>
+                        <a:cs typeface="Times New Roman" panose="02020603050405020304" pitchFamily="18" charset="0"/>
+                      </a:endParaRPr>
+                    </a:p>
+                  </a:txBody>
+                  <a:tcPr marL="68580" marR="68580" marT="0" marB="0"/>
+                </a:tc>
+                <a:tc>
+                  <a:txBody>
+                    <a:bodyPr/>
+                    <a:lstStyle/>
+                    <a:p>
+                      <a:pPr algn="ctr">
+                        <a:lnSpc>
+                          <a:spcPct val="150000"/>
+                        </a:lnSpc>
+                        <a:spcAft>
+                          <a:spcPts val="0"/>
+                        </a:spcAft>
+                      </a:pPr>
+                      <a:r>
+                        <a:rPr lang="pt-BR" sz="1200">
+                          <a:effectLst/>
+                        </a:rPr>
+                        <a:t>X</a:t>
+                      </a:r>
+                      <a:endParaRPr lang="pt-BR" sz="1100">
+                        <a:effectLst/>
+                        <a:latin typeface="Calibri" panose="020F0502020204030204" pitchFamily="34" charset="0"/>
+                        <a:ea typeface="Calibri" panose="020F0502020204030204" pitchFamily="34" charset="0"/>
+                        <a:cs typeface="Times New Roman" panose="02020603050405020304" pitchFamily="18" charset="0"/>
+                      </a:endParaRPr>
+                    </a:p>
+                  </a:txBody>
+                  <a:tcPr marL="68580" marR="68580" marT="0" marB="0"/>
+                </a:tc>
+                <a:tc>
+                  <a:txBody>
+                    <a:bodyPr/>
+                    <a:lstStyle/>
+                    <a:p>
+                      <a:pPr algn="ctr">
+                        <a:lnSpc>
+                          <a:spcPct val="150000"/>
+                        </a:lnSpc>
+                        <a:spcAft>
+                          <a:spcPts val="0"/>
+                        </a:spcAft>
+                      </a:pPr>
+                      <a:r>
+                        <a:rPr lang="pt-BR" sz="1200">
+                          <a:effectLst/>
+                        </a:rPr>
+                        <a:t>X</a:t>
+                      </a:r>
+                      <a:endParaRPr lang="pt-BR" sz="1100">
+                        <a:effectLst/>
+                        <a:latin typeface="Calibri" panose="020F0502020204030204" pitchFamily="34" charset="0"/>
+                        <a:ea typeface="Calibri" panose="020F0502020204030204" pitchFamily="34" charset="0"/>
+                        <a:cs typeface="Times New Roman" panose="02020603050405020304" pitchFamily="18" charset="0"/>
+                      </a:endParaRPr>
+                    </a:p>
+                  </a:txBody>
+                  <a:tcPr marL="68580" marR="68580" marT="0" marB="0"/>
+                </a:tc>
+                <a:tc>
+                  <a:txBody>
+                    <a:bodyPr/>
+                    <a:lstStyle/>
+                    <a:p>
+                      <a:pPr algn="ctr">
+                        <a:lnSpc>
+                          <a:spcPct val="150000"/>
+                        </a:lnSpc>
+                        <a:spcAft>
+                          <a:spcPts val="0"/>
+                        </a:spcAft>
+                      </a:pPr>
+                      <a:r>
+                        <a:rPr lang="pt-BR" sz="1200">
+                          <a:effectLst/>
+                        </a:rPr>
+                        <a:t>X</a:t>
+                      </a:r>
+                      <a:endParaRPr lang="pt-BR" sz="1100">
+                        <a:effectLst/>
+                        <a:latin typeface="Calibri" panose="020F0502020204030204" pitchFamily="34" charset="0"/>
+                        <a:ea typeface="Calibri" panose="020F0502020204030204" pitchFamily="34" charset="0"/>
+                        <a:cs typeface="Times New Roman" panose="02020603050405020304" pitchFamily="18" charset="0"/>
+                      </a:endParaRPr>
+                    </a:p>
+                  </a:txBody>
+                  <a:tcPr marL="68580" marR="68580" marT="0" marB="0"/>
+                </a:tc>
+                <a:tc>
+                  <a:txBody>
+                    <a:bodyPr/>
+                    <a:lstStyle/>
+                    <a:p>
+                      <a:pPr algn="ctr">
+                        <a:lnSpc>
+                          <a:spcPct val="150000"/>
+                        </a:lnSpc>
+                        <a:spcAft>
+                          <a:spcPts val="0"/>
+                        </a:spcAft>
+                      </a:pPr>
+                      <a:r>
+                        <a:rPr lang="pt-BR" sz="1200">
+                          <a:effectLst/>
+                        </a:rPr>
+                        <a:t>X</a:t>
+                      </a:r>
+                      <a:endParaRPr lang="pt-BR" sz="1100">
+                        <a:effectLst/>
+                        <a:latin typeface="Calibri" panose="020F0502020204030204" pitchFamily="34" charset="0"/>
+                        <a:ea typeface="Calibri" panose="020F0502020204030204" pitchFamily="34" charset="0"/>
+                        <a:cs typeface="Times New Roman" panose="02020603050405020304" pitchFamily="18" charset="0"/>
+                      </a:endParaRPr>
+                    </a:p>
+                  </a:txBody>
+                  <a:tcPr marL="68580" marR="68580" marT="0" marB="0"/>
+                </a:tc>
+                <a:tc>
+                  <a:txBody>
+                    <a:bodyPr/>
+                    <a:lstStyle/>
+                    <a:p>
+                      <a:pPr algn="ctr">
+                        <a:lnSpc>
+                          <a:spcPct val="150000"/>
+                        </a:lnSpc>
+                        <a:spcAft>
+                          <a:spcPts val="0"/>
+                        </a:spcAft>
+                      </a:pPr>
+                      <a:r>
+                        <a:rPr lang="pt-BR" sz="1200">
+                          <a:effectLst/>
+                        </a:rPr>
+                        <a:t>X</a:t>
+                      </a:r>
+                      <a:endParaRPr lang="pt-BR" sz="1100">
+                        <a:effectLst/>
+                        <a:latin typeface="Calibri" panose="020F0502020204030204" pitchFamily="34" charset="0"/>
+                        <a:ea typeface="Calibri" panose="020F0502020204030204" pitchFamily="34" charset="0"/>
+                        <a:cs typeface="Times New Roman" panose="02020603050405020304" pitchFamily="18" charset="0"/>
+                      </a:endParaRPr>
+                    </a:p>
+                  </a:txBody>
+                  <a:tcPr marL="68580" marR="68580" marT="0" marB="0"/>
+                </a:tc>
+                <a:tc>
+                  <a:txBody>
+                    <a:bodyPr/>
+                    <a:lstStyle/>
+                    <a:p>
+                      <a:pPr algn="ctr">
+                        <a:lnSpc>
+                          <a:spcPct val="150000"/>
+                        </a:lnSpc>
+                        <a:spcAft>
+                          <a:spcPts val="0"/>
+                        </a:spcAft>
+                      </a:pPr>
+                      <a:r>
+                        <a:rPr lang="pt-BR" sz="1200">
+                          <a:effectLst/>
+                        </a:rPr>
+                        <a:t>X</a:t>
+                      </a:r>
+                      <a:endParaRPr lang="pt-BR" sz="1100">
+                        <a:effectLst/>
+                        <a:latin typeface="Calibri" panose="020F0502020204030204" pitchFamily="34" charset="0"/>
+                        <a:ea typeface="Calibri" panose="020F0502020204030204" pitchFamily="34" charset="0"/>
+                        <a:cs typeface="Times New Roman" panose="02020603050405020304" pitchFamily="18" charset="0"/>
+                      </a:endParaRPr>
+                    </a:p>
+                  </a:txBody>
+                  <a:tcPr marL="68580" marR="68580" marT="0" marB="0"/>
+                </a:tc>
+                <a:tc>
+                  <a:txBody>
+                    <a:bodyPr/>
+                    <a:lstStyle/>
+                    <a:p>
+                      <a:pPr algn="ctr">
+                        <a:lnSpc>
+                          <a:spcPct val="150000"/>
+                        </a:lnSpc>
+                        <a:spcAft>
+                          <a:spcPts val="0"/>
+                        </a:spcAft>
+                      </a:pPr>
+                      <a:r>
+                        <a:rPr lang="pt-BR" sz="1200">
+                          <a:effectLst/>
+                        </a:rPr>
+                        <a:t>X</a:t>
+                      </a:r>
+                      <a:endParaRPr lang="pt-BR" sz="1100">
+                        <a:effectLst/>
+                        <a:latin typeface="Calibri" panose="020F0502020204030204" pitchFamily="34" charset="0"/>
+                        <a:ea typeface="Calibri" panose="020F0502020204030204" pitchFamily="34" charset="0"/>
+                        <a:cs typeface="Times New Roman" panose="02020603050405020304" pitchFamily="18" charset="0"/>
+                      </a:endParaRPr>
+                    </a:p>
+                  </a:txBody>
+                  <a:tcPr marL="68580" marR="68580" marT="0" marB="0"/>
+                </a:tc>
+                <a:tc>
+                  <a:txBody>
+                    <a:bodyPr/>
+                    <a:lstStyle/>
+                    <a:p>
+                      <a:pPr algn="ctr">
+                        <a:lnSpc>
+                          <a:spcPct val="150000"/>
+                        </a:lnSpc>
+                        <a:spcAft>
+                          <a:spcPts val="0"/>
+                        </a:spcAft>
+                      </a:pPr>
+                      <a:r>
+                        <a:rPr lang="pt-BR" sz="1200">
+                          <a:effectLst/>
+                        </a:rPr>
+                        <a:t> </a:t>
+                      </a:r>
+                      <a:endParaRPr lang="pt-BR" sz="1100">
+                        <a:effectLst/>
+                        <a:latin typeface="Calibri" panose="020F0502020204030204" pitchFamily="34" charset="0"/>
+                        <a:ea typeface="Calibri" panose="020F0502020204030204" pitchFamily="34" charset="0"/>
+                        <a:cs typeface="Times New Roman" panose="02020603050405020304" pitchFamily="18" charset="0"/>
+                      </a:endParaRPr>
+                    </a:p>
+                  </a:txBody>
+                  <a:tcPr marL="68580" marR="68580" marT="0" marB="0"/>
+                </a:tc>
+                <a:tc>
+                  <a:txBody>
+                    <a:bodyPr/>
+                    <a:lstStyle/>
+                    <a:p>
+                      <a:pPr algn="ctr">
+                        <a:lnSpc>
+                          <a:spcPct val="150000"/>
+                        </a:lnSpc>
+                        <a:spcAft>
+                          <a:spcPts val="0"/>
+                        </a:spcAft>
+                      </a:pPr>
+                      <a:r>
+                        <a:rPr lang="pt-BR" sz="1200">
+                          <a:effectLst/>
+                        </a:rPr>
+                        <a:t> </a:t>
+                      </a:r>
+                      <a:endParaRPr lang="pt-BR" sz="1100">
+                        <a:effectLst/>
+                        <a:latin typeface="Calibri" panose="020F0502020204030204" pitchFamily="34" charset="0"/>
+                        <a:ea typeface="Calibri" panose="020F0502020204030204" pitchFamily="34" charset="0"/>
+                        <a:cs typeface="Times New Roman" panose="02020603050405020304" pitchFamily="18" charset="0"/>
+                      </a:endParaRPr>
+                    </a:p>
+                  </a:txBody>
+                  <a:tcPr marL="68580" marR="68580" marT="0" marB="0"/>
+                </a:tc>
+                <a:extLst>
+                  <a:ext uri="{0D108BD9-81ED-4DB2-BD59-A6C34878D82A}">
+                    <a16:rowId xmlns:a16="http://schemas.microsoft.com/office/drawing/2014/main" val="2417397481"/>
+                  </a:ext>
+                </a:extLst>
+              </a:tr>
+              <a:tr h="430937">
+                <a:tc>
+                  <a:txBody>
+                    <a:bodyPr/>
+                    <a:lstStyle/>
+                    <a:p>
+                      <a:pPr algn="ctr">
+                        <a:lnSpc>
+                          <a:spcPct val="150000"/>
+                        </a:lnSpc>
+                        <a:spcAft>
+                          <a:spcPts val="0"/>
+                        </a:spcAft>
+                      </a:pPr>
+                      <a:r>
+                        <a:rPr lang="pt-BR" sz="1200">
+                          <a:effectLst/>
+                        </a:rPr>
+                        <a:t>A4</a:t>
+                      </a:r>
+                      <a:endParaRPr lang="pt-BR" sz="1100">
+                        <a:effectLst/>
+                        <a:latin typeface="Calibri" panose="020F0502020204030204" pitchFamily="34" charset="0"/>
+                        <a:ea typeface="Calibri" panose="020F0502020204030204" pitchFamily="34" charset="0"/>
+                        <a:cs typeface="Times New Roman" panose="02020603050405020304" pitchFamily="18" charset="0"/>
+                      </a:endParaRPr>
+                    </a:p>
+                  </a:txBody>
+                  <a:tcPr marL="68580" marR="68580" marT="0" marB="0"/>
+                </a:tc>
+                <a:tc>
+                  <a:txBody>
+                    <a:bodyPr/>
+                    <a:lstStyle/>
+                    <a:p>
+                      <a:pPr algn="ctr">
+                        <a:lnSpc>
+                          <a:spcPct val="150000"/>
+                        </a:lnSpc>
+                        <a:spcAft>
+                          <a:spcPts val="0"/>
+                        </a:spcAft>
+                      </a:pPr>
+                      <a:r>
+                        <a:rPr lang="pt-BR" sz="1200">
+                          <a:effectLst/>
+                        </a:rPr>
+                        <a:t> </a:t>
+                      </a:r>
+                      <a:endParaRPr lang="pt-BR" sz="1100">
+                        <a:effectLst/>
+                        <a:latin typeface="Calibri" panose="020F0502020204030204" pitchFamily="34" charset="0"/>
+                        <a:ea typeface="Calibri" panose="020F0502020204030204" pitchFamily="34" charset="0"/>
+                        <a:cs typeface="Times New Roman" panose="02020603050405020304" pitchFamily="18" charset="0"/>
+                      </a:endParaRPr>
+                    </a:p>
+                  </a:txBody>
+                  <a:tcPr marL="68580" marR="68580" marT="0" marB="0"/>
+                </a:tc>
+                <a:tc>
+                  <a:txBody>
+                    <a:bodyPr/>
+                    <a:lstStyle/>
+                    <a:p>
+                      <a:pPr algn="ctr">
+                        <a:lnSpc>
+                          <a:spcPct val="150000"/>
+                        </a:lnSpc>
+                        <a:spcAft>
+                          <a:spcPts val="0"/>
+                        </a:spcAft>
+                      </a:pPr>
+                      <a:r>
+                        <a:rPr lang="pt-BR" sz="1200">
+                          <a:effectLst/>
+                        </a:rPr>
+                        <a:t>X</a:t>
+                      </a:r>
+                      <a:endParaRPr lang="pt-BR" sz="1100">
+                        <a:effectLst/>
+                        <a:latin typeface="Calibri" panose="020F0502020204030204" pitchFamily="34" charset="0"/>
+                        <a:ea typeface="Calibri" panose="020F0502020204030204" pitchFamily="34" charset="0"/>
+                        <a:cs typeface="Times New Roman" panose="02020603050405020304" pitchFamily="18" charset="0"/>
+                      </a:endParaRPr>
+                    </a:p>
+                  </a:txBody>
+                  <a:tcPr marL="68580" marR="68580" marT="0" marB="0"/>
+                </a:tc>
+                <a:tc>
+                  <a:txBody>
+                    <a:bodyPr/>
+                    <a:lstStyle/>
+                    <a:p>
+                      <a:pPr algn="ctr">
+                        <a:lnSpc>
+                          <a:spcPct val="150000"/>
+                        </a:lnSpc>
+                        <a:spcAft>
+                          <a:spcPts val="0"/>
+                        </a:spcAft>
+                      </a:pPr>
+                      <a:r>
+                        <a:rPr lang="pt-BR" sz="1200">
+                          <a:effectLst/>
+                        </a:rPr>
+                        <a:t>X</a:t>
+                      </a:r>
+                      <a:endParaRPr lang="pt-BR" sz="1100">
+                        <a:effectLst/>
+                        <a:latin typeface="Calibri" panose="020F0502020204030204" pitchFamily="34" charset="0"/>
+                        <a:ea typeface="Calibri" panose="020F0502020204030204" pitchFamily="34" charset="0"/>
+                        <a:cs typeface="Times New Roman" panose="02020603050405020304" pitchFamily="18" charset="0"/>
+                      </a:endParaRPr>
+                    </a:p>
+                  </a:txBody>
+                  <a:tcPr marL="68580" marR="68580" marT="0" marB="0"/>
+                </a:tc>
+                <a:tc>
+                  <a:txBody>
+                    <a:bodyPr/>
+                    <a:lstStyle/>
+                    <a:p>
+                      <a:pPr algn="ctr">
+                        <a:lnSpc>
+                          <a:spcPct val="150000"/>
+                        </a:lnSpc>
+                        <a:spcAft>
+                          <a:spcPts val="0"/>
+                        </a:spcAft>
+                      </a:pPr>
+                      <a:r>
+                        <a:rPr lang="pt-BR" sz="1200">
+                          <a:effectLst/>
+                        </a:rPr>
+                        <a:t>X</a:t>
+                      </a:r>
+                      <a:endParaRPr lang="pt-BR" sz="1100">
+                        <a:effectLst/>
+                        <a:latin typeface="Calibri" panose="020F0502020204030204" pitchFamily="34" charset="0"/>
+                        <a:ea typeface="Calibri" panose="020F0502020204030204" pitchFamily="34" charset="0"/>
+                        <a:cs typeface="Times New Roman" panose="02020603050405020304" pitchFamily="18" charset="0"/>
+                      </a:endParaRPr>
+                    </a:p>
+                  </a:txBody>
+                  <a:tcPr marL="68580" marR="68580" marT="0" marB="0"/>
+                </a:tc>
+                <a:tc>
+                  <a:txBody>
+                    <a:bodyPr/>
+                    <a:lstStyle/>
+                    <a:p>
+                      <a:pPr algn="ctr">
+                        <a:lnSpc>
+                          <a:spcPct val="150000"/>
+                        </a:lnSpc>
+                        <a:spcAft>
+                          <a:spcPts val="0"/>
+                        </a:spcAft>
+                      </a:pPr>
+                      <a:r>
+                        <a:rPr lang="pt-BR" sz="1200">
+                          <a:effectLst/>
+                        </a:rPr>
+                        <a:t>X</a:t>
+                      </a:r>
+                      <a:endParaRPr lang="pt-BR" sz="1100">
+                        <a:effectLst/>
+                        <a:latin typeface="Calibri" panose="020F0502020204030204" pitchFamily="34" charset="0"/>
+                        <a:ea typeface="Calibri" panose="020F0502020204030204" pitchFamily="34" charset="0"/>
+                        <a:cs typeface="Times New Roman" panose="02020603050405020304" pitchFamily="18" charset="0"/>
+                      </a:endParaRPr>
+                    </a:p>
+                  </a:txBody>
+                  <a:tcPr marL="68580" marR="68580" marT="0" marB="0"/>
+                </a:tc>
+                <a:tc>
+                  <a:txBody>
+                    <a:bodyPr/>
+                    <a:lstStyle/>
+                    <a:p>
+                      <a:pPr algn="ctr">
+                        <a:lnSpc>
+                          <a:spcPct val="150000"/>
+                        </a:lnSpc>
+                        <a:spcAft>
+                          <a:spcPts val="0"/>
+                        </a:spcAft>
+                      </a:pPr>
+                      <a:r>
+                        <a:rPr lang="pt-BR" sz="1200">
+                          <a:effectLst/>
+                        </a:rPr>
+                        <a:t>X</a:t>
+                      </a:r>
+                      <a:endParaRPr lang="pt-BR" sz="1100">
+                        <a:effectLst/>
+                        <a:latin typeface="Calibri" panose="020F0502020204030204" pitchFamily="34" charset="0"/>
+                        <a:ea typeface="Calibri" panose="020F0502020204030204" pitchFamily="34" charset="0"/>
+                        <a:cs typeface="Times New Roman" panose="02020603050405020304" pitchFamily="18" charset="0"/>
+                      </a:endParaRPr>
+                    </a:p>
+                  </a:txBody>
+                  <a:tcPr marL="68580" marR="68580" marT="0" marB="0"/>
+                </a:tc>
+                <a:tc>
+                  <a:txBody>
+                    <a:bodyPr/>
+                    <a:lstStyle/>
+                    <a:p>
+                      <a:pPr algn="ctr">
+                        <a:lnSpc>
+                          <a:spcPct val="150000"/>
+                        </a:lnSpc>
+                        <a:spcAft>
+                          <a:spcPts val="0"/>
+                        </a:spcAft>
+                      </a:pPr>
+                      <a:r>
+                        <a:rPr lang="pt-BR" sz="1200">
+                          <a:effectLst/>
+                        </a:rPr>
+                        <a:t>X</a:t>
+                      </a:r>
+                      <a:endParaRPr lang="pt-BR" sz="1100">
+                        <a:effectLst/>
+                        <a:latin typeface="Calibri" panose="020F0502020204030204" pitchFamily="34" charset="0"/>
+                        <a:ea typeface="Calibri" panose="020F0502020204030204" pitchFamily="34" charset="0"/>
+                        <a:cs typeface="Times New Roman" panose="02020603050405020304" pitchFamily="18" charset="0"/>
+                      </a:endParaRPr>
+                    </a:p>
+                  </a:txBody>
+                  <a:tcPr marL="68580" marR="68580" marT="0" marB="0"/>
+                </a:tc>
+                <a:tc>
+                  <a:txBody>
+                    <a:bodyPr/>
+                    <a:lstStyle/>
+                    <a:p>
+                      <a:pPr algn="ctr">
+                        <a:lnSpc>
+                          <a:spcPct val="150000"/>
+                        </a:lnSpc>
+                        <a:spcAft>
+                          <a:spcPts val="0"/>
+                        </a:spcAft>
+                      </a:pPr>
+                      <a:r>
+                        <a:rPr lang="pt-BR" sz="1200">
+                          <a:effectLst/>
+                        </a:rPr>
+                        <a:t>X</a:t>
+                      </a:r>
+                      <a:endParaRPr lang="pt-BR" sz="1100">
+                        <a:effectLst/>
+                        <a:latin typeface="Calibri" panose="020F0502020204030204" pitchFamily="34" charset="0"/>
+                        <a:ea typeface="Calibri" panose="020F0502020204030204" pitchFamily="34" charset="0"/>
+                        <a:cs typeface="Times New Roman" panose="02020603050405020304" pitchFamily="18" charset="0"/>
+                      </a:endParaRPr>
+                    </a:p>
+                  </a:txBody>
+                  <a:tcPr marL="68580" marR="68580" marT="0" marB="0"/>
+                </a:tc>
+                <a:tc>
+                  <a:txBody>
+                    <a:bodyPr/>
+                    <a:lstStyle/>
+                    <a:p>
+                      <a:pPr algn="ctr">
+                        <a:lnSpc>
+                          <a:spcPct val="150000"/>
+                        </a:lnSpc>
+                        <a:spcAft>
+                          <a:spcPts val="0"/>
+                        </a:spcAft>
+                      </a:pPr>
+                      <a:r>
+                        <a:rPr lang="pt-BR" sz="1200">
+                          <a:effectLst/>
+                        </a:rPr>
+                        <a:t>X</a:t>
+                      </a:r>
+                      <a:endParaRPr lang="pt-BR" sz="1100">
+                        <a:effectLst/>
+                        <a:latin typeface="Calibri" panose="020F0502020204030204" pitchFamily="34" charset="0"/>
+                        <a:ea typeface="Calibri" panose="020F0502020204030204" pitchFamily="34" charset="0"/>
+                        <a:cs typeface="Times New Roman" panose="02020603050405020304" pitchFamily="18" charset="0"/>
+                      </a:endParaRPr>
+                    </a:p>
+                  </a:txBody>
+                  <a:tcPr marL="68580" marR="68580" marT="0" marB="0"/>
+                </a:tc>
+                <a:tc>
+                  <a:txBody>
+                    <a:bodyPr/>
+                    <a:lstStyle/>
+                    <a:p>
+                      <a:pPr algn="ctr">
+                        <a:lnSpc>
+                          <a:spcPct val="150000"/>
+                        </a:lnSpc>
+                        <a:spcAft>
+                          <a:spcPts val="0"/>
+                        </a:spcAft>
+                      </a:pPr>
+                      <a:r>
+                        <a:rPr lang="pt-BR" sz="1200">
+                          <a:effectLst/>
+                        </a:rPr>
+                        <a:t>X</a:t>
+                      </a:r>
+                      <a:endParaRPr lang="pt-BR" sz="1100">
+                        <a:effectLst/>
+                        <a:latin typeface="Calibri" panose="020F0502020204030204" pitchFamily="34" charset="0"/>
+                        <a:ea typeface="Calibri" panose="020F0502020204030204" pitchFamily="34" charset="0"/>
+                        <a:cs typeface="Times New Roman" panose="02020603050405020304" pitchFamily="18" charset="0"/>
+                      </a:endParaRPr>
+                    </a:p>
+                  </a:txBody>
+                  <a:tcPr marL="68580" marR="68580" marT="0" marB="0"/>
+                </a:tc>
+                <a:tc>
+                  <a:txBody>
+                    <a:bodyPr/>
+                    <a:lstStyle/>
+                    <a:p>
+                      <a:pPr algn="ctr">
+                        <a:lnSpc>
+                          <a:spcPct val="150000"/>
+                        </a:lnSpc>
+                        <a:spcAft>
+                          <a:spcPts val="0"/>
+                        </a:spcAft>
+                      </a:pPr>
+                      <a:r>
+                        <a:rPr lang="pt-BR" sz="1200">
+                          <a:effectLst/>
+                        </a:rPr>
+                        <a:t> </a:t>
+                      </a:r>
+                      <a:endParaRPr lang="pt-BR" sz="1100">
+                        <a:effectLst/>
+                        <a:latin typeface="Calibri" panose="020F0502020204030204" pitchFamily="34" charset="0"/>
+                        <a:ea typeface="Calibri" panose="020F0502020204030204" pitchFamily="34" charset="0"/>
+                        <a:cs typeface="Times New Roman" panose="02020603050405020304" pitchFamily="18" charset="0"/>
+                      </a:endParaRPr>
+                    </a:p>
+                  </a:txBody>
+                  <a:tcPr marL="68580" marR="68580" marT="0" marB="0"/>
+                </a:tc>
+                <a:tc>
+                  <a:txBody>
+                    <a:bodyPr/>
+                    <a:lstStyle/>
+                    <a:p>
+                      <a:pPr algn="ctr">
+                        <a:lnSpc>
+                          <a:spcPct val="150000"/>
+                        </a:lnSpc>
+                        <a:spcAft>
+                          <a:spcPts val="0"/>
+                        </a:spcAft>
+                      </a:pPr>
+                      <a:r>
+                        <a:rPr lang="pt-BR" sz="1200">
+                          <a:effectLst/>
+                        </a:rPr>
+                        <a:t> </a:t>
+                      </a:r>
+                      <a:endParaRPr lang="pt-BR" sz="1100">
+                        <a:effectLst/>
+                        <a:latin typeface="Calibri" panose="020F0502020204030204" pitchFamily="34" charset="0"/>
+                        <a:ea typeface="Calibri" panose="020F0502020204030204" pitchFamily="34" charset="0"/>
+                        <a:cs typeface="Times New Roman" panose="02020603050405020304" pitchFamily="18" charset="0"/>
+                      </a:endParaRPr>
+                    </a:p>
+                  </a:txBody>
+                  <a:tcPr marL="68580" marR="68580" marT="0" marB="0"/>
+                </a:tc>
+                <a:extLst>
+                  <a:ext uri="{0D108BD9-81ED-4DB2-BD59-A6C34878D82A}">
+                    <a16:rowId xmlns:a16="http://schemas.microsoft.com/office/drawing/2014/main" val="4180721864"/>
+                  </a:ext>
+                </a:extLst>
+              </a:tr>
+              <a:tr h="454965">
+                <a:tc>
+                  <a:txBody>
+                    <a:bodyPr/>
+                    <a:lstStyle/>
+                    <a:p>
+                      <a:pPr algn="ctr">
+                        <a:lnSpc>
+                          <a:spcPct val="150000"/>
+                        </a:lnSpc>
+                        <a:spcAft>
+                          <a:spcPts val="0"/>
+                        </a:spcAft>
+                      </a:pPr>
+                      <a:r>
+                        <a:rPr lang="pt-BR" sz="1200">
+                          <a:effectLst/>
+                        </a:rPr>
+                        <a:t>A5</a:t>
+                      </a:r>
+                      <a:endParaRPr lang="pt-BR" sz="1100">
+                        <a:effectLst/>
+                        <a:latin typeface="Calibri" panose="020F0502020204030204" pitchFamily="34" charset="0"/>
+                        <a:ea typeface="Calibri" panose="020F0502020204030204" pitchFamily="34" charset="0"/>
+                        <a:cs typeface="Times New Roman" panose="02020603050405020304" pitchFamily="18" charset="0"/>
+                      </a:endParaRPr>
+                    </a:p>
+                  </a:txBody>
+                  <a:tcPr marL="68580" marR="68580" marT="0" marB="0"/>
+                </a:tc>
+                <a:tc>
+                  <a:txBody>
+                    <a:bodyPr/>
+                    <a:lstStyle/>
+                    <a:p>
+                      <a:pPr algn="ctr">
+                        <a:lnSpc>
+                          <a:spcPct val="150000"/>
+                        </a:lnSpc>
+                        <a:spcAft>
+                          <a:spcPts val="0"/>
+                        </a:spcAft>
+                      </a:pPr>
+                      <a:r>
+                        <a:rPr lang="pt-BR" sz="1200">
+                          <a:effectLst/>
+                        </a:rPr>
+                        <a:t> </a:t>
+                      </a:r>
+                      <a:endParaRPr lang="pt-BR" sz="1100">
+                        <a:effectLst/>
+                        <a:latin typeface="Calibri" panose="020F0502020204030204" pitchFamily="34" charset="0"/>
+                        <a:ea typeface="Calibri" panose="020F0502020204030204" pitchFamily="34" charset="0"/>
+                        <a:cs typeface="Times New Roman" panose="02020603050405020304" pitchFamily="18" charset="0"/>
+                      </a:endParaRPr>
+                    </a:p>
+                  </a:txBody>
+                  <a:tcPr marL="68580" marR="68580" marT="0" marB="0"/>
+                </a:tc>
+                <a:tc>
+                  <a:txBody>
+                    <a:bodyPr/>
+                    <a:lstStyle/>
+                    <a:p>
+                      <a:pPr algn="ctr">
+                        <a:lnSpc>
+                          <a:spcPct val="150000"/>
+                        </a:lnSpc>
+                        <a:spcAft>
+                          <a:spcPts val="0"/>
+                        </a:spcAft>
+                      </a:pPr>
+                      <a:r>
+                        <a:rPr lang="pt-BR" sz="1200">
+                          <a:effectLst/>
+                        </a:rPr>
+                        <a:t> </a:t>
+                      </a:r>
+                      <a:endParaRPr lang="pt-BR" sz="1100">
+                        <a:effectLst/>
+                        <a:latin typeface="Calibri" panose="020F0502020204030204" pitchFamily="34" charset="0"/>
+                        <a:ea typeface="Calibri" panose="020F0502020204030204" pitchFamily="34" charset="0"/>
+                        <a:cs typeface="Times New Roman" panose="02020603050405020304" pitchFamily="18" charset="0"/>
+                      </a:endParaRPr>
+                    </a:p>
+                  </a:txBody>
+                  <a:tcPr marL="68580" marR="68580" marT="0" marB="0"/>
+                </a:tc>
+                <a:tc>
+                  <a:txBody>
+                    <a:bodyPr/>
+                    <a:lstStyle/>
+                    <a:p>
+                      <a:pPr algn="ctr">
+                        <a:lnSpc>
+                          <a:spcPct val="150000"/>
+                        </a:lnSpc>
+                        <a:spcAft>
+                          <a:spcPts val="0"/>
+                        </a:spcAft>
+                      </a:pPr>
+                      <a:r>
+                        <a:rPr lang="pt-BR" sz="1200">
+                          <a:effectLst/>
+                        </a:rPr>
+                        <a:t>X</a:t>
+                      </a:r>
+                      <a:endParaRPr lang="pt-BR" sz="1100">
+                        <a:effectLst/>
+                        <a:latin typeface="Calibri" panose="020F0502020204030204" pitchFamily="34" charset="0"/>
+                        <a:ea typeface="Calibri" panose="020F0502020204030204" pitchFamily="34" charset="0"/>
+                        <a:cs typeface="Times New Roman" panose="02020603050405020304" pitchFamily="18" charset="0"/>
+                      </a:endParaRPr>
+                    </a:p>
+                  </a:txBody>
+                  <a:tcPr marL="68580" marR="68580" marT="0" marB="0"/>
+                </a:tc>
+                <a:tc>
+                  <a:txBody>
+                    <a:bodyPr/>
+                    <a:lstStyle/>
+                    <a:p>
+                      <a:pPr algn="ctr">
+                        <a:lnSpc>
+                          <a:spcPct val="150000"/>
+                        </a:lnSpc>
+                        <a:spcAft>
+                          <a:spcPts val="0"/>
+                        </a:spcAft>
+                      </a:pPr>
+                      <a:r>
+                        <a:rPr lang="pt-BR" sz="1200">
+                          <a:effectLst/>
+                        </a:rPr>
+                        <a:t>X</a:t>
+                      </a:r>
+                      <a:endParaRPr lang="pt-BR" sz="1100">
+                        <a:effectLst/>
+                        <a:latin typeface="Calibri" panose="020F0502020204030204" pitchFamily="34" charset="0"/>
+                        <a:ea typeface="Calibri" panose="020F0502020204030204" pitchFamily="34" charset="0"/>
+                        <a:cs typeface="Times New Roman" panose="02020603050405020304" pitchFamily="18" charset="0"/>
+                      </a:endParaRPr>
+                    </a:p>
+                  </a:txBody>
+                  <a:tcPr marL="68580" marR="68580" marT="0" marB="0"/>
+                </a:tc>
+                <a:tc>
+                  <a:txBody>
+                    <a:bodyPr/>
+                    <a:lstStyle/>
+                    <a:p>
+                      <a:pPr algn="ctr">
+                        <a:lnSpc>
+                          <a:spcPct val="150000"/>
+                        </a:lnSpc>
+                        <a:spcAft>
+                          <a:spcPts val="0"/>
+                        </a:spcAft>
+                      </a:pPr>
+                      <a:r>
+                        <a:rPr lang="pt-BR" sz="1200">
+                          <a:effectLst/>
+                        </a:rPr>
+                        <a:t>X</a:t>
+                      </a:r>
+                      <a:endParaRPr lang="pt-BR" sz="1100">
+                        <a:effectLst/>
+                        <a:latin typeface="Calibri" panose="020F0502020204030204" pitchFamily="34" charset="0"/>
+                        <a:ea typeface="Calibri" panose="020F0502020204030204" pitchFamily="34" charset="0"/>
+                        <a:cs typeface="Times New Roman" panose="02020603050405020304" pitchFamily="18" charset="0"/>
+                      </a:endParaRPr>
+                    </a:p>
+                  </a:txBody>
+                  <a:tcPr marL="68580" marR="68580" marT="0" marB="0"/>
+                </a:tc>
+                <a:tc>
+                  <a:txBody>
+                    <a:bodyPr/>
+                    <a:lstStyle/>
+                    <a:p>
+                      <a:pPr algn="ctr">
+                        <a:lnSpc>
+                          <a:spcPct val="150000"/>
+                        </a:lnSpc>
+                        <a:spcAft>
+                          <a:spcPts val="0"/>
+                        </a:spcAft>
+                      </a:pPr>
+                      <a:r>
+                        <a:rPr lang="pt-BR" sz="1200">
+                          <a:effectLst/>
+                        </a:rPr>
+                        <a:t>X</a:t>
+                      </a:r>
+                      <a:endParaRPr lang="pt-BR" sz="1100">
+                        <a:effectLst/>
+                        <a:latin typeface="Calibri" panose="020F0502020204030204" pitchFamily="34" charset="0"/>
+                        <a:ea typeface="Calibri" panose="020F0502020204030204" pitchFamily="34" charset="0"/>
+                        <a:cs typeface="Times New Roman" panose="02020603050405020304" pitchFamily="18" charset="0"/>
+                      </a:endParaRPr>
+                    </a:p>
+                  </a:txBody>
+                  <a:tcPr marL="68580" marR="68580" marT="0" marB="0"/>
+                </a:tc>
+                <a:tc>
+                  <a:txBody>
+                    <a:bodyPr/>
+                    <a:lstStyle/>
+                    <a:p>
+                      <a:pPr algn="ctr">
+                        <a:lnSpc>
+                          <a:spcPct val="150000"/>
+                        </a:lnSpc>
+                        <a:spcAft>
+                          <a:spcPts val="0"/>
+                        </a:spcAft>
+                      </a:pPr>
+                      <a:r>
+                        <a:rPr lang="pt-BR" sz="1200">
+                          <a:effectLst/>
+                        </a:rPr>
+                        <a:t>X</a:t>
+                      </a:r>
+                      <a:endParaRPr lang="pt-BR" sz="1100">
+                        <a:effectLst/>
+                        <a:latin typeface="Calibri" panose="020F0502020204030204" pitchFamily="34" charset="0"/>
+                        <a:ea typeface="Calibri" panose="020F0502020204030204" pitchFamily="34" charset="0"/>
+                        <a:cs typeface="Times New Roman" panose="02020603050405020304" pitchFamily="18" charset="0"/>
+                      </a:endParaRPr>
+                    </a:p>
+                  </a:txBody>
+                  <a:tcPr marL="68580" marR="68580" marT="0" marB="0"/>
+                </a:tc>
+                <a:tc>
+                  <a:txBody>
+                    <a:bodyPr/>
+                    <a:lstStyle/>
+                    <a:p>
+                      <a:pPr algn="ctr">
+                        <a:lnSpc>
+                          <a:spcPct val="150000"/>
+                        </a:lnSpc>
+                        <a:spcAft>
+                          <a:spcPts val="0"/>
+                        </a:spcAft>
+                      </a:pPr>
+                      <a:r>
+                        <a:rPr lang="pt-BR" sz="1200">
+                          <a:effectLst/>
+                        </a:rPr>
+                        <a:t>X</a:t>
+                      </a:r>
+                      <a:endParaRPr lang="pt-BR" sz="1100">
+                        <a:effectLst/>
+                        <a:latin typeface="Calibri" panose="020F0502020204030204" pitchFamily="34" charset="0"/>
+                        <a:ea typeface="Calibri" panose="020F0502020204030204" pitchFamily="34" charset="0"/>
+                        <a:cs typeface="Times New Roman" panose="02020603050405020304" pitchFamily="18" charset="0"/>
+                      </a:endParaRPr>
+                    </a:p>
+                  </a:txBody>
+                  <a:tcPr marL="68580" marR="68580" marT="0" marB="0"/>
+                </a:tc>
+                <a:tc>
+                  <a:txBody>
+                    <a:bodyPr/>
+                    <a:lstStyle/>
+                    <a:p>
+                      <a:pPr algn="ctr">
+                        <a:lnSpc>
+                          <a:spcPct val="150000"/>
+                        </a:lnSpc>
+                        <a:spcAft>
+                          <a:spcPts val="0"/>
+                        </a:spcAft>
+                      </a:pPr>
+                      <a:r>
+                        <a:rPr lang="pt-BR" sz="1200">
+                          <a:effectLst/>
+                        </a:rPr>
+                        <a:t>X</a:t>
+                      </a:r>
+                      <a:endParaRPr lang="pt-BR" sz="1100">
+                        <a:effectLst/>
+                        <a:latin typeface="Calibri" panose="020F0502020204030204" pitchFamily="34" charset="0"/>
+                        <a:ea typeface="Calibri" panose="020F0502020204030204" pitchFamily="34" charset="0"/>
+                        <a:cs typeface="Times New Roman" panose="02020603050405020304" pitchFamily="18" charset="0"/>
+                      </a:endParaRPr>
+                    </a:p>
+                  </a:txBody>
+                  <a:tcPr marL="68580" marR="68580" marT="0" marB="0"/>
+                </a:tc>
+                <a:tc>
+                  <a:txBody>
+                    <a:bodyPr/>
+                    <a:lstStyle/>
+                    <a:p>
+                      <a:pPr algn="ctr">
+                        <a:lnSpc>
+                          <a:spcPct val="150000"/>
+                        </a:lnSpc>
+                        <a:spcAft>
+                          <a:spcPts val="0"/>
+                        </a:spcAft>
+                      </a:pPr>
+                      <a:r>
+                        <a:rPr lang="pt-BR" sz="1200">
+                          <a:effectLst/>
+                        </a:rPr>
+                        <a:t>X</a:t>
+                      </a:r>
+                      <a:endParaRPr lang="pt-BR" sz="1100">
+                        <a:effectLst/>
+                        <a:latin typeface="Calibri" panose="020F0502020204030204" pitchFamily="34" charset="0"/>
+                        <a:ea typeface="Calibri" panose="020F0502020204030204" pitchFamily="34" charset="0"/>
+                        <a:cs typeface="Times New Roman" panose="02020603050405020304" pitchFamily="18" charset="0"/>
+                      </a:endParaRPr>
+                    </a:p>
+                  </a:txBody>
+                  <a:tcPr marL="68580" marR="68580" marT="0" marB="0"/>
+                </a:tc>
+                <a:tc>
+                  <a:txBody>
+                    <a:bodyPr/>
+                    <a:lstStyle/>
+                    <a:p>
+                      <a:pPr algn="ctr">
+                        <a:lnSpc>
+                          <a:spcPct val="150000"/>
+                        </a:lnSpc>
+                        <a:spcAft>
+                          <a:spcPts val="0"/>
+                        </a:spcAft>
+                      </a:pPr>
+                      <a:r>
+                        <a:rPr lang="pt-BR" sz="1200">
+                          <a:effectLst/>
+                        </a:rPr>
+                        <a:t>X</a:t>
+                      </a:r>
+                      <a:endParaRPr lang="pt-BR" sz="1100">
+                        <a:effectLst/>
+                        <a:latin typeface="Calibri" panose="020F0502020204030204" pitchFamily="34" charset="0"/>
+                        <a:ea typeface="Calibri" panose="020F0502020204030204" pitchFamily="34" charset="0"/>
+                        <a:cs typeface="Times New Roman" panose="02020603050405020304" pitchFamily="18" charset="0"/>
+                      </a:endParaRPr>
+                    </a:p>
+                  </a:txBody>
+                  <a:tcPr marL="68580" marR="68580" marT="0" marB="0"/>
+                </a:tc>
+                <a:tc>
+                  <a:txBody>
+                    <a:bodyPr/>
+                    <a:lstStyle/>
+                    <a:p>
+                      <a:pPr algn="ctr">
+                        <a:lnSpc>
+                          <a:spcPct val="150000"/>
+                        </a:lnSpc>
+                        <a:spcAft>
+                          <a:spcPts val="0"/>
+                        </a:spcAft>
+                      </a:pPr>
+                      <a:r>
+                        <a:rPr lang="pt-BR" sz="1200" dirty="0">
+                          <a:effectLst/>
+                        </a:rPr>
+                        <a:t>X</a:t>
+                      </a:r>
+                      <a:endParaRPr lang="pt-BR" sz="1100" dirty="0">
+                        <a:effectLst/>
+                        <a:latin typeface="Calibri" panose="020F0502020204030204" pitchFamily="34" charset="0"/>
+                        <a:ea typeface="Calibri" panose="020F0502020204030204" pitchFamily="34" charset="0"/>
+                        <a:cs typeface="Times New Roman" panose="02020603050405020304" pitchFamily="18" charset="0"/>
+                      </a:endParaRPr>
+                    </a:p>
+                  </a:txBody>
+                  <a:tcPr marL="68580" marR="68580" marT="0" marB="0"/>
+                </a:tc>
+                <a:extLst>
+                  <a:ext uri="{0D108BD9-81ED-4DB2-BD59-A6C34878D82A}">
+                    <a16:rowId xmlns:a16="http://schemas.microsoft.com/office/drawing/2014/main" val="2185567933"/>
+                  </a:ext>
+                </a:extLst>
+              </a:tr>
+            </a:tbl>
+          </a:graphicData>
+        </a:graphic>
+      </p:graphicFrame>
+    </p:spTree>
+    <p:extLst>
+      <p:ext uri="{BB962C8B-B14F-4D97-AF65-F5344CB8AC3E}">
+        <p14:creationId xmlns:p14="http://schemas.microsoft.com/office/powerpoint/2010/main" val="1654388467"/>
+      </p:ext>
+    </p:extLst>
+  </p:cSld>
+  <p:clrMapOvr>
+    <a:masterClrMapping/>
+  </p:clrMapOvr>
+  <mc:AlternateContent xmlns:mc="http://schemas.openxmlformats.org/markup-compatibility/2006" xmlns:p14="http://schemas.microsoft.com/office/powerpoint/2010/main">
+    <mc:Choice Requires="p14">
+      <p:transition spd="slow" p14:dur="1500">
+        <p:random/>
+      </p:transition>
+    </mc:Choice>
+    <mc:Fallback xmlns="">
+      <p:transition spd="slow">
+        <p:random/>
+      </p:transition>
+    </mc:Fallback>
+  </mc:AlternateContent>
+</p:sld>
+</file>
+
+<file path=ppt/slides/slide14.xml><?xml version="1.0" encoding="utf-8"?>
+<p:sld xmlns:a="http://schemas.openxmlformats.org/drawingml/2006/main" xmlns:r="http://schemas.openxmlformats.org/officeDocument/2006/relationships" xmlns:p="http://schemas.openxmlformats.org/presentationml/2006/main">
+  <p:cSld>
+    <p:spTree>
+      <p:nvGrpSpPr>
+        <p:cNvPr id="1" name=""/>
+        <p:cNvGrpSpPr/>
+        <p:nvPr/>
+      </p:nvGrpSpPr>
+      <p:grpSpPr>
+        <a:xfrm>
+          <a:off x="0" y="0"/>
+          <a:ext cx="0" cy="0"/>
+          <a:chOff x="0" y="0"/>
+          <a:chExt cx="0" cy="0"/>
+        </a:xfrm>
+      </p:grpSpPr>
+      <p:sp>
+        <p:nvSpPr>
+          <p:cNvPr id="2" name="Título 1"/>
+          <p:cNvSpPr>
+            <a:spLocks noGrp="1"/>
+          </p:cNvSpPr>
+          <p:nvPr>
+            <p:ph type="title"/>
+          </p:nvPr>
+        </p:nvSpPr>
+        <p:spPr>
+          <a:xfrm>
+            <a:off x="609598" y="524802"/>
+            <a:ext cx="7997780" cy="1320800"/>
+          </a:xfrm>
+        </p:spPr>
+        <p:txBody>
+          <a:bodyPr>
+            <a:normAutofit/>
+          </a:bodyPr>
+          <a:lstStyle/>
+          <a:p>
+            <a:pPr algn="ctr"/>
             <a:r>
               <a:rPr lang="pt-BR" sz="3200" dirty="0">
                 <a:solidFill>
@@ -4456,10 +6449,6 @@
           <a:lstStyle/>
           <a:p>
             <a:pPr algn="just"/>
-            <a:endParaRPr lang="pt-BR" b="1" dirty="0"/>
-          </a:p>
-          <a:p>
-            <a:pPr algn="just"/>
             <a:r>
               <a:rPr lang="pt-BR" sz="2800" b="1" i="1" dirty="0" err="1"/>
               <a:t>easYProcess</a:t>
@@ -4525,7 +6514,7 @@
           <a:p>
             <a:fld id="{D8C21D6C-D2EB-4035-A5FA-FB33EA0C0521}" type="slidenum">
               <a:rPr lang="pt-BR" smtClean="0"/>
-              <a:t>12</a:t>
+              <a:t>14</a:t>
             </a:fld>
             <a:endParaRPr lang="pt-BR"/>
           </a:p>
@@ -4586,7 +6575,7 @@
 </p:sld>
 </file>
 
-<file path=ppt/slides/slide13.xml><?xml version="1.0" encoding="utf-8"?>
+<file path=ppt/slides/slide15.xml><?xml version="1.0" encoding="utf-8"?>
 <p:sld xmlns:a="http://schemas.openxmlformats.org/drawingml/2006/main" xmlns:r="http://schemas.openxmlformats.org/officeDocument/2006/relationships" xmlns:p="http://schemas.openxmlformats.org/presentationml/2006/main">
   <p:cSld>
     <p:spTree>
@@ -4659,7 +6648,7 @@
           <a:p>
             <a:fld id="{D8C21D6C-D2EB-4035-A5FA-FB33EA0C0521}" type="slidenum">
               <a:rPr lang="pt-BR" smtClean="0"/>
-              <a:t>13</a:t>
+              <a:t>15</a:t>
             </a:fld>
             <a:endParaRPr lang="pt-BR"/>
           </a:p>
@@ -4720,7 +6709,7 @@
 </p:sld>
 </file>
 
-<file path=ppt/slides/slide14.xml><?xml version="1.0" encoding="utf-8"?>
+<file path=ppt/slides/slide16.xml><?xml version="1.0" encoding="utf-8"?>
 <p:sld xmlns:a="http://schemas.openxmlformats.org/drawingml/2006/main" xmlns:r="http://schemas.openxmlformats.org/officeDocument/2006/relationships" xmlns:p="http://schemas.openxmlformats.org/presentationml/2006/main">
   <p:cSld>
     <p:spTree>
@@ -4828,7 +6817,7 @@
           <a:p>
             <a:fld id="{D8C21D6C-D2EB-4035-A5FA-FB33EA0C0521}" type="slidenum">
               <a:rPr lang="pt-BR" smtClean="0"/>
-              <a:t>14</a:t>
+              <a:t>16</a:t>
             </a:fld>
             <a:endParaRPr lang="pt-BR"/>
           </a:p>
@@ -4847,7 +6836,7 @@
 </p:sld>
 </file>
 
-<file path=ppt/slides/slide15.xml><?xml version="1.0" encoding="utf-8"?>
+<file path=ppt/slides/slide17.xml><?xml version="1.0" encoding="utf-8"?>
 <p:sld xmlns:a="http://schemas.openxmlformats.org/drawingml/2006/main" xmlns:r="http://schemas.openxmlformats.org/officeDocument/2006/relationships" xmlns:p="http://schemas.openxmlformats.org/presentationml/2006/main">
   <p:cSld>
     <p:spTree>
@@ -4904,7 +6893,7 @@
           <a:p>
             <a:fld id="{D8C21D6C-D2EB-4035-A5FA-FB33EA0C0521}" type="slidenum">
               <a:rPr lang="pt-BR" smtClean="0"/>
-              <a:t>15</a:t>
+              <a:t>17</a:t>
             </a:fld>
             <a:endParaRPr lang="pt-BR"/>
           </a:p>
@@ -6356,335 +8345,6 @@
 </p:sld>
 </file>
 
-<file path=ppt/slides/slide16.xml><?xml version="1.0" encoding="utf-8"?>
-<p:sld xmlns:a="http://schemas.openxmlformats.org/drawingml/2006/main" xmlns:r="http://schemas.openxmlformats.org/officeDocument/2006/relationships" xmlns:p="http://schemas.openxmlformats.org/presentationml/2006/main">
-  <p:cSld>
-    <p:spTree>
-      <p:nvGrpSpPr>
-        <p:cNvPr id="1" name=""/>
-        <p:cNvGrpSpPr/>
-        <p:nvPr/>
-      </p:nvGrpSpPr>
-      <p:grpSpPr>
-        <a:xfrm>
-          <a:off x="0" y="0"/>
-          <a:ext cx="0" cy="0"/>
-          <a:chOff x="0" y="0"/>
-          <a:chExt cx="0" cy="0"/>
-        </a:xfrm>
-      </p:grpSpPr>
-      <p:sp>
-        <p:nvSpPr>
-          <p:cNvPr id="2" name="Título 1"/>
-          <p:cNvSpPr>
-            <a:spLocks noGrp="1"/>
-          </p:cNvSpPr>
-          <p:nvPr>
-            <p:ph type="title"/>
-          </p:nvPr>
-        </p:nvSpPr>
-        <p:spPr/>
-        <p:txBody>
-          <a:bodyPr/>
-          <a:lstStyle/>
-          <a:p>
-            <a:pPr algn="ctr"/>
-            <a:r>
-              <a:rPr lang="pt-BR" dirty="0"/>
-              <a:t>Contextualização</a:t>
-            </a:r>
-          </a:p>
-        </p:txBody>
-      </p:sp>
-      <p:pic>
-        <p:nvPicPr>
-          <p:cNvPr id="5" name="Espaço Reservado para Conteúdo 4"/>
-          <p:cNvPicPr>
-            <a:picLocks noGrp="1" noChangeAspect="1"/>
-          </p:cNvPicPr>
-          <p:nvPr>
-            <p:ph idx="1"/>
-          </p:nvPr>
-        </p:nvPicPr>
-        <p:blipFill>
-          <a:blip r:embed="rId2">
-            <a:extLst>
-              <a:ext uri="{28A0092B-C50C-407E-A947-70E740481C1C}">
-                <a14:useLocalDpi xmlns:a14="http://schemas.microsoft.com/office/drawing/2010/main" val="0"/>
-              </a:ext>
-            </a:extLst>
-          </a:blip>
-          <a:stretch>
-            <a:fillRect/>
-          </a:stretch>
-        </p:blipFill>
-        <p:spPr>
-          <a:xfrm>
-            <a:off x="704144" y="1736924"/>
-            <a:ext cx="7811206" cy="4393803"/>
-          </a:xfrm>
-        </p:spPr>
-      </p:pic>
-      <p:sp>
-        <p:nvSpPr>
-          <p:cNvPr id="4" name="Espaço Reservado para Número de Slide 3"/>
-          <p:cNvSpPr>
-            <a:spLocks noGrp="1"/>
-          </p:cNvSpPr>
-          <p:nvPr>
-            <p:ph type="sldNum" sz="quarter" idx="12"/>
-          </p:nvPr>
-        </p:nvSpPr>
-        <p:spPr/>
-        <p:txBody>
-          <a:bodyPr/>
-          <a:lstStyle/>
-          <a:p>
-            <a:fld id="{D8C21D6C-D2EB-4035-A5FA-FB33EA0C0521}" type="slidenum">
-              <a:rPr lang="pt-BR" smtClean="0"/>
-              <a:t>16</a:t>
-            </a:fld>
-            <a:endParaRPr lang="pt-BR"/>
-          </a:p>
-        </p:txBody>
-      </p:sp>
-    </p:spTree>
-    <p:extLst>
-      <p:ext uri="{BB962C8B-B14F-4D97-AF65-F5344CB8AC3E}">
-        <p14:creationId xmlns:p14="http://schemas.microsoft.com/office/powerpoint/2010/main" val="1037754131"/>
-      </p:ext>
-    </p:extLst>
-  </p:cSld>
-  <p:clrMapOvr>
-    <a:masterClrMapping/>
-  </p:clrMapOvr>
-</p:sld>
-</file>
-
-<file path=ppt/slides/slide17.xml><?xml version="1.0" encoding="utf-8"?>
-<p:sld xmlns:a="http://schemas.openxmlformats.org/drawingml/2006/main" xmlns:r="http://schemas.openxmlformats.org/officeDocument/2006/relationships" xmlns:p="http://schemas.openxmlformats.org/presentationml/2006/main">
-  <p:cSld>
-    <p:spTree>
-      <p:nvGrpSpPr>
-        <p:cNvPr id="1" name=""/>
-        <p:cNvGrpSpPr/>
-        <p:nvPr/>
-      </p:nvGrpSpPr>
-      <p:grpSpPr>
-        <a:xfrm>
-          <a:off x="0" y="0"/>
-          <a:ext cx="0" cy="0"/>
-          <a:chOff x="0" y="0"/>
-          <a:chExt cx="0" cy="0"/>
-        </a:xfrm>
-      </p:grpSpPr>
-      <p:sp>
-        <p:nvSpPr>
-          <p:cNvPr id="2" name="Título 1"/>
-          <p:cNvSpPr>
-            <a:spLocks noGrp="1"/>
-          </p:cNvSpPr>
-          <p:nvPr>
-            <p:ph type="title"/>
-          </p:nvPr>
-        </p:nvSpPr>
-        <p:spPr>
-          <a:xfrm>
-            <a:off x="309093" y="609600"/>
-            <a:ext cx="7070501" cy="1320800"/>
-          </a:xfrm>
-        </p:spPr>
-        <p:txBody>
-          <a:bodyPr/>
-          <a:lstStyle/>
-          <a:p>
-            <a:pPr algn="ctr"/>
-            <a:r>
-              <a:rPr lang="pt-BR" dirty="0">
-                <a:solidFill>
-                  <a:schemeClr val="tx1"/>
-                </a:solidFill>
-              </a:rPr>
-              <a:t>Apresentação do sistema - Especificação</a:t>
-            </a:r>
-          </a:p>
-        </p:txBody>
-      </p:sp>
-      <p:sp>
-        <p:nvSpPr>
-          <p:cNvPr id="3" name="Espaço Reservado para Conteúdo 2"/>
-          <p:cNvSpPr>
-            <a:spLocks noGrp="1"/>
-          </p:cNvSpPr>
-          <p:nvPr>
-            <p:ph idx="1"/>
-          </p:nvPr>
-        </p:nvSpPr>
-        <p:spPr>
-          <a:xfrm>
-            <a:off x="609598" y="1736035"/>
-            <a:ext cx="7905751" cy="4784035"/>
-          </a:xfrm>
-        </p:spPr>
-        <p:txBody>
-          <a:bodyPr>
-            <a:noAutofit/>
-          </a:bodyPr>
-          <a:lstStyle/>
-          <a:p>
-            <a:pPr algn="just"/>
-            <a:r>
-              <a:rPr lang="pt-BR" sz="2000" dirty="0"/>
-              <a:t>A implementação do sistema foi dividida 4 em releases. </a:t>
-            </a:r>
-          </a:p>
-          <a:p>
-            <a:pPr marL="0" indent="0" algn="just">
-              <a:buNone/>
-            </a:pPr>
-            <a:endParaRPr lang="pt-BR" sz="2000" dirty="0"/>
-          </a:p>
-          <a:p>
-            <a:pPr lvl="1" algn="just">
-              <a:buFont typeface="Wingdings" panose="05000000000000000000" pitchFamily="2" charset="2"/>
-              <a:buChar char="ü"/>
-            </a:pPr>
-            <a:r>
-              <a:rPr lang="pt-BR" dirty="0"/>
-              <a:t> O primeiro release contemplara o desenvolvimento do modulo de testes, e incluirá o desenvolvimento do módulo de testes.</a:t>
-            </a:r>
-          </a:p>
-          <a:p>
-            <a:pPr lvl="1" algn="just">
-              <a:buFont typeface="Wingdings" panose="05000000000000000000" pitchFamily="2" charset="2"/>
-              <a:buChar char="ü"/>
-            </a:pPr>
-            <a:endParaRPr lang="pt-BR" sz="2400" dirty="0"/>
-          </a:p>
-          <a:p>
-            <a:pPr lvl="1" algn="just">
-              <a:buFont typeface="Wingdings" panose="05000000000000000000" pitchFamily="2" charset="2"/>
-              <a:buChar char="ü"/>
-            </a:pPr>
-            <a:r>
-              <a:rPr lang="pt-BR" dirty="0"/>
-              <a:t>O segundo release contemplara o desenvolvimento de módulo de transferência de arquivos, e incluirá o desenvolvimento do módulo de transferência de arquivos.</a:t>
-            </a:r>
-          </a:p>
-          <a:p>
-            <a:pPr lvl="1" algn="just">
-              <a:buFont typeface="Wingdings" panose="05000000000000000000" pitchFamily="2" charset="2"/>
-              <a:buChar char="ü"/>
-            </a:pPr>
-            <a:endParaRPr lang="pt-BR" dirty="0"/>
-          </a:p>
-          <a:p>
-            <a:pPr lvl="1" algn="just">
-              <a:buFont typeface="Wingdings" panose="05000000000000000000" pitchFamily="2" charset="2"/>
-              <a:buChar char="ü"/>
-            </a:pPr>
-            <a:r>
-              <a:rPr lang="pt-BR" dirty="0"/>
-              <a:t>O terceiro release contemplara o desenvolvimento de módulo de criação de grupos de discussões e incluirá o desenvolvimento do módulo de criação de grupos.</a:t>
-            </a:r>
-          </a:p>
-          <a:p>
-            <a:pPr lvl="1" algn="just">
-              <a:buFont typeface="Wingdings" panose="05000000000000000000" pitchFamily="2" charset="2"/>
-              <a:buChar char="ü"/>
-            </a:pPr>
-            <a:endParaRPr lang="pt-BR" dirty="0"/>
-          </a:p>
-          <a:p>
-            <a:pPr lvl="1" algn="just">
-              <a:buFont typeface="Wingdings" panose="05000000000000000000" pitchFamily="2" charset="2"/>
-              <a:buChar char="ü"/>
-            </a:pPr>
-            <a:r>
-              <a:rPr lang="pt-BR" dirty="0"/>
-              <a:t>O quarto release contemplara o desenvolvimento do módulo de criação de turmas e incluirá o desenvolvimento do módulo de criação de turmas.</a:t>
-            </a:r>
-          </a:p>
-        </p:txBody>
-      </p:sp>
-      <p:sp>
-        <p:nvSpPr>
-          <p:cNvPr id="6" name="Espaço Reservado para Número de Slide 5"/>
-          <p:cNvSpPr>
-            <a:spLocks noGrp="1"/>
-          </p:cNvSpPr>
-          <p:nvPr>
-            <p:ph type="sldNum" sz="quarter" idx="12"/>
-          </p:nvPr>
-        </p:nvSpPr>
-        <p:spPr/>
-        <p:txBody>
-          <a:bodyPr/>
-          <a:lstStyle/>
-          <a:p>
-            <a:fld id="{D8C21D6C-D2EB-4035-A5FA-FB33EA0C0521}" type="slidenum">
-              <a:rPr lang="pt-BR" smtClean="0"/>
-              <a:t>17</a:t>
-            </a:fld>
-            <a:endParaRPr lang="pt-BR"/>
-          </a:p>
-        </p:txBody>
-      </p:sp>
-      <p:pic>
-        <p:nvPicPr>
-          <p:cNvPr id="4" name="Imagem 3"/>
-          <p:cNvPicPr>
-            <a:picLocks noChangeAspect="1"/>
-          </p:cNvPicPr>
-          <p:nvPr/>
-        </p:nvPicPr>
-        <p:blipFill>
-          <a:blip r:embed="rId2">
-            <a:extLst>
-              <a:ext uri="{28A0092B-C50C-407E-A947-70E740481C1C}">
-                <a14:useLocalDpi xmlns:a14="http://schemas.microsoft.com/office/drawing/2010/main" val="0"/>
-              </a:ext>
-            </a:extLst>
-          </a:blip>
-          <a:stretch>
-            <a:fillRect/>
-          </a:stretch>
-        </p:blipFill>
-        <p:spPr>
-          <a:xfrm>
-            <a:off x="7628986" y="80830"/>
-            <a:ext cx="1401519" cy="2440144"/>
-          </a:xfrm>
-          <a:prstGeom prst="rect">
-            <a:avLst/>
-          </a:prstGeom>
-        </p:spPr>
-      </p:pic>
-    </p:spTree>
-    <p:extLst>
-      <p:ext uri="{BB962C8B-B14F-4D97-AF65-F5344CB8AC3E}">
-        <p14:creationId xmlns:p14="http://schemas.microsoft.com/office/powerpoint/2010/main" val="1124174213"/>
-      </p:ext>
-    </p:extLst>
-  </p:cSld>
-  <p:clrMapOvr>
-    <a:masterClrMapping/>
-  </p:clrMapOvr>
-  <mc:AlternateContent xmlns:mc="http://schemas.openxmlformats.org/markup-compatibility/2006" xmlns:p14="http://schemas.microsoft.com/office/powerpoint/2010/main">
-    <mc:Choice Requires="p14">
-      <p:transition spd="slow" p14:dur="1500">
-        <p:random/>
-      </p:transition>
-    </mc:Choice>
-    <mc:Fallback xmlns="">
-      <p:transition spd="slow">
-        <p:random/>
-      </p:transition>
-    </mc:Fallback>
-  </mc:AlternateContent>
-</p:sld>
-</file>
-
 <file path=ppt/slides/slide18.xml><?xml version="1.0" encoding="utf-8"?>
 <p:sld xmlns:a="http://schemas.openxmlformats.org/drawingml/2006/main" xmlns:r="http://schemas.openxmlformats.org/officeDocument/2006/relationships" xmlns:p="http://schemas.openxmlformats.org/presentationml/2006/main">
   <p:cSld>
@@ -6719,6 +8379,111 @@
           <a:p>
             <a:pPr algn="ctr"/>
             <a:r>
+              <a:rPr lang="pt-BR" dirty="0"/>
+              <a:t>Contextualização</a:t>
+            </a:r>
+          </a:p>
+        </p:txBody>
+      </p:sp>
+      <p:pic>
+        <p:nvPicPr>
+          <p:cNvPr id="5" name="Espaço Reservado para Conteúdo 4"/>
+          <p:cNvPicPr>
+            <a:picLocks noGrp="1" noChangeAspect="1"/>
+          </p:cNvPicPr>
+          <p:nvPr>
+            <p:ph idx="1"/>
+          </p:nvPr>
+        </p:nvPicPr>
+        <p:blipFill>
+          <a:blip r:embed="rId2">
+            <a:extLst>
+              <a:ext uri="{28A0092B-C50C-407E-A947-70E740481C1C}">
+                <a14:useLocalDpi xmlns:a14="http://schemas.microsoft.com/office/drawing/2010/main" val="0"/>
+              </a:ext>
+            </a:extLst>
+          </a:blip>
+          <a:stretch>
+            <a:fillRect/>
+          </a:stretch>
+        </p:blipFill>
+        <p:spPr>
+          <a:xfrm>
+            <a:off x="371061" y="1338470"/>
+            <a:ext cx="8375373" cy="5017881"/>
+          </a:xfrm>
+        </p:spPr>
+      </p:pic>
+      <p:sp>
+        <p:nvSpPr>
+          <p:cNvPr id="4" name="Espaço Reservado para Número de Slide 3"/>
+          <p:cNvSpPr>
+            <a:spLocks noGrp="1"/>
+          </p:cNvSpPr>
+          <p:nvPr>
+            <p:ph type="sldNum" sz="quarter" idx="12"/>
+          </p:nvPr>
+        </p:nvSpPr>
+        <p:spPr/>
+        <p:txBody>
+          <a:bodyPr/>
+          <a:lstStyle/>
+          <a:p>
+            <a:fld id="{D8C21D6C-D2EB-4035-A5FA-FB33EA0C0521}" type="slidenum">
+              <a:rPr lang="pt-BR" smtClean="0"/>
+              <a:t>18</a:t>
+            </a:fld>
+            <a:endParaRPr lang="pt-BR"/>
+          </a:p>
+        </p:txBody>
+      </p:sp>
+    </p:spTree>
+    <p:extLst>
+      <p:ext uri="{BB962C8B-B14F-4D97-AF65-F5344CB8AC3E}">
+        <p14:creationId xmlns:p14="http://schemas.microsoft.com/office/powerpoint/2010/main" val="1037754131"/>
+      </p:ext>
+    </p:extLst>
+  </p:cSld>
+  <p:clrMapOvr>
+    <a:masterClrMapping/>
+  </p:clrMapOvr>
+</p:sld>
+</file>
+
+<file path=ppt/slides/slide19.xml><?xml version="1.0" encoding="utf-8"?>
+<p:sld xmlns:a="http://schemas.openxmlformats.org/drawingml/2006/main" xmlns:r="http://schemas.openxmlformats.org/officeDocument/2006/relationships" xmlns:p="http://schemas.openxmlformats.org/presentationml/2006/main">
+  <p:cSld>
+    <p:spTree>
+      <p:nvGrpSpPr>
+        <p:cNvPr id="1" name=""/>
+        <p:cNvGrpSpPr/>
+        <p:nvPr/>
+      </p:nvGrpSpPr>
+      <p:grpSpPr>
+        <a:xfrm>
+          <a:off x="0" y="0"/>
+          <a:ext cx="0" cy="0"/>
+          <a:chOff x="0" y="0"/>
+          <a:chExt cx="0" cy="0"/>
+        </a:xfrm>
+      </p:grpSpPr>
+      <p:sp>
+        <p:nvSpPr>
+          <p:cNvPr id="2" name="Título 1"/>
+          <p:cNvSpPr>
+            <a:spLocks noGrp="1"/>
+          </p:cNvSpPr>
+          <p:nvPr>
+            <p:ph type="title"/>
+          </p:nvPr>
+        </p:nvSpPr>
+        <p:spPr/>
+        <p:txBody>
+          <a:bodyPr/>
+          <a:lstStyle/>
+          <a:p>
+            <a:pPr algn="ctr"/>
+            <a:r>
               <a:rPr lang="pt-BR" dirty="0">
                 <a:solidFill>
                   <a:schemeClr val="tx1"/>
@@ -6805,7 +8570,7 @@
           <a:p>
             <a:fld id="{D8C21D6C-D2EB-4035-A5FA-FB33EA0C0521}" type="slidenum">
               <a:rPr lang="pt-BR" smtClean="0"/>
-              <a:t>18</a:t>
+              <a:t>19</a:t>
             </a:fld>
             <a:endParaRPr lang="pt-BR"/>
           </a:p>
@@ -6845,140 +8610,6 @@
     <p:extLst>
       <p:ext uri="{BB962C8B-B14F-4D97-AF65-F5344CB8AC3E}">
         <p14:creationId xmlns:p14="http://schemas.microsoft.com/office/powerpoint/2010/main" val="268603499"/>
-      </p:ext>
-    </p:extLst>
-  </p:cSld>
-  <p:clrMapOvr>
-    <a:masterClrMapping/>
-  </p:clrMapOvr>
-  <mc:AlternateContent xmlns:mc="http://schemas.openxmlformats.org/markup-compatibility/2006" xmlns:p14="http://schemas.microsoft.com/office/powerpoint/2010/main">
-    <mc:Choice Requires="p14">
-      <p:transition spd="slow" p14:dur="1500">
-        <p:random/>
-      </p:transition>
-    </mc:Choice>
-    <mc:Fallback xmlns="">
-      <p:transition spd="slow">
-        <p:random/>
-      </p:transition>
-    </mc:Fallback>
-  </mc:AlternateContent>
-</p:sld>
-</file>
-
-<file path=ppt/slides/slide19.xml><?xml version="1.0" encoding="utf-8"?>
-<p:sld xmlns:a="http://schemas.openxmlformats.org/drawingml/2006/main" xmlns:r="http://schemas.openxmlformats.org/officeDocument/2006/relationships" xmlns:p="http://schemas.openxmlformats.org/presentationml/2006/main">
-  <p:cSld>
-    <p:spTree>
-      <p:nvGrpSpPr>
-        <p:cNvPr id="1" name=""/>
-        <p:cNvGrpSpPr/>
-        <p:nvPr/>
-      </p:nvGrpSpPr>
-      <p:grpSpPr>
-        <a:xfrm>
-          <a:off x="0" y="0"/>
-          <a:ext cx="0" cy="0"/>
-          <a:chOff x="0" y="0"/>
-          <a:chExt cx="0" cy="0"/>
-        </a:xfrm>
-      </p:grpSpPr>
-      <p:sp>
-        <p:nvSpPr>
-          <p:cNvPr id="2" name="Título 1"/>
-          <p:cNvSpPr>
-            <a:spLocks noGrp="1"/>
-          </p:cNvSpPr>
-          <p:nvPr>
-            <p:ph type="title"/>
-          </p:nvPr>
-        </p:nvSpPr>
-        <p:spPr/>
-        <p:txBody>
-          <a:bodyPr/>
-          <a:lstStyle/>
-          <a:p>
-            <a:pPr algn="ctr"/>
-            <a:r>
-              <a:rPr lang="pt-BR" dirty="0">
-                <a:solidFill>
-                  <a:schemeClr val="tx1"/>
-                </a:solidFill>
-              </a:rPr>
-              <a:t>Arquitetura – Visão de Tecnologias</a:t>
-            </a:r>
-          </a:p>
-        </p:txBody>
-      </p:sp>
-      <p:pic>
-        <p:nvPicPr>
-          <p:cNvPr id="5" name="Espaço Reservado para Conteúdo 4"/>
-          <p:cNvPicPr>
-            <a:picLocks noGrp="1" noChangeAspect="1"/>
-          </p:cNvPicPr>
-          <p:nvPr>
-            <p:ph idx="1"/>
-          </p:nvPr>
-        </p:nvPicPr>
-        <p:blipFill>
-          <a:blip r:embed="rId2">
-            <a:extLst>
-              <a:ext uri="{28A0092B-C50C-407E-A947-70E740481C1C}">
-                <a14:useLocalDpi xmlns:a14="http://schemas.microsoft.com/office/drawing/2010/main" val="0"/>
-              </a:ext>
-            </a:extLst>
-          </a:blip>
-          <a:stretch>
-            <a:fillRect/>
-          </a:stretch>
-        </p:blipFill>
-        <p:spPr>
-          <a:xfrm>
-            <a:off x="854440" y="1897039"/>
-            <a:ext cx="7375160" cy="4099027"/>
-          </a:xfrm>
-          <a:prstGeom prst="rect">
-            <a:avLst/>
-          </a:prstGeom>
-          <a:ln>
-            <a:noFill/>
-          </a:ln>
-          <a:effectLst>
-            <a:outerShdw blurRad="292100" dist="139700" dir="2700000" algn="tl" rotWithShape="0">
-              <a:srgbClr val="333333">
-                <a:alpha val="65000"/>
-              </a:srgbClr>
-            </a:outerShdw>
-          </a:effectLst>
-        </p:spPr>
-      </p:pic>
-      <p:sp>
-        <p:nvSpPr>
-          <p:cNvPr id="6" name="Espaço Reservado para Número de Slide 5"/>
-          <p:cNvSpPr>
-            <a:spLocks noGrp="1"/>
-          </p:cNvSpPr>
-          <p:nvPr>
-            <p:ph type="sldNum" sz="quarter" idx="12"/>
-          </p:nvPr>
-        </p:nvSpPr>
-        <p:spPr/>
-        <p:txBody>
-          <a:bodyPr/>
-          <a:lstStyle/>
-          <a:p>
-            <a:fld id="{D8C21D6C-D2EB-4035-A5FA-FB33EA0C0521}" type="slidenum">
-              <a:rPr lang="pt-BR" smtClean="0"/>
-              <a:t>19</a:t>
-            </a:fld>
-            <a:endParaRPr lang="pt-BR"/>
-          </a:p>
-        </p:txBody>
-      </p:sp>
-    </p:spTree>
-    <p:extLst>
-      <p:ext uri="{BB962C8B-B14F-4D97-AF65-F5344CB8AC3E}">
-        <p14:creationId xmlns:p14="http://schemas.microsoft.com/office/powerpoint/2010/main" val="1186249760"/>
       </p:ext>
     </p:extLst>
   </p:cSld>
@@ -7501,7 +9132,7 @@
                   <a:schemeClr val="tx1"/>
                 </a:solidFill>
               </a:rPr>
-              <a:t>Arquitetura – Visão de Componentes</a:t>
+              <a:t>Arquitetura – Visão de Tecnologias</a:t>
             </a:r>
           </a:p>
         </p:txBody>
@@ -7530,8 +9161,8 @@
         </p:blipFill>
         <p:spPr>
           <a:xfrm>
-            <a:off x="1255798" y="1897039"/>
-            <a:ext cx="6572443" cy="4099027"/>
+            <a:off x="490330" y="1550504"/>
+            <a:ext cx="8335618" cy="4805847"/>
           </a:xfrm>
           <a:prstGeom prst="rect">
             <a:avLst/>
@@ -7574,7 +9205,7 @@
     </p:spTree>
     <p:extLst>
       <p:ext uri="{BB962C8B-B14F-4D97-AF65-F5344CB8AC3E}">
-        <p14:creationId xmlns:p14="http://schemas.microsoft.com/office/powerpoint/2010/main" val="753050104"/>
+        <p14:creationId xmlns:p14="http://schemas.microsoft.com/office/powerpoint/2010/main" val="1186249760"/>
       </p:ext>
     </p:extLst>
   </p:cSld>
@@ -7623,16 +9254,9 @@
             <p:ph type="title"/>
           </p:nvPr>
         </p:nvSpPr>
-        <p:spPr>
-          <a:xfrm>
-            <a:off x="609599" y="609600"/>
-            <a:ext cx="8084025" cy="652530"/>
-          </a:xfrm>
-        </p:spPr>
-        <p:txBody>
-          <a:bodyPr>
-            <a:normAutofit/>
-          </a:bodyPr>
+        <p:spPr/>
+        <p:txBody>
+          <a:bodyPr/>
           <a:lstStyle/>
           <a:p>
             <a:pPr algn="ctr"/>
@@ -7642,70 +9266,20 @@
                   <a:schemeClr val="tx1"/>
                 </a:solidFill>
               </a:rPr>
-              <a:t>Desenvolvimento – Modelo de Casos de Uso</a:t>
-            </a:r>
-          </a:p>
-        </p:txBody>
-      </p:sp>
-      <p:sp>
-        <p:nvSpPr>
-          <p:cNvPr id="3" name="Espaço Reservado para Conteúdo 2"/>
-          <p:cNvSpPr>
-            <a:spLocks noGrp="1"/>
-          </p:cNvSpPr>
-          <p:nvPr>
-            <p:ph idx="1"/>
-          </p:nvPr>
-        </p:nvSpPr>
-        <p:spPr>
-          <a:xfrm>
-            <a:off x="609599" y="1930400"/>
-            <a:ext cx="7411156" cy="4110963"/>
-          </a:xfrm>
-        </p:spPr>
-        <p:txBody>
-          <a:bodyPr/>
-          <a:lstStyle/>
-          <a:p>
-            <a:pPr algn="just"/>
-            <a:endParaRPr lang="pt-BR" sz="2800" dirty="0"/>
-          </a:p>
-          <a:p>
-            <a:pPr algn="just"/>
-            <a:endParaRPr lang="pt-BR" sz="2800" dirty="0"/>
-          </a:p>
-        </p:txBody>
-      </p:sp>
-      <p:sp>
-        <p:nvSpPr>
-          <p:cNvPr id="6" name="Espaço Reservado para Número de Slide 5"/>
-          <p:cNvSpPr>
-            <a:spLocks noGrp="1"/>
-          </p:cNvSpPr>
-          <p:nvPr>
-            <p:ph type="sldNum" sz="quarter" idx="12"/>
-          </p:nvPr>
-        </p:nvSpPr>
-        <p:spPr/>
-        <p:txBody>
-          <a:bodyPr/>
-          <a:lstStyle/>
-          <a:p>
-            <a:fld id="{D8C21D6C-D2EB-4035-A5FA-FB33EA0C0521}" type="slidenum">
-              <a:rPr lang="pt-BR" smtClean="0"/>
-              <a:t>21</a:t>
-            </a:fld>
-            <a:endParaRPr lang="pt-BR"/>
+              <a:t>Arquitetura – Visão de Componentes</a:t>
+            </a:r>
           </a:p>
         </p:txBody>
       </p:sp>
       <p:pic>
         <p:nvPicPr>
-          <p:cNvPr id="5" name="Imagem 4"/>
+          <p:cNvPr id="5" name="Espaço Reservado para Conteúdo 4"/>
           <p:cNvPicPr>
-            <a:picLocks noChangeAspect="1"/>
+            <a:picLocks noGrp="1" noChangeAspect="1"/>
           </p:cNvPicPr>
-          <p:nvPr/>
+          <p:nvPr>
+            <p:ph idx="1"/>
+          </p:nvPr>
         </p:nvPicPr>
         <p:blipFill>
           <a:blip r:embed="rId2">
@@ -7721,8 +9295,8 @@
         </p:blipFill>
         <p:spPr>
           <a:xfrm>
-            <a:off x="2222112" y="1577118"/>
-            <a:ext cx="4858997" cy="4328715"/>
+            <a:off x="1255798" y="1897039"/>
+            <a:ext cx="6572443" cy="4099027"/>
           </a:xfrm>
           <a:prstGeom prst="rect">
             <a:avLst/>
@@ -7739,10 +9313,33 @@
           </a:effectLst>
         </p:spPr>
       </p:pic>
+      <p:sp>
+        <p:nvSpPr>
+          <p:cNvPr id="6" name="Espaço Reservado para Número de Slide 5"/>
+          <p:cNvSpPr>
+            <a:spLocks noGrp="1"/>
+          </p:cNvSpPr>
+          <p:nvPr>
+            <p:ph type="sldNum" sz="quarter" idx="12"/>
+          </p:nvPr>
+        </p:nvSpPr>
+        <p:spPr/>
+        <p:txBody>
+          <a:bodyPr/>
+          <a:lstStyle/>
+          <a:p>
+            <a:fld id="{D8C21D6C-D2EB-4035-A5FA-FB33EA0C0521}" type="slidenum">
+              <a:rPr lang="pt-BR" smtClean="0"/>
+              <a:t>21</a:t>
+            </a:fld>
+            <a:endParaRPr lang="pt-BR"/>
+          </a:p>
+        </p:txBody>
+      </p:sp>
     </p:spTree>
     <p:extLst>
       <p:ext uri="{BB962C8B-B14F-4D97-AF65-F5344CB8AC3E}">
-        <p14:creationId xmlns:p14="http://schemas.microsoft.com/office/powerpoint/2010/main" val="311617539"/>
+        <p14:creationId xmlns:p14="http://schemas.microsoft.com/office/powerpoint/2010/main" val="753050104"/>
       </p:ext>
     </p:extLst>
   </p:cSld>
@@ -7783,533 +9380,6 @@
       </p:grpSpPr>
       <p:sp>
         <p:nvSpPr>
-          <p:cNvPr id="2" name="Título 1"/>
-          <p:cNvSpPr>
-            <a:spLocks noGrp="1"/>
-          </p:cNvSpPr>
-          <p:nvPr>
-            <p:ph type="title"/>
-          </p:nvPr>
-        </p:nvSpPr>
-        <p:spPr>
-          <a:xfrm>
-            <a:off x="609599" y="609600"/>
-            <a:ext cx="8084025" cy="652530"/>
-          </a:xfrm>
-        </p:spPr>
-        <p:txBody>
-          <a:bodyPr>
-            <a:normAutofit/>
-          </a:bodyPr>
-          <a:lstStyle/>
-          <a:p>
-            <a:pPr algn="ctr"/>
-            <a:r>
-              <a:rPr lang="pt-BR" dirty="0">
-                <a:solidFill>
-                  <a:schemeClr val="tx1"/>
-                </a:solidFill>
-              </a:rPr>
-              <a:t>Análise de Projeto</a:t>
-            </a:r>
-          </a:p>
-        </p:txBody>
-      </p:sp>
-      <p:sp>
-        <p:nvSpPr>
-          <p:cNvPr id="3" name="Espaço Reservado para Conteúdo 2"/>
-          <p:cNvSpPr>
-            <a:spLocks noGrp="1"/>
-          </p:cNvSpPr>
-          <p:nvPr>
-            <p:ph idx="1"/>
-          </p:nvPr>
-        </p:nvSpPr>
-        <p:spPr>
-          <a:xfrm>
-            <a:off x="609599" y="1930400"/>
-            <a:ext cx="7411156" cy="4110963"/>
-          </a:xfrm>
-        </p:spPr>
-        <p:txBody>
-          <a:bodyPr/>
-          <a:lstStyle/>
-          <a:p>
-            <a:pPr algn="just"/>
-            <a:r>
-              <a:rPr lang="pt-BR" sz="2800" dirty="0"/>
-              <a:t> Para representação da modelagem do sistema foram escolhidos os seguintes diagramas:</a:t>
-            </a:r>
-          </a:p>
-          <a:p>
-            <a:pPr algn="just"/>
-            <a:endParaRPr lang="pt-BR" sz="3200" dirty="0"/>
-          </a:p>
-          <a:p>
-            <a:pPr lvl="1" algn="just"/>
-            <a:r>
-              <a:rPr lang="pt-BR" sz="2800" dirty="0"/>
-              <a:t> </a:t>
-            </a:r>
-            <a:r>
-              <a:rPr lang="pt-BR" sz="2400" dirty="0"/>
-              <a:t>Diagrama de classes </a:t>
-            </a:r>
-          </a:p>
-          <a:p>
-            <a:pPr lvl="1" algn="just"/>
-            <a:r>
-              <a:rPr lang="pt-BR" sz="2400" dirty="0"/>
-              <a:t> Diagrama de Sequência.</a:t>
-            </a:r>
-          </a:p>
-          <a:p>
-            <a:pPr algn="just"/>
-            <a:endParaRPr lang="pt-BR" dirty="0"/>
-          </a:p>
-        </p:txBody>
-      </p:sp>
-      <p:sp>
-        <p:nvSpPr>
-          <p:cNvPr id="6" name="Espaço Reservado para Número de Slide 5"/>
-          <p:cNvSpPr>
-            <a:spLocks noGrp="1"/>
-          </p:cNvSpPr>
-          <p:nvPr>
-            <p:ph type="sldNum" sz="quarter" idx="12"/>
-          </p:nvPr>
-        </p:nvSpPr>
-        <p:spPr/>
-        <p:txBody>
-          <a:bodyPr/>
-          <a:lstStyle/>
-          <a:p>
-            <a:fld id="{D8C21D6C-D2EB-4035-A5FA-FB33EA0C0521}" type="slidenum">
-              <a:rPr lang="pt-BR" smtClean="0"/>
-              <a:t>22</a:t>
-            </a:fld>
-            <a:endParaRPr lang="pt-BR"/>
-          </a:p>
-        </p:txBody>
-      </p:sp>
-      <p:pic>
-        <p:nvPicPr>
-          <p:cNvPr id="4" name="Imagem 3"/>
-          <p:cNvPicPr>
-            <a:picLocks noChangeAspect="1"/>
-          </p:cNvPicPr>
-          <p:nvPr/>
-        </p:nvPicPr>
-        <p:blipFill>
-          <a:blip r:embed="rId2">
-            <a:extLst>
-              <a:ext uri="{28A0092B-C50C-407E-A947-70E740481C1C}">
-                <a14:useLocalDpi xmlns:a14="http://schemas.microsoft.com/office/drawing/2010/main" val="0"/>
-              </a:ext>
-            </a:extLst>
-          </a:blip>
-          <a:stretch>
-            <a:fillRect/>
-          </a:stretch>
-        </p:blipFill>
-        <p:spPr>
-          <a:xfrm>
-            <a:off x="5950038" y="3879760"/>
-            <a:ext cx="2070717" cy="2070717"/>
-          </a:xfrm>
-          <a:prstGeom prst="rect">
-            <a:avLst/>
-          </a:prstGeom>
-        </p:spPr>
-      </p:pic>
-    </p:spTree>
-    <p:extLst>
-      <p:ext uri="{BB962C8B-B14F-4D97-AF65-F5344CB8AC3E}">
-        <p14:creationId xmlns:p14="http://schemas.microsoft.com/office/powerpoint/2010/main" val="2930952734"/>
-      </p:ext>
-    </p:extLst>
-  </p:cSld>
-  <p:clrMapOvr>
-    <a:masterClrMapping/>
-  </p:clrMapOvr>
-  <mc:AlternateContent xmlns:mc="http://schemas.openxmlformats.org/markup-compatibility/2006" xmlns:p14="http://schemas.microsoft.com/office/powerpoint/2010/main">
-    <mc:Choice Requires="p14">
-      <p:transition spd="slow" p14:dur="1500">
-        <p:random/>
-      </p:transition>
-    </mc:Choice>
-    <mc:Fallback xmlns="">
-      <p:transition spd="slow">
-        <p:random/>
-      </p:transition>
-    </mc:Fallback>
-  </mc:AlternateContent>
-</p:sld>
-</file>
-
-<file path=ppt/slides/slide23.xml><?xml version="1.0" encoding="utf-8"?>
-<p:sld xmlns:a="http://schemas.openxmlformats.org/drawingml/2006/main" xmlns:r="http://schemas.openxmlformats.org/officeDocument/2006/relationships" xmlns:p="http://schemas.openxmlformats.org/presentationml/2006/main">
-  <p:cSld>
-    <p:spTree>
-      <p:nvGrpSpPr>
-        <p:cNvPr id="1" name=""/>
-        <p:cNvGrpSpPr/>
-        <p:nvPr/>
-      </p:nvGrpSpPr>
-      <p:grpSpPr>
-        <a:xfrm>
-          <a:off x="0" y="0"/>
-          <a:ext cx="0" cy="0"/>
-          <a:chOff x="0" y="0"/>
-          <a:chExt cx="0" cy="0"/>
-        </a:xfrm>
-      </p:grpSpPr>
-      <p:sp>
-        <p:nvSpPr>
-          <p:cNvPr id="2" name="Título 1"/>
-          <p:cNvSpPr>
-            <a:spLocks noGrp="1"/>
-          </p:cNvSpPr>
-          <p:nvPr>
-            <p:ph type="title"/>
-          </p:nvPr>
-        </p:nvSpPr>
-        <p:spPr>
-          <a:xfrm>
-            <a:off x="609599" y="609600"/>
-            <a:ext cx="8084025" cy="652530"/>
-          </a:xfrm>
-        </p:spPr>
-        <p:txBody>
-          <a:bodyPr>
-            <a:normAutofit/>
-          </a:bodyPr>
-          <a:lstStyle/>
-          <a:p>
-            <a:pPr algn="ctr"/>
-            <a:r>
-              <a:rPr lang="pt-BR" dirty="0">
-                <a:solidFill>
-                  <a:schemeClr val="tx1"/>
-                </a:solidFill>
-              </a:rPr>
-              <a:t>Análise de Projeto (1)</a:t>
-            </a:r>
-          </a:p>
-        </p:txBody>
-      </p:sp>
-      <p:sp>
-        <p:nvSpPr>
-          <p:cNvPr id="3" name="Espaço Reservado para Conteúdo 2"/>
-          <p:cNvSpPr>
-            <a:spLocks noGrp="1"/>
-          </p:cNvSpPr>
-          <p:nvPr>
-            <p:ph idx="1"/>
-          </p:nvPr>
-        </p:nvSpPr>
-        <p:spPr>
-          <a:xfrm>
-            <a:off x="609598" y="1930400"/>
-            <a:ext cx="3034749" cy="4110963"/>
-          </a:xfrm>
-        </p:spPr>
-        <p:txBody>
-          <a:bodyPr/>
-          <a:lstStyle/>
-          <a:p>
-            <a:pPr algn="just"/>
-            <a:r>
-              <a:rPr lang="pt-BR" sz="2800" dirty="0"/>
-              <a:t>Diagrama de  Classes</a:t>
-            </a:r>
-            <a:endParaRPr lang="pt-BR" sz="2400" dirty="0"/>
-          </a:p>
-          <a:p>
-            <a:pPr algn="just"/>
-            <a:endParaRPr lang="pt-BR" dirty="0"/>
-          </a:p>
-        </p:txBody>
-      </p:sp>
-      <p:sp>
-        <p:nvSpPr>
-          <p:cNvPr id="6" name="Espaço Reservado para Número de Slide 5"/>
-          <p:cNvSpPr>
-            <a:spLocks noGrp="1"/>
-          </p:cNvSpPr>
-          <p:nvPr>
-            <p:ph type="sldNum" sz="quarter" idx="12"/>
-          </p:nvPr>
-        </p:nvSpPr>
-        <p:spPr/>
-        <p:txBody>
-          <a:bodyPr/>
-          <a:lstStyle/>
-          <a:p>
-            <a:fld id="{D8C21D6C-D2EB-4035-A5FA-FB33EA0C0521}" type="slidenum">
-              <a:rPr lang="pt-BR" smtClean="0"/>
-              <a:t>23</a:t>
-            </a:fld>
-            <a:endParaRPr lang="pt-BR"/>
-          </a:p>
-        </p:txBody>
-      </p:sp>
-      <p:pic>
-        <p:nvPicPr>
-          <p:cNvPr id="5" name="Imagem 4"/>
-          <p:cNvPicPr>
-            <a:picLocks noChangeAspect="1"/>
-          </p:cNvPicPr>
-          <p:nvPr/>
-        </p:nvPicPr>
-        <p:blipFill>
-          <a:blip r:embed="rId2" cstate="print">
-            <a:extLst>
-              <a:ext uri="{28A0092B-C50C-407E-A947-70E740481C1C}">
-                <a14:useLocalDpi xmlns:a14="http://schemas.microsoft.com/office/drawing/2010/main" val="0"/>
-              </a:ext>
-            </a:extLst>
-          </a:blip>
-          <a:stretch>
-            <a:fillRect/>
-          </a:stretch>
-        </p:blipFill>
-        <p:spPr>
-          <a:xfrm>
-            <a:off x="3875206" y="1345440"/>
-            <a:ext cx="4927600" cy="4927600"/>
-          </a:xfrm>
-          <a:prstGeom prst="rect">
-            <a:avLst/>
-          </a:prstGeom>
-          <a:ln>
-            <a:noFill/>
-          </a:ln>
-          <a:effectLst>
-            <a:outerShdw blurRad="292100" dist="139700" dir="2700000" algn="tl" rotWithShape="0">
-              <a:srgbClr val="333333">
-                <a:alpha val="65000"/>
-              </a:srgbClr>
-            </a:outerShdw>
-          </a:effectLst>
-        </p:spPr>
-      </p:pic>
-    </p:spTree>
-    <p:extLst>
-      <p:ext uri="{BB962C8B-B14F-4D97-AF65-F5344CB8AC3E}">
-        <p14:creationId xmlns:p14="http://schemas.microsoft.com/office/powerpoint/2010/main" val="3141385582"/>
-      </p:ext>
-    </p:extLst>
-  </p:cSld>
-  <p:clrMapOvr>
-    <a:masterClrMapping/>
-  </p:clrMapOvr>
-  <mc:AlternateContent xmlns:mc="http://schemas.openxmlformats.org/markup-compatibility/2006" xmlns:p14="http://schemas.microsoft.com/office/powerpoint/2010/main">
-    <mc:Choice Requires="p14">
-      <p:transition spd="slow" p14:dur="1500">
-        <p:random/>
-      </p:transition>
-    </mc:Choice>
-    <mc:Fallback xmlns="">
-      <p:transition spd="slow">
-        <p:random/>
-      </p:transition>
-    </mc:Fallback>
-  </mc:AlternateContent>
-</p:sld>
-</file>
-
-<file path=ppt/slides/slide24.xml><?xml version="1.0" encoding="utf-8"?>
-<p:sld xmlns:a="http://schemas.openxmlformats.org/drawingml/2006/main" xmlns:r="http://schemas.openxmlformats.org/officeDocument/2006/relationships" xmlns:p="http://schemas.openxmlformats.org/presentationml/2006/main">
-  <p:cSld>
-    <p:spTree>
-      <p:nvGrpSpPr>
-        <p:cNvPr id="1" name=""/>
-        <p:cNvGrpSpPr/>
-        <p:nvPr/>
-      </p:nvGrpSpPr>
-      <p:grpSpPr>
-        <a:xfrm>
-          <a:off x="0" y="0"/>
-          <a:ext cx="0" cy="0"/>
-          <a:chOff x="0" y="0"/>
-          <a:chExt cx="0" cy="0"/>
-        </a:xfrm>
-      </p:grpSpPr>
-      <p:sp>
-        <p:nvSpPr>
-          <p:cNvPr id="2" name="Título 1"/>
-          <p:cNvSpPr>
-            <a:spLocks noGrp="1"/>
-          </p:cNvSpPr>
-          <p:nvPr>
-            <p:ph type="title"/>
-          </p:nvPr>
-        </p:nvSpPr>
-        <p:spPr>
-          <a:xfrm>
-            <a:off x="609599" y="609600"/>
-            <a:ext cx="8084025" cy="652530"/>
-          </a:xfrm>
-        </p:spPr>
-        <p:txBody>
-          <a:bodyPr>
-            <a:normAutofit/>
-          </a:bodyPr>
-          <a:lstStyle/>
-          <a:p>
-            <a:pPr algn="ctr"/>
-            <a:r>
-              <a:rPr lang="pt-BR" dirty="0">
-                <a:solidFill>
-                  <a:schemeClr val="tx1"/>
-                </a:solidFill>
-              </a:rPr>
-              <a:t>Análise de Projeto (1)</a:t>
-            </a:r>
-          </a:p>
-        </p:txBody>
-      </p:sp>
-      <p:sp>
-        <p:nvSpPr>
-          <p:cNvPr id="3" name="Espaço Reservado para Conteúdo 2"/>
-          <p:cNvSpPr>
-            <a:spLocks noGrp="1"/>
-          </p:cNvSpPr>
-          <p:nvPr>
-            <p:ph idx="1"/>
-          </p:nvPr>
-        </p:nvSpPr>
-        <p:spPr>
-          <a:xfrm>
-            <a:off x="609598" y="1577118"/>
-            <a:ext cx="8084025" cy="4464245"/>
-          </a:xfrm>
-        </p:spPr>
-        <p:txBody>
-          <a:bodyPr/>
-          <a:lstStyle/>
-          <a:p>
-            <a:pPr algn="just"/>
-            <a:r>
-              <a:rPr lang="pt-BR" sz="2800" dirty="0"/>
-              <a:t>Diagrama de Sequência</a:t>
-            </a:r>
-            <a:endParaRPr lang="pt-BR" sz="2400" dirty="0"/>
-          </a:p>
-          <a:p>
-            <a:pPr algn="just"/>
-            <a:endParaRPr lang="pt-BR" dirty="0"/>
-          </a:p>
-        </p:txBody>
-      </p:sp>
-      <p:sp>
-        <p:nvSpPr>
-          <p:cNvPr id="6" name="Espaço Reservado para Número de Slide 5"/>
-          <p:cNvSpPr>
-            <a:spLocks noGrp="1"/>
-          </p:cNvSpPr>
-          <p:nvPr>
-            <p:ph type="sldNum" sz="quarter" idx="12"/>
-          </p:nvPr>
-        </p:nvSpPr>
-        <p:spPr/>
-        <p:txBody>
-          <a:bodyPr/>
-          <a:lstStyle/>
-          <a:p>
-            <a:fld id="{D8C21D6C-D2EB-4035-A5FA-FB33EA0C0521}" type="slidenum">
-              <a:rPr lang="pt-BR" smtClean="0"/>
-              <a:t>24</a:t>
-            </a:fld>
-            <a:endParaRPr lang="pt-BR"/>
-          </a:p>
-        </p:txBody>
-      </p:sp>
-      <p:pic>
-        <p:nvPicPr>
-          <p:cNvPr id="5" name="Imagem 4"/>
-          <p:cNvPicPr>
-            <a:picLocks noChangeAspect="1"/>
-          </p:cNvPicPr>
-          <p:nvPr/>
-        </p:nvPicPr>
-        <p:blipFill>
-          <a:blip r:embed="rId2">
-            <a:extLst>
-              <a:ext uri="{28A0092B-C50C-407E-A947-70E740481C1C}">
-                <a14:useLocalDpi xmlns:a14="http://schemas.microsoft.com/office/drawing/2010/main" val="0"/>
-              </a:ext>
-            </a:extLst>
-          </a:blip>
-          <a:stretch>
-            <a:fillRect/>
-          </a:stretch>
-        </p:blipFill>
-        <p:spPr>
-          <a:xfrm>
-            <a:off x="609599" y="2674962"/>
-            <a:ext cx="8038531" cy="3366402"/>
-          </a:xfrm>
-          <a:prstGeom prst="rect">
-            <a:avLst/>
-          </a:prstGeom>
-          <a:ln>
-            <a:noFill/>
-          </a:ln>
-          <a:effectLst>
-            <a:outerShdw blurRad="292100" dist="139700" dir="2700000" algn="tl" rotWithShape="0">
-              <a:srgbClr val="333333">
-                <a:alpha val="65000"/>
-              </a:srgbClr>
-            </a:outerShdw>
-          </a:effectLst>
-        </p:spPr>
-      </p:pic>
-    </p:spTree>
-    <p:extLst>
-      <p:ext uri="{BB962C8B-B14F-4D97-AF65-F5344CB8AC3E}">
-        <p14:creationId xmlns:p14="http://schemas.microsoft.com/office/powerpoint/2010/main" val="2029713769"/>
-      </p:ext>
-    </p:extLst>
-  </p:cSld>
-  <p:clrMapOvr>
-    <a:masterClrMapping/>
-  </p:clrMapOvr>
-  <mc:AlternateContent xmlns:mc="http://schemas.openxmlformats.org/markup-compatibility/2006" xmlns:p14="http://schemas.microsoft.com/office/powerpoint/2010/main">
-    <mc:Choice Requires="p14">
-      <p:transition spd="slow" p14:dur="1500">
-        <p:random/>
-      </p:transition>
-    </mc:Choice>
-    <mc:Fallback xmlns="">
-      <p:transition spd="slow">
-        <p:random/>
-      </p:transition>
-    </mc:Fallback>
-  </mc:AlternateContent>
-</p:sld>
-</file>
-
-<file path=ppt/slides/slide25.xml><?xml version="1.0" encoding="utf-8"?>
-<p:sld xmlns:a="http://schemas.openxmlformats.org/drawingml/2006/main" xmlns:r="http://schemas.openxmlformats.org/officeDocument/2006/relationships" xmlns:p="http://schemas.openxmlformats.org/presentationml/2006/main">
-  <p:cSld>
-    <p:spTree>
-      <p:nvGrpSpPr>
-        <p:cNvPr id="1" name=""/>
-        <p:cNvGrpSpPr/>
-        <p:nvPr/>
-      </p:nvGrpSpPr>
-      <p:grpSpPr>
-        <a:xfrm>
-          <a:off x="0" y="0"/>
-          <a:ext cx="0" cy="0"/>
-          <a:chOff x="0" y="0"/>
-          <a:chExt cx="0" cy="0"/>
-        </a:xfrm>
-      </p:grpSpPr>
-      <p:sp>
-        <p:nvSpPr>
           <p:cNvPr id="6" name="Título 1"/>
           <p:cNvSpPr>
             <a:spLocks noGrp="1"/>
@@ -8432,7 +9502,7 @@
           <a:p>
             <a:fld id="{D8C21D6C-D2EB-4035-A5FA-FB33EA0C0521}" type="slidenum">
               <a:rPr lang="pt-BR" smtClean="0"/>
-              <a:t>25</a:t>
+              <a:t>22</a:t>
             </a:fld>
             <a:endParaRPr lang="pt-BR"/>
           </a:p>
@@ -8493,7 +9563,7 @@
 </p:sld>
 </file>
 
-<file path=ppt/slides/slide26.xml><?xml version="1.0" encoding="utf-8"?>
+<file path=ppt/slides/slide23.xml><?xml version="1.0" encoding="utf-8"?>
 <p:sld xmlns:a="http://schemas.openxmlformats.org/drawingml/2006/main" xmlns:r="http://schemas.openxmlformats.org/officeDocument/2006/relationships" xmlns:p="http://schemas.openxmlformats.org/presentationml/2006/main">
   <p:cSld>
     <p:spTree>
@@ -8625,7 +9695,7 @@
           <a:p>
             <a:fld id="{D8C21D6C-D2EB-4035-A5FA-FB33EA0C0521}" type="slidenum">
               <a:rPr lang="pt-BR" smtClean="0"/>
-              <a:t>26</a:t>
+              <a:t>23</a:t>
             </a:fld>
             <a:endParaRPr lang="pt-BR"/>
           </a:p>
@@ -8686,7 +9756,7 @@
 </p:sld>
 </file>
 
-<file path=ppt/slides/slide27.xml><?xml version="1.0" encoding="utf-8"?>
+<file path=ppt/slides/slide24.xml><?xml version="1.0" encoding="utf-8"?>
 <p:sld xmlns:a="http://schemas.openxmlformats.org/drawingml/2006/main" xmlns:r="http://schemas.openxmlformats.org/officeDocument/2006/relationships" xmlns:p="http://schemas.openxmlformats.org/presentationml/2006/main">
   <p:cSld>
     <p:spTree>
@@ -8813,7 +9883,7 @@
           <a:p>
             <a:fld id="{D8C21D6C-D2EB-4035-A5FA-FB33EA0C0521}" type="slidenum">
               <a:rPr lang="pt-BR" smtClean="0"/>
-              <a:t>27</a:t>
+              <a:t>24</a:t>
             </a:fld>
             <a:endParaRPr lang="pt-BR"/>
           </a:p>
@@ -8952,7 +10022,7 @@
 </p:sld>
 </file>
 
-<file path=ppt/slides/slide28.xml><?xml version="1.0" encoding="utf-8"?>
+<file path=ppt/slides/slide25.xml><?xml version="1.0" encoding="utf-8"?>
 <p:sld xmlns:a="http://schemas.openxmlformats.org/drawingml/2006/main" xmlns:r="http://schemas.openxmlformats.org/officeDocument/2006/relationships" xmlns:p="http://schemas.openxmlformats.org/presentationml/2006/main">
   <p:cSld>
     <p:spTree>
@@ -9027,7 +10097,7 @@
           <a:p>
             <a:fld id="{D8C21D6C-D2EB-4035-A5FA-FB33EA0C0521}" type="slidenum">
               <a:rPr lang="pt-BR" smtClean="0"/>
-              <a:t>28</a:t>
+              <a:t>25</a:t>
             </a:fld>
             <a:endParaRPr lang="pt-BR"/>
           </a:p>
@@ -9088,7 +10158,7 @@
 </p:sld>
 </file>
 
-<file path=ppt/slides/slide29.xml><?xml version="1.0" encoding="utf-8"?>
+<file path=ppt/slides/slide26.xml><?xml version="1.0" encoding="utf-8"?>
 <p:sld xmlns:a="http://schemas.openxmlformats.org/drawingml/2006/main" xmlns:r="http://schemas.openxmlformats.org/officeDocument/2006/relationships" xmlns:p="http://schemas.openxmlformats.org/presentationml/2006/main">
   <p:cSld>
     <p:spTree>
@@ -9174,7 +10244,7 @@
           <a:p>
             <a:fld id="{D8C21D6C-D2EB-4035-A5FA-FB33EA0C0521}" type="slidenum">
               <a:rPr lang="pt-BR" smtClean="0"/>
-              <a:t>29</a:t>
+              <a:t>26</a:t>
             </a:fld>
             <a:endParaRPr lang="pt-BR"/>
           </a:p>
@@ -9184,6 +10254,417 @@
     <p:extLst>
       <p:ext uri="{BB962C8B-B14F-4D97-AF65-F5344CB8AC3E}">
         <p14:creationId xmlns:p14="http://schemas.microsoft.com/office/powerpoint/2010/main" val="341218052"/>
+      </p:ext>
+    </p:extLst>
+  </p:cSld>
+  <p:clrMapOvr>
+    <a:masterClrMapping/>
+  </p:clrMapOvr>
+  <mc:AlternateContent xmlns:mc="http://schemas.openxmlformats.org/markup-compatibility/2006" xmlns:p14="http://schemas.microsoft.com/office/powerpoint/2010/main">
+    <mc:Choice Requires="p14">
+      <p:transition spd="slow" p14:dur="1500">
+        <p:random/>
+      </p:transition>
+    </mc:Choice>
+    <mc:Fallback xmlns="">
+      <p:transition spd="slow">
+        <p:random/>
+      </p:transition>
+    </mc:Fallback>
+  </mc:AlternateContent>
+</p:sld>
+</file>
+
+<file path=ppt/slides/slide27.xml><?xml version="1.0" encoding="utf-8"?>
+<p:sld xmlns:a="http://schemas.openxmlformats.org/drawingml/2006/main" xmlns:r="http://schemas.openxmlformats.org/officeDocument/2006/relationships" xmlns:p="http://schemas.openxmlformats.org/presentationml/2006/main">
+  <p:cSld>
+    <p:spTree>
+      <p:nvGrpSpPr>
+        <p:cNvPr id="1" name=""/>
+        <p:cNvGrpSpPr/>
+        <p:nvPr/>
+      </p:nvGrpSpPr>
+      <p:grpSpPr>
+        <a:xfrm>
+          <a:off x="0" y="0"/>
+          <a:ext cx="0" cy="0"/>
+          <a:chOff x="0" y="0"/>
+          <a:chExt cx="0" cy="0"/>
+        </a:xfrm>
+      </p:grpSpPr>
+      <p:sp>
+        <p:nvSpPr>
+          <p:cNvPr id="2" name="Título 1"/>
+          <p:cNvSpPr>
+            <a:spLocks noGrp="1"/>
+          </p:cNvSpPr>
+          <p:nvPr>
+            <p:ph type="title"/>
+          </p:nvPr>
+        </p:nvSpPr>
+        <p:spPr/>
+        <p:txBody>
+          <a:bodyPr/>
+          <a:lstStyle/>
+          <a:p>
+            <a:pPr algn="ctr"/>
+            <a:r>
+              <a:rPr lang="pt-BR" dirty="0"/>
+              <a:t>Tela de Login (Aluno)</a:t>
+            </a:r>
+          </a:p>
+        </p:txBody>
+      </p:sp>
+      <p:pic>
+        <p:nvPicPr>
+          <p:cNvPr id="4" name="Espaço Reservado para Conteúdo 3"/>
+          <p:cNvPicPr>
+            <a:picLocks noGrp="1" noChangeAspect="1"/>
+          </p:cNvPicPr>
+          <p:nvPr>
+            <p:ph idx="1"/>
+          </p:nvPr>
+        </p:nvPicPr>
+        <p:blipFill>
+          <a:blip r:embed="rId2">
+            <a:extLst>
+              <a:ext uri="{28A0092B-C50C-407E-A947-70E740481C1C}">
+                <a14:useLocalDpi xmlns:a14="http://schemas.microsoft.com/office/drawing/2010/main" val="0"/>
+              </a:ext>
+            </a:extLst>
+          </a:blip>
+          <a:stretch>
+            <a:fillRect/>
+          </a:stretch>
+        </p:blipFill>
+        <p:spPr>
+          <a:xfrm>
+            <a:off x="1117857" y="1800764"/>
+            <a:ext cx="2458219" cy="3691182"/>
+          </a:xfrm>
+        </p:spPr>
+      </p:pic>
+      <p:sp>
+        <p:nvSpPr>
+          <p:cNvPr id="6" name="Espaço Reservado para Número de Slide 5"/>
+          <p:cNvSpPr>
+            <a:spLocks noGrp="1"/>
+          </p:cNvSpPr>
+          <p:nvPr>
+            <p:ph type="sldNum" sz="quarter" idx="12"/>
+          </p:nvPr>
+        </p:nvSpPr>
+        <p:spPr/>
+        <p:txBody>
+          <a:bodyPr/>
+          <a:lstStyle/>
+          <a:p>
+            <a:fld id="{D8C21D6C-D2EB-4035-A5FA-FB33EA0C0521}" type="slidenum">
+              <a:rPr lang="pt-BR" smtClean="0"/>
+              <a:t>27</a:t>
+            </a:fld>
+            <a:endParaRPr lang="pt-BR"/>
+          </a:p>
+        </p:txBody>
+      </p:sp>
+      <p:pic>
+        <p:nvPicPr>
+          <p:cNvPr id="3" name="Imagem 2"/>
+          <p:cNvPicPr>
+            <a:picLocks noChangeAspect="1"/>
+          </p:cNvPicPr>
+          <p:nvPr/>
+        </p:nvPicPr>
+        <p:blipFill>
+          <a:blip r:embed="rId3">
+            <a:extLst>
+              <a:ext uri="{28A0092B-C50C-407E-A947-70E740481C1C}">
+                <a14:useLocalDpi xmlns:a14="http://schemas.microsoft.com/office/drawing/2010/main" val="0"/>
+              </a:ext>
+            </a:extLst>
+          </a:blip>
+          <a:stretch>
+            <a:fillRect/>
+          </a:stretch>
+        </p:blipFill>
+        <p:spPr>
+          <a:xfrm>
+            <a:off x="5232637" y="1800764"/>
+            <a:ext cx="2450626" cy="3691182"/>
+          </a:xfrm>
+          <a:prstGeom prst="rect">
+            <a:avLst/>
+          </a:prstGeom>
+        </p:spPr>
+      </p:pic>
+    </p:spTree>
+    <p:extLst>
+      <p:ext uri="{BB962C8B-B14F-4D97-AF65-F5344CB8AC3E}">
+        <p14:creationId xmlns:p14="http://schemas.microsoft.com/office/powerpoint/2010/main" val="3481658783"/>
+      </p:ext>
+    </p:extLst>
+  </p:cSld>
+  <p:clrMapOvr>
+    <a:masterClrMapping/>
+  </p:clrMapOvr>
+  <mc:AlternateContent xmlns:mc="http://schemas.openxmlformats.org/markup-compatibility/2006" xmlns:p14="http://schemas.microsoft.com/office/powerpoint/2010/main">
+    <mc:Choice Requires="p14">
+      <p:transition spd="slow" p14:dur="1500">
+        <p:random/>
+      </p:transition>
+    </mc:Choice>
+    <mc:Fallback xmlns="">
+      <p:transition spd="slow">
+        <p:random/>
+      </p:transition>
+    </mc:Fallback>
+  </mc:AlternateContent>
+</p:sld>
+</file>
+
+<file path=ppt/slides/slide28.xml><?xml version="1.0" encoding="utf-8"?>
+<p:sld xmlns:a="http://schemas.openxmlformats.org/drawingml/2006/main" xmlns:r="http://schemas.openxmlformats.org/officeDocument/2006/relationships" xmlns:p="http://schemas.openxmlformats.org/presentationml/2006/main">
+  <p:cSld>
+    <p:spTree>
+      <p:nvGrpSpPr>
+        <p:cNvPr id="1" name=""/>
+        <p:cNvGrpSpPr/>
+        <p:nvPr/>
+      </p:nvGrpSpPr>
+      <p:grpSpPr>
+        <a:xfrm>
+          <a:off x="0" y="0"/>
+          <a:ext cx="0" cy="0"/>
+          <a:chOff x="0" y="0"/>
+          <a:chExt cx="0" cy="0"/>
+        </a:xfrm>
+      </p:grpSpPr>
+      <p:sp>
+        <p:nvSpPr>
+          <p:cNvPr id="2" name="Título 1"/>
+          <p:cNvSpPr>
+            <a:spLocks noGrp="1"/>
+          </p:cNvSpPr>
+          <p:nvPr>
+            <p:ph type="title"/>
+          </p:nvPr>
+        </p:nvSpPr>
+        <p:spPr/>
+        <p:txBody>
+          <a:bodyPr/>
+          <a:lstStyle/>
+          <a:p>
+            <a:pPr algn="ctr"/>
+            <a:r>
+              <a:rPr lang="pt-BR" dirty="0"/>
+              <a:t>Tela Inicial (Professor)</a:t>
+            </a:r>
+          </a:p>
+        </p:txBody>
+      </p:sp>
+      <p:pic>
+        <p:nvPicPr>
+          <p:cNvPr id="4" name="Espaço Reservado para Conteúdo 3"/>
+          <p:cNvPicPr>
+            <a:picLocks noGrp="1" noChangeAspect="1"/>
+          </p:cNvPicPr>
+          <p:nvPr>
+            <p:ph idx="1"/>
+          </p:nvPr>
+        </p:nvPicPr>
+        <p:blipFill>
+          <a:blip r:embed="rId2">
+            <a:extLst>
+              <a:ext uri="{28A0092B-C50C-407E-A947-70E740481C1C}">
+                <a14:useLocalDpi xmlns:a14="http://schemas.microsoft.com/office/drawing/2010/main" val="0"/>
+              </a:ext>
+            </a:extLst>
+          </a:blip>
+          <a:stretch>
+            <a:fillRect/>
+          </a:stretch>
+        </p:blipFill>
+        <p:spPr>
+          <a:xfrm>
+            <a:off x="727925" y="1970873"/>
+            <a:ext cx="7787425" cy="3678510"/>
+          </a:xfrm>
+        </p:spPr>
+      </p:pic>
+      <p:sp>
+        <p:nvSpPr>
+          <p:cNvPr id="5" name="Espaço Reservado para Número de Slide 4"/>
+          <p:cNvSpPr>
+            <a:spLocks noGrp="1"/>
+          </p:cNvSpPr>
+          <p:nvPr>
+            <p:ph type="sldNum" sz="quarter" idx="12"/>
+          </p:nvPr>
+        </p:nvSpPr>
+        <p:spPr/>
+        <p:txBody>
+          <a:bodyPr/>
+          <a:lstStyle/>
+          <a:p>
+            <a:fld id="{D8C21D6C-D2EB-4035-A5FA-FB33EA0C0521}" type="slidenum">
+              <a:rPr lang="pt-BR" smtClean="0"/>
+              <a:t>28</a:t>
+            </a:fld>
+            <a:endParaRPr lang="pt-BR"/>
+          </a:p>
+        </p:txBody>
+      </p:sp>
+    </p:spTree>
+    <p:extLst>
+      <p:ext uri="{BB962C8B-B14F-4D97-AF65-F5344CB8AC3E}">
+        <p14:creationId xmlns:p14="http://schemas.microsoft.com/office/powerpoint/2010/main" val="1877048581"/>
+      </p:ext>
+    </p:extLst>
+  </p:cSld>
+  <p:clrMapOvr>
+    <a:masterClrMapping/>
+  </p:clrMapOvr>
+  <mc:AlternateContent xmlns:mc="http://schemas.openxmlformats.org/markup-compatibility/2006" xmlns:p14="http://schemas.microsoft.com/office/powerpoint/2010/main">
+    <mc:Choice Requires="p14">
+      <p:transition spd="slow" p14:dur="1500">
+        <p:random/>
+      </p:transition>
+    </mc:Choice>
+    <mc:Fallback xmlns="">
+      <p:transition spd="slow">
+        <p:random/>
+      </p:transition>
+    </mc:Fallback>
+  </mc:AlternateContent>
+</p:sld>
+</file>
+
+<file path=ppt/slides/slide29.xml><?xml version="1.0" encoding="utf-8"?>
+<p:sld xmlns:a="http://schemas.openxmlformats.org/drawingml/2006/main" xmlns:r="http://schemas.openxmlformats.org/officeDocument/2006/relationships" xmlns:p="http://schemas.openxmlformats.org/presentationml/2006/main">
+  <p:cSld>
+    <p:spTree>
+      <p:nvGrpSpPr>
+        <p:cNvPr id="1" name=""/>
+        <p:cNvGrpSpPr/>
+        <p:nvPr/>
+      </p:nvGrpSpPr>
+      <p:grpSpPr>
+        <a:xfrm>
+          <a:off x="0" y="0"/>
+          <a:ext cx="0" cy="0"/>
+          <a:chOff x="0" y="0"/>
+          <a:chExt cx="0" cy="0"/>
+        </a:xfrm>
+      </p:grpSpPr>
+      <p:sp>
+        <p:nvSpPr>
+          <p:cNvPr id="2" name="Título 1"/>
+          <p:cNvSpPr>
+            <a:spLocks noGrp="1"/>
+          </p:cNvSpPr>
+          <p:nvPr>
+            <p:ph type="title"/>
+          </p:nvPr>
+        </p:nvSpPr>
+        <p:spPr/>
+        <p:txBody>
+          <a:bodyPr/>
+          <a:lstStyle/>
+          <a:p>
+            <a:pPr algn="ctr"/>
+            <a:r>
+              <a:rPr lang="pt-BR" dirty="0"/>
+              <a:t>Tela Inicial (Aluno)</a:t>
+            </a:r>
+          </a:p>
+        </p:txBody>
+      </p:sp>
+      <p:pic>
+        <p:nvPicPr>
+          <p:cNvPr id="4" name="Espaço Reservado para Conteúdo 3"/>
+          <p:cNvPicPr>
+            <a:picLocks noGrp="1" noChangeAspect="1"/>
+          </p:cNvPicPr>
+          <p:nvPr>
+            <p:ph idx="1"/>
+          </p:nvPr>
+        </p:nvPicPr>
+        <p:blipFill>
+          <a:blip r:embed="rId2">
+            <a:extLst>
+              <a:ext uri="{28A0092B-C50C-407E-A947-70E740481C1C}">
+                <a14:useLocalDpi xmlns:a14="http://schemas.microsoft.com/office/drawing/2010/main" val="0"/>
+              </a:ext>
+            </a:extLst>
+          </a:blip>
+          <a:stretch>
+            <a:fillRect/>
+          </a:stretch>
+        </p:blipFill>
+        <p:spPr>
+          <a:xfrm>
+            <a:off x="5390866" y="1501254"/>
+            <a:ext cx="2871315" cy="4162567"/>
+          </a:xfrm>
+        </p:spPr>
+      </p:pic>
+      <p:sp>
+        <p:nvSpPr>
+          <p:cNvPr id="5" name="Espaço Reservado para Número de Slide 4"/>
+          <p:cNvSpPr>
+            <a:spLocks noGrp="1"/>
+          </p:cNvSpPr>
+          <p:nvPr>
+            <p:ph type="sldNum" sz="quarter" idx="12"/>
+          </p:nvPr>
+        </p:nvSpPr>
+        <p:spPr/>
+        <p:txBody>
+          <a:bodyPr/>
+          <a:lstStyle/>
+          <a:p>
+            <a:fld id="{D8C21D6C-D2EB-4035-A5FA-FB33EA0C0521}" type="slidenum">
+              <a:rPr lang="pt-BR" smtClean="0"/>
+              <a:t>29</a:t>
+            </a:fld>
+            <a:endParaRPr lang="pt-BR"/>
+          </a:p>
+        </p:txBody>
+      </p:sp>
+      <p:pic>
+        <p:nvPicPr>
+          <p:cNvPr id="6" name="Espaço Reservado para Conteúdo 3"/>
+          <p:cNvPicPr>
+            <a:picLocks noChangeAspect="1"/>
+          </p:cNvPicPr>
+          <p:nvPr/>
+        </p:nvPicPr>
+        <p:blipFill>
+          <a:blip r:embed="rId3">
+            <a:extLst>
+              <a:ext uri="{28A0092B-C50C-407E-A947-70E740481C1C}">
+                <a14:useLocalDpi xmlns:a14="http://schemas.microsoft.com/office/drawing/2010/main" val="0"/>
+              </a:ext>
+            </a:extLst>
+          </a:blip>
+          <a:stretch>
+            <a:fillRect/>
+          </a:stretch>
+        </p:blipFill>
+        <p:spPr>
+          <a:xfrm>
+            <a:off x="1389340" y="1501254"/>
+            <a:ext cx="2772147" cy="4162567"/>
+          </a:xfrm>
+          <a:prstGeom prst="rect">
+            <a:avLst/>
+          </a:prstGeom>
+        </p:spPr>
+      </p:pic>
+    </p:spTree>
+    <p:extLst>
+      <p:ext uri="{BB962C8B-B14F-4D97-AF65-F5344CB8AC3E}">
+        <p14:creationId xmlns:p14="http://schemas.microsoft.com/office/powerpoint/2010/main" val="4199151643"/>
       </p:ext>
     </p:extLst>
   </p:cSld>
@@ -9429,7 +10910,12 @@
             <p:ph type="title"/>
           </p:nvPr>
         </p:nvSpPr>
-        <p:spPr/>
+        <p:spPr>
+          <a:xfrm>
+            <a:off x="609599" y="609600"/>
+            <a:ext cx="7787426" cy="1320800"/>
+          </a:xfrm>
+        </p:spPr>
         <p:txBody>
           <a:bodyPr/>
           <a:lstStyle/>
@@ -9437,7 +10923,7 @@
             <a:pPr algn="ctr"/>
             <a:r>
               <a:rPr lang="pt-BR" dirty="0"/>
-              <a:t>Tela de Login (Aluno)</a:t>
+              <a:t>Tela Inicial do Grupo (Professor)</a:t>
             </a:r>
           </a:p>
         </p:txBody>
@@ -9466,14 +10952,14 @@
         </p:blipFill>
         <p:spPr>
           <a:xfrm>
-            <a:off x="1117857" y="1800764"/>
-            <a:ext cx="2458219" cy="3691182"/>
+            <a:off x="727927" y="1931396"/>
+            <a:ext cx="7787423" cy="3656951"/>
           </a:xfrm>
         </p:spPr>
       </p:pic>
       <p:sp>
         <p:nvSpPr>
-          <p:cNvPr id="6" name="Espaço Reservado para Número de Slide 5"/>
+          <p:cNvPr id="5" name="Espaço Reservado para Número de Slide 4"/>
           <p:cNvSpPr>
             <a:spLocks noGrp="1"/>
           </p:cNvSpPr>
@@ -9494,40 +10980,10 @@
           </a:p>
         </p:txBody>
       </p:sp>
-      <p:pic>
-        <p:nvPicPr>
-          <p:cNvPr id="3" name="Imagem 2"/>
-          <p:cNvPicPr>
-            <a:picLocks noChangeAspect="1"/>
-          </p:cNvPicPr>
-          <p:nvPr/>
-        </p:nvPicPr>
-        <p:blipFill>
-          <a:blip r:embed="rId3">
-            <a:extLst>
-              <a:ext uri="{28A0092B-C50C-407E-A947-70E740481C1C}">
-                <a14:useLocalDpi xmlns:a14="http://schemas.microsoft.com/office/drawing/2010/main" val="0"/>
-              </a:ext>
-            </a:extLst>
-          </a:blip>
-          <a:stretch>
-            <a:fillRect/>
-          </a:stretch>
-        </p:blipFill>
-        <p:spPr>
-          <a:xfrm>
-            <a:off x="5232637" y="1800764"/>
-            <a:ext cx="2450626" cy="3691182"/>
-          </a:xfrm>
-          <a:prstGeom prst="rect">
-            <a:avLst/>
-          </a:prstGeom>
-        </p:spPr>
-      </p:pic>
     </p:spTree>
     <p:extLst>
       <p:ext uri="{BB962C8B-B14F-4D97-AF65-F5344CB8AC3E}">
-        <p14:creationId xmlns:p14="http://schemas.microsoft.com/office/powerpoint/2010/main" val="3481658783"/>
+        <p14:creationId xmlns:p14="http://schemas.microsoft.com/office/powerpoint/2010/main" val="1703090186"/>
       </p:ext>
     </p:extLst>
   </p:cSld>
@@ -9576,392 +11032,6 @@
             <p:ph type="title"/>
           </p:nvPr>
         </p:nvSpPr>
-        <p:spPr/>
-        <p:txBody>
-          <a:bodyPr/>
-          <a:lstStyle/>
-          <a:p>
-            <a:pPr algn="ctr"/>
-            <a:r>
-              <a:rPr lang="pt-BR" dirty="0"/>
-              <a:t>Tela Inicial (Professor)</a:t>
-            </a:r>
-          </a:p>
-        </p:txBody>
-      </p:sp>
-      <p:pic>
-        <p:nvPicPr>
-          <p:cNvPr id="4" name="Espaço Reservado para Conteúdo 3"/>
-          <p:cNvPicPr>
-            <a:picLocks noGrp="1" noChangeAspect="1"/>
-          </p:cNvPicPr>
-          <p:nvPr>
-            <p:ph idx="1"/>
-          </p:nvPr>
-        </p:nvPicPr>
-        <p:blipFill>
-          <a:blip r:embed="rId2">
-            <a:extLst>
-              <a:ext uri="{28A0092B-C50C-407E-A947-70E740481C1C}">
-                <a14:useLocalDpi xmlns:a14="http://schemas.microsoft.com/office/drawing/2010/main" val="0"/>
-              </a:ext>
-            </a:extLst>
-          </a:blip>
-          <a:stretch>
-            <a:fillRect/>
-          </a:stretch>
-        </p:blipFill>
-        <p:spPr>
-          <a:xfrm>
-            <a:off x="727925" y="1970873"/>
-            <a:ext cx="7787425" cy="3678510"/>
-          </a:xfrm>
-        </p:spPr>
-      </p:pic>
-      <p:sp>
-        <p:nvSpPr>
-          <p:cNvPr id="5" name="Espaço Reservado para Número de Slide 4"/>
-          <p:cNvSpPr>
-            <a:spLocks noGrp="1"/>
-          </p:cNvSpPr>
-          <p:nvPr>
-            <p:ph type="sldNum" sz="quarter" idx="12"/>
-          </p:nvPr>
-        </p:nvSpPr>
-        <p:spPr/>
-        <p:txBody>
-          <a:bodyPr/>
-          <a:lstStyle/>
-          <a:p>
-            <a:fld id="{D8C21D6C-D2EB-4035-A5FA-FB33EA0C0521}" type="slidenum">
-              <a:rPr lang="pt-BR" smtClean="0"/>
-              <a:t>31</a:t>
-            </a:fld>
-            <a:endParaRPr lang="pt-BR"/>
-          </a:p>
-        </p:txBody>
-      </p:sp>
-    </p:spTree>
-    <p:extLst>
-      <p:ext uri="{BB962C8B-B14F-4D97-AF65-F5344CB8AC3E}">
-        <p14:creationId xmlns:p14="http://schemas.microsoft.com/office/powerpoint/2010/main" val="1877048581"/>
-      </p:ext>
-    </p:extLst>
-  </p:cSld>
-  <p:clrMapOvr>
-    <a:masterClrMapping/>
-  </p:clrMapOvr>
-  <mc:AlternateContent xmlns:mc="http://schemas.openxmlformats.org/markup-compatibility/2006" xmlns:p14="http://schemas.microsoft.com/office/powerpoint/2010/main">
-    <mc:Choice Requires="p14">
-      <p:transition spd="slow" p14:dur="1500">
-        <p:random/>
-      </p:transition>
-    </mc:Choice>
-    <mc:Fallback xmlns="">
-      <p:transition spd="slow">
-        <p:random/>
-      </p:transition>
-    </mc:Fallback>
-  </mc:AlternateContent>
-</p:sld>
-</file>
-
-<file path=ppt/slides/slide32.xml><?xml version="1.0" encoding="utf-8"?>
-<p:sld xmlns:a="http://schemas.openxmlformats.org/drawingml/2006/main" xmlns:r="http://schemas.openxmlformats.org/officeDocument/2006/relationships" xmlns:p="http://schemas.openxmlformats.org/presentationml/2006/main">
-  <p:cSld>
-    <p:spTree>
-      <p:nvGrpSpPr>
-        <p:cNvPr id="1" name=""/>
-        <p:cNvGrpSpPr/>
-        <p:nvPr/>
-      </p:nvGrpSpPr>
-      <p:grpSpPr>
-        <a:xfrm>
-          <a:off x="0" y="0"/>
-          <a:ext cx="0" cy="0"/>
-          <a:chOff x="0" y="0"/>
-          <a:chExt cx="0" cy="0"/>
-        </a:xfrm>
-      </p:grpSpPr>
-      <p:sp>
-        <p:nvSpPr>
-          <p:cNvPr id="2" name="Título 1"/>
-          <p:cNvSpPr>
-            <a:spLocks noGrp="1"/>
-          </p:cNvSpPr>
-          <p:nvPr>
-            <p:ph type="title"/>
-          </p:nvPr>
-        </p:nvSpPr>
-        <p:spPr/>
-        <p:txBody>
-          <a:bodyPr/>
-          <a:lstStyle/>
-          <a:p>
-            <a:pPr algn="ctr"/>
-            <a:r>
-              <a:rPr lang="pt-BR" dirty="0"/>
-              <a:t>Tela Inicial (Aluno)</a:t>
-            </a:r>
-          </a:p>
-        </p:txBody>
-      </p:sp>
-      <p:pic>
-        <p:nvPicPr>
-          <p:cNvPr id="4" name="Espaço Reservado para Conteúdo 3"/>
-          <p:cNvPicPr>
-            <a:picLocks noGrp="1" noChangeAspect="1"/>
-          </p:cNvPicPr>
-          <p:nvPr>
-            <p:ph idx="1"/>
-          </p:nvPr>
-        </p:nvPicPr>
-        <p:blipFill>
-          <a:blip r:embed="rId2">
-            <a:extLst>
-              <a:ext uri="{28A0092B-C50C-407E-A947-70E740481C1C}">
-                <a14:useLocalDpi xmlns:a14="http://schemas.microsoft.com/office/drawing/2010/main" val="0"/>
-              </a:ext>
-            </a:extLst>
-          </a:blip>
-          <a:stretch>
-            <a:fillRect/>
-          </a:stretch>
-        </p:blipFill>
-        <p:spPr>
-          <a:xfrm>
-            <a:off x="5390866" y="1501254"/>
-            <a:ext cx="2871315" cy="4162567"/>
-          </a:xfrm>
-        </p:spPr>
-      </p:pic>
-      <p:sp>
-        <p:nvSpPr>
-          <p:cNvPr id="5" name="Espaço Reservado para Número de Slide 4"/>
-          <p:cNvSpPr>
-            <a:spLocks noGrp="1"/>
-          </p:cNvSpPr>
-          <p:nvPr>
-            <p:ph type="sldNum" sz="quarter" idx="12"/>
-          </p:nvPr>
-        </p:nvSpPr>
-        <p:spPr/>
-        <p:txBody>
-          <a:bodyPr/>
-          <a:lstStyle/>
-          <a:p>
-            <a:fld id="{D8C21D6C-D2EB-4035-A5FA-FB33EA0C0521}" type="slidenum">
-              <a:rPr lang="pt-BR" smtClean="0"/>
-              <a:t>32</a:t>
-            </a:fld>
-            <a:endParaRPr lang="pt-BR"/>
-          </a:p>
-        </p:txBody>
-      </p:sp>
-      <p:pic>
-        <p:nvPicPr>
-          <p:cNvPr id="6" name="Espaço Reservado para Conteúdo 3"/>
-          <p:cNvPicPr>
-            <a:picLocks noChangeAspect="1"/>
-          </p:cNvPicPr>
-          <p:nvPr/>
-        </p:nvPicPr>
-        <p:blipFill>
-          <a:blip r:embed="rId3">
-            <a:extLst>
-              <a:ext uri="{28A0092B-C50C-407E-A947-70E740481C1C}">
-                <a14:useLocalDpi xmlns:a14="http://schemas.microsoft.com/office/drawing/2010/main" val="0"/>
-              </a:ext>
-            </a:extLst>
-          </a:blip>
-          <a:stretch>
-            <a:fillRect/>
-          </a:stretch>
-        </p:blipFill>
-        <p:spPr>
-          <a:xfrm>
-            <a:off x="1389340" y="1501254"/>
-            <a:ext cx="2772147" cy="4162567"/>
-          </a:xfrm>
-          <a:prstGeom prst="rect">
-            <a:avLst/>
-          </a:prstGeom>
-        </p:spPr>
-      </p:pic>
-    </p:spTree>
-    <p:extLst>
-      <p:ext uri="{BB962C8B-B14F-4D97-AF65-F5344CB8AC3E}">
-        <p14:creationId xmlns:p14="http://schemas.microsoft.com/office/powerpoint/2010/main" val="4199151643"/>
-      </p:ext>
-    </p:extLst>
-  </p:cSld>
-  <p:clrMapOvr>
-    <a:masterClrMapping/>
-  </p:clrMapOvr>
-  <mc:AlternateContent xmlns:mc="http://schemas.openxmlformats.org/markup-compatibility/2006" xmlns:p14="http://schemas.microsoft.com/office/powerpoint/2010/main">
-    <mc:Choice Requires="p14">
-      <p:transition spd="slow" p14:dur="1500">
-        <p:random/>
-      </p:transition>
-    </mc:Choice>
-    <mc:Fallback xmlns="">
-      <p:transition spd="slow">
-        <p:random/>
-      </p:transition>
-    </mc:Fallback>
-  </mc:AlternateContent>
-</p:sld>
-</file>
-
-<file path=ppt/slides/slide33.xml><?xml version="1.0" encoding="utf-8"?>
-<p:sld xmlns:a="http://schemas.openxmlformats.org/drawingml/2006/main" xmlns:r="http://schemas.openxmlformats.org/officeDocument/2006/relationships" xmlns:p="http://schemas.openxmlformats.org/presentationml/2006/main">
-  <p:cSld>
-    <p:spTree>
-      <p:nvGrpSpPr>
-        <p:cNvPr id="1" name=""/>
-        <p:cNvGrpSpPr/>
-        <p:nvPr/>
-      </p:nvGrpSpPr>
-      <p:grpSpPr>
-        <a:xfrm>
-          <a:off x="0" y="0"/>
-          <a:ext cx="0" cy="0"/>
-          <a:chOff x="0" y="0"/>
-          <a:chExt cx="0" cy="0"/>
-        </a:xfrm>
-      </p:grpSpPr>
-      <p:sp>
-        <p:nvSpPr>
-          <p:cNvPr id="2" name="Título 1"/>
-          <p:cNvSpPr>
-            <a:spLocks noGrp="1"/>
-          </p:cNvSpPr>
-          <p:nvPr>
-            <p:ph type="title"/>
-          </p:nvPr>
-        </p:nvSpPr>
-        <p:spPr>
-          <a:xfrm>
-            <a:off x="609599" y="609600"/>
-            <a:ext cx="7787426" cy="1320800"/>
-          </a:xfrm>
-        </p:spPr>
-        <p:txBody>
-          <a:bodyPr/>
-          <a:lstStyle/>
-          <a:p>
-            <a:pPr algn="ctr"/>
-            <a:r>
-              <a:rPr lang="pt-BR" dirty="0"/>
-              <a:t>Tela Inicial do Grupo (Professor)</a:t>
-            </a:r>
-          </a:p>
-        </p:txBody>
-      </p:sp>
-      <p:pic>
-        <p:nvPicPr>
-          <p:cNvPr id="4" name="Espaço Reservado para Conteúdo 3"/>
-          <p:cNvPicPr>
-            <a:picLocks noGrp="1" noChangeAspect="1"/>
-          </p:cNvPicPr>
-          <p:nvPr>
-            <p:ph idx="1"/>
-          </p:nvPr>
-        </p:nvPicPr>
-        <p:blipFill>
-          <a:blip r:embed="rId2">
-            <a:extLst>
-              <a:ext uri="{28A0092B-C50C-407E-A947-70E740481C1C}">
-                <a14:useLocalDpi xmlns:a14="http://schemas.microsoft.com/office/drawing/2010/main" val="0"/>
-              </a:ext>
-            </a:extLst>
-          </a:blip>
-          <a:stretch>
-            <a:fillRect/>
-          </a:stretch>
-        </p:blipFill>
-        <p:spPr>
-          <a:xfrm>
-            <a:off x="727927" y="1931396"/>
-            <a:ext cx="7787423" cy="3656951"/>
-          </a:xfrm>
-        </p:spPr>
-      </p:pic>
-      <p:sp>
-        <p:nvSpPr>
-          <p:cNvPr id="5" name="Espaço Reservado para Número de Slide 4"/>
-          <p:cNvSpPr>
-            <a:spLocks noGrp="1"/>
-          </p:cNvSpPr>
-          <p:nvPr>
-            <p:ph type="sldNum" sz="quarter" idx="12"/>
-          </p:nvPr>
-        </p:nvSpPr>
-        <p:spPr/>
-        <p:txBody>
-          <a:bodyPr/>
-          <a:lstStyle/>
-          <a:p>
-            <a:fld id="{D8C21D6C-D2EB-4035-A5FA-FB33EA0C0521}" type="slidenum">
-              <a:rPr lang="pt-BR" smtClean="0"/>
-              <a:t>33</a:t>
-            </a:fld>
-            <a:endParaRPr lang="pt-BR"/>
-          </a:p>
-        </p:txBody>
-      </p:sp>
-    </p:spTree>
-    <p:extLst>
-      <p:ext uri="{BB962C8B-B14F-4D97-AF65-F5344CB8AC3E}">
-        <p14:creationId xmlns:p14="http://schemas.microsoft.com/office/powerpoint/2010/main" val="1703090186"/>
-      </p:ext>
-    </p:extLst>
-  </p:cSld>
-  <p:clrMapOvr>
-    <a:masterClrMapping/>
-  </p:clrMapOvr>
-  <mc:AlternateContent xmlns:mc="http://schemas.openxmlformats.org/markup-compatibility/2006" xmlns:p14="http://schemas.microsoft.com/office/powerpoint/2010/main">
-    <mc:Choice Requires="p14">
-      <p:transition spd="slow" p14:dur="1500">
-        <p:random/>
-      </p:transition>
-    </mc:Choice>
-    <mc:Fallback xmlns="">
-      <p:transition spd="slow">
-        <p:random/>
-      </p:transition>
-    </mc:Fallback>
-  </mc:AlternateContent>
-</p:sld>
-</file>
-
-<file path=ppt/slides/slide34.xml><?xml version="1.0" encoding="utf-8"?>
-<p:sld xmlns:a="http://schemas.openxmlformats.org/drawingml/2006/main" xmlns:r="http://schemas.openxmlformats.org/officeDocument/2006/relationships" xmlns:p="http://schemas.openxmlformats.org/presentationml/2006/main">
-  <p:cSld>
-    <p:spTree>
-      <p:nvGrpSpPr>
-        <p:cNvPr id="1" name=""/>
-        <p:cNvGrpSpPr/>
-        <p:nvPr/>
-      </p:nvGrpSpPr>
-      <p:grpSpPr>
-        <a:xfrm>
-          <a:off x="0" y="0"/>
-          <a:ext cx="0" cy="0"/>
-          <a:chOff x="0" y="0"/>
-          <a:chExt cx="0" cy="0"/>
-        </a:xfrm>
-      </p:grpSpPr>
-      <p:sp>
-        <p:nvSpPr>
-          <p:cNvPr id="2" name="Título 1"/>
-          <p:cNvSpPr>
-            <a:spLocks noGrp="1"/>
-          </p:cNvSpPr>
-          <p:nvPr>
-            <p:ph type="title"/>
-          </p:nvPr>
-        </p:nvSpPr>
         <p:spPr>
           <a:xfrm>
             <a:off x="609599" y="609600"/>
@@ -10026,7 +11096,7 @@
           <a:p>
             <a:fld id="{D8C21D6C-D2EB-4035-A5FA-FB33EA0C0521}" type="slidenum">
               <a:rPr lang="pt-BR" smtClean="0"/>
-              <a:t>34</a:t>
+              <a:t>31</a:t>
             </a:fld>
             <a:endParaRPr lang="pt-BR"/>
           </a:p>
@@ -10087,7 +11157,7 @@
 </p:sld>
 </file>
 
-<file path=ppt/slides/slide35.xml><?xml version="1.0" encoding="utf-8"?>
+<file path=ppt/slides/slide32.xml><?xml version="1.0" encoding="utf-8"?>
 <p:sld xmlns:a="http://schemas.openxmlformats.org/drawingml/2006/main" xmlns:r="http://schemas.openxmlformats.org/officeDocument/2006/relationships" xmlns:p="http://schemas.openxmlformats.org/presentationml/2006/main">
   <p:cSld>
     <p:spTree>
@@ -10231,7 +11301,7 @@
           <a:p>
             <a:fld id="{D8C21D6C-D2EB-4035-A5FA-FB33EA0C0521}" type="slidenum">
               <a:rPr lang="pt-BR" smtClean="0"/>
-              <a:t>35</a:t>
+              <a:t>32</a:t>
             </a:fld>
             <a:endParaRPr lang="pt-BR"/>
           </a:p>
@@ -10262,7 +11332,7 @@
 </p:sld>
 </file>
 
-<file path=ppt/slides/slide36.xml><?xml version="1.0" encoding="utf-8"?>
+<file path=ppt/slides/slide33.xml><?xml version="1.0" encoding="utf-8"?>
 <p:sld xmlns:a="http://schemas.openxmlformats.org/drawingml/2006/main" xmlns:r="http://schemas.openxmlformats.org/officeDocument/2006/relationships" xmlns:p="http://schemas.openxmlformats.org/presentationml/2006/main">
   <p:cSld>
     <p:spTree>
@@ -10379,7 +11449,7 @@
           <a:p>
             <a:fld id="{D8C21D6C-D2EB-4035-A5FA-FB33EA0C0521}" type="slidenum">
               <a:rPr lang="pt-BR" smtClean="0"/>
-              <a:t>36</a:t>
+              <a:t>33</a:t>
             </a:fld>
             <a:endParaRPr lang="pt-BR"/>
           </a:p>
@@ -10410,7 +11480,7 @@
 </p:sld>
 </file>
 
-<file path=ppt/slides/slide37.xml><?xml version="1.0" encoding="utf-8"?>
+<file path=ppt/slides/slide34.xml><?xml version="1.0" encoding="utf-8"?>
 <p:sld xmlns:a="http://schemas.openxmlformats.org/drawingml/2006/main" xmlns:r="http://schemas.openxmlformats.org/officeDocument/2006/relationships" xmlns:p="http://schemas.openxmlformats.org/presentationml/2006/main">
   <p:cSld>
     <p:spTree>
@@ -10915,16 +11985,6 @@
               <a:rPr lang="pt-BR" sz="2800" dirty="0"/>
               <a:t>Criação de ambientes de aprendizagem coerente com o perfil dos estudantes;</a:t>
             </a:r>
-          </a:p>
-          <a:p>
-            <a:pPr lvl="1" algn="just"/>
-            <a:r>
-              <a:rPr lang="pt-BR" sz="2400" dirty="0"/>
-              <a:t>Necessidade de locomoção;</a:t>
-            </a:r>
-          </a:p>
-          <a:p>
-            <a:pPr lvl="1" algn="just"/>
             <a:endParaRPr lang="pt-BR" sz="2200" dirty="0"/>
           </a:p>
           <a:p>
@@ -11741,8 +12801,12 @@
           <a:p>
             <a:pPr lvl="1" algn="just"/>
             <a:r>
+              <a:rPr lang="pt-BR" sz="2400" b="1" dirty="0"/>
+              <a:t>Mobile Learning</a:t>
+            </a:r>
+            <a:r>
               <a:rPr lang="pt-BR" sz="2400" b="1" i="1" dirty="0"/>
-              <a:t>Mobile Learning;</a:t>
+              <a:t>;</a:t>
             </a:r>
           </a:p>
           <a:p>
